--- a/apresentacao/Workshop PHP 201610210136.pptx
+++ b/apresentacao/Workshop PHP 201610210136.pptx
@@ -3699,7 +3699,7 @@
                   </a:spcAft>
                 </a:pPr>
                 <a:r>
-                  <a:rPr lang="en-US" sz="1400" dirty="0">
+                  <a:rPr lang="en-US" sz="1400" dirty="0" err="1" smtClean="0">
                     <a:solidFill>
                       <a:schemeClr val="tx1">
                         <a:lumMod val="85000"/>
@@ -3710,21 +3710,7 @@
                     <a:ea typeface="Verdana" panose="020B0604030504040204" pitchFamily="34" charset="0"/>
                     <a:cs typeface="Verdana" panose="020B0604030504040204" pitchFamily="34" charset="0"/>
                   </a:rPr>
-                  <a:t>Object-oriented programming is an approach to designing modular reusable software systems. The object-oriented approach is an evolution of good design practices that go back to the very beginning of computer programming. Object-orientation is simply the logical extension of older techniques such as structured programming and abstract data </a:t>
-                </a:r>
-                <a:r>
-                  <a:rPr lang="en-US" sz="1400" dirty="0" smtClean="0">
-                    <a:solidFill>
-                      <a:schemeClr val="tx1">
-                        <a:lumMod val="85000"/>
-                        <a:lumOff val="15000"/>
-                      </a:schemeClr>
-                    </a:solidFill>
-                    <a:latin typeface="Verdana" panose="020B0604030504040204" pitchFamily="34" charset="0"/>
-                    <a:ea typeface="Verdana" panose="020B0604030504040204" pitchFamily="34" charset="0"/>
-                    <a:cs typeface="Verdana" panose="020B0604030504040204" pitchFamily="34" charset="0"/>
-                  </a:rPr>
-                  <a:t>types.</a:t>
+                  <a:t>aa</a:t>
                 </a:r>
                 <a:endParaRPr lang="pt-BR" sz="1400" dirty="0" smtClean="0">
                   <a:solidFill>
@@ -3911,11 +3897,10 @@
               <a:bodyPr lIns="108000" tIns="108000" rIns="108000" bIns="108000" rtlCol="0" anchor="ctr"/>
               <a:lstStyle/>
               <a:p>
-                <a:pPr marL="342900" indent="-342900">
+                <a:pPr>
                   <a:spcAft>
                     <a:spcPts val="600"/>
                   </a:spcAft>
-                  <a:buAutoNum type="arabicParenR"/>
                 </a:pPr>
                 <a:r>
                   <a:rPr lang="pt-BR" sz="1400" dirty="0" smtClean="0">
@@ -3929,30 +3914,19 @@
                     <a:ea typeface="Verdana" panose="020B0604030504040204" pitchFamily="34" charset="0"/>
                     <a:cs typeface="Verdana" panose="020B0604030504040204" pitchFamily="34" charset="0"/>
                   </a:rPr>
-                  <a:t>Duplicar código não é uma coisa boa.</a:t>
+                  <a:t>aa</a:t>
                 </a:r>
-              </a:p>
-              <a:p>
-                <a:pPr marL="342900" indent="-342900">
-                  <a:spcAft>
-                    <a:spcPts val="600"/>
-                  </a:spcAft>
-                  <a:buAutoNum type="arabicParenR"/>
-                </a:pPr>
-                <a:r>
-                  <a:rPr lang="pt-BR" sz="1400" dirty="0" smtClean="0">
-                    <a:solidFill>
-                      <a:schemeClr val="tx1">
-                        <a:lumMod val="85000"/>
-                        <a:lumOff val="15000"/>
-                      </a:schemeClr>
-                    </a:solidFill>
-                    <a:latin typeface="Verdana" panose="020B0604030504040204" pitchFamily="34" charset="0"/>
-                    <a:ea typeface="Verdana" panose="020B0604030504040204" pitchFamily="34" charset="0"/>
-                    <a:cs typeface="Verdana" panose="020B0604030504040204" pitchFamily="34" charset="0"/>
-                  </a:rPr>
-                  <a:t>O código sempre será alterado</a:t>
-                </a:r>
+                <a:endParaRPr lang="pt-BR" sz="1400" dirty="0" smtClean="0">
+                  <a:solidFill>
+                    <a:schemeClr val="tx1">
+                      <a:lumMod val="85000"/>
+                      <a:lumOff val="15000"/>
+                    </a:schemeClr>
+                  </a:solidFill>
+                  <a:latin typeface="Verdana" panose="020B0604030504040204" pitchFamily="34" charset="0"/>
+                  <a:ea typeface="Verdana" panose="020B0604030504040204" pitchFamily="34" charset="0"/>
+                  <a:cs typeface="Verdana" panose="020B0604030504040204" pitchFamily="34" charset="0"/>
+                </a:endParaRPr>
               </a:p>
             </p:txBody>
           </p:sp>

--- a/apresentacao/Workshop PHP 201610210136.pptx
+++ b/apresentacao/Workshop PHP 201610210136.pptx
@@ -5,10 +5,10 @@
     <p:sldMasterId id="2147483648" r:id="rId1"/>
   </p:sldMasterIdLst>
   <p:notesMasterIdLst>
-    <p:notesMasterId r:id="rId22"/>
+    <p:notesMasterId r:id="rId27"/>
   </p:notesMasterIdLst>
   <p:handoutMasterIdLst>
-    <p:handoutMasterId r:id="rId23"/>
+    <p:handoutMasterId r:id="rId28"/>
   </p:handoutMasterIdLst>
   <p:sldIdLst>
     <p:sldId id="312" r:id="rId2"/>
@@ -24,13 +24,18 @@
     <p:sldId id="365" r:id="rId12"/>
     <p:sldId id="366" r:id="rId13"/>
     <p:sldId id="367" r:id="rId14"/>
-    <p:sldId id="368" r:id="rId15"/>
-    <p:sldId id="369" r:id="rId16"/>
-    <p:sldId id="370" r:id="rId17"/>
-    <p:sldId id="371" r:id="rId18"/>
-    <p:sldId id="334" r:id="rId19"/>
-    <p:sldId id="333" r:id="rId20"/>
-    <p:sldId id="344" r:id="rId21"/>
+    <p:sldId id="372" r:id="rId15"/>
+    <p:sldId id="373" r:id="rId16"/>
+    <p:sldId id="377" r:id="rId17"/>
+    <p:sldId id="370" r:id="rId18"/>
+    <p:sldId id="371" r:id="rId19"/>
+    <p:sldId id="374" r:id="rId20"/>
+    <p:sldId id="375" r:id="rId21"/>
+    <p:sldId id="378" r:id="rId22"/>
+    <p:sldId id="376" r:id="rId23"/>
+    <p:sldId id="334" r:id="rId24"/>
+    <p:sldId id="333" r:id="rId25"/>
+    <p:sldId id="344" r:id="rId26"/>
   </p:sldIdLst>
   <p:sldSz cx="9144000" cy="6858000" type="screen4x3"/>
   <p:notesSz cx="6858000" cy="9144000"/>
@@ -749,6 +754,90 @@
 </p:notes>
 </file>
 
+<file path=ppt/notesSlides/notesSlide10.xml><?xml version="1.0" encoding="utf-8"?>
+<p:notes xmlns:a="http://schemas.openxmlformats.org/drawingml/2006/main" xmlns:r="http://schemas.openxmlformats.org/officeDocument/2006/relationships" xmlns:p="http://schemas.openxmlformats.org/presentationml/2006/main">
+  <p:cSld>
+    <p:spTree>
+      <p:nvGrpSpPr>
+        <p:cNvPr id="1" name=""/>
+        <p:cNvGrpSpPr/>
+        <p:nvPr/>
+      </p:nvGrpSpPr>
+      <p:grpSpPr>
+        <a:xfrm>
+          <a:off x="0" y="0"/>
+          <a:ext cx="0" cy="0"/>
+          <a:chOff x="0" y="0"/>
+          <a:chExt cx="0" cy="0"/>
+        </a:xfrm>
+      </p:grpSpPr>
+      <p:sp>
+        <p:nvSpPr>
+          <p:cNvPr id="2" name="Slide Image Placeholder 1"/>
+          <p:cNvSpPr>
+            <a:spLocks noGrp="1" noRot="1" noChangeAspect="1"/>
+          </p:cNvSpPr>
+          <p:nvPr>
+            <p:ph type="sldImg"/>
+          </p:nvPr>
+        </p:nvSpPr>
+        <p:spPr/>
+      </p:sp>
+      <p:sp>
+        <p:nvSpPr>
+          <p:cNvPr id="3" name="Notes Placeholder 2"/>
+          <p:cNvSpPr>
+            <a:spLocks noGrp="1"/>
+          </p:cNvSpPr>
+          <p:nvPr>
+            <p:ph type="body" idx="1"/>
+          </p:nvPr>
+        </p:nvSpPr>
+        <p:spPr/>
+        <p:txBody>
+          <a:bodyPr/>
+          <a:lstStyle/>
+          <a:p>
+            <a:endParaRPr lang="pt-BR" dirty="0"/>
+          </a:p>
+        </p:txBody>
+      </p:sp>
+      <p:sp>
+        <p:nvSpPr>
+          <p:cNvPr id="4" name="Slide Number Placeholder 3"/>
+          <p:cNvSpPr>
+            <a:spLocks noGrp="1"/>
+          </p:cNvSpPr>
+          <p:nvPr>
+            <p:ph type="sldNum" sz="quarter" idx="10"/>
+          </p:nvPr>
+        </p:nvSpPr>
+        <p:spPr/>
+        <p:txBody>
+          <a:bodyPr/>
+          <a:lstStyle/>
+          <a:p>
+            <a:fld id="{E3A58053-843A-4624-A858-77690A61FF88}" type="slidenum">
+              <a:rPr lang="pt-BR" smtClean="0"/>
+              <a:t>22</a:t>
+            </a:fld>
+            <a:endParaRPr lang="pt-BR"/>
+          </a:p>
+        </p:txBody>
+      </p:sp>
+    </p:spTree>
+    <p:extLst>
+      <p:ext uri="{BB962C8B-B14F-4D97-AF65-F5344CB8AC3E}">
+        <p14:creationId xmlns:p14="http://schemas.microsoft.com/office/powerpoint/2010/main" val="884871197"/>
+      </p:ext>
+    </p:extLst>
+  </p:cSld>
+  <p:clrMapOvr>
+    <a:masterClrMapping/>
+  </p:clrMapOvr>
+</p:notes>
+</file>
+
 <file path=ppt/notesSlides/notesSlide2.xml><?xml version="1.0" encoding="utf-8"?>
 <p:notes xmlns:a="http://schemas.openxmlformats.org/drawingml/2006/main" xmlns:r="http://schemas.openxmlformats.org/officeDocument/2006/relationships" xmlns:p="http://schemas.openxmlformats.org/presentationml/2006/main">
   <p:cSld>
@@ -991,7 +1080,7 @@
     </p:spTree>
     <p:extLst>
       <p:ext uri="{BB962C8B-B14F-4D97-AF65-F5344CB8AC3E}">
-        <p14:creationId xmlns:p14="http://schemas.microsoft.com/office/powerpoint/2010/main" val="3099239697"/>
+        <p14:creationId xmlns:p14="http://schemas.microsoft.com/office/powerpoint/2010/main" val="2697671062"/>
       </p:ext>
     </p:extLst>
   </p:cSld>
@@ -1075,7 +1164,7 @@
     </p:spTree>
     <p:extLst>
       <p:ext uri="{BB962C8B-B14F-4D97-AF65-F5344CB8AC3E}">
-        <p14:creationId xmlns:p14="http://schemas.microsoft.com/office/powerpoint/2010/main" val="3997173971"/>
+        <p14:creationId xmlns:p14="http://schemas.microsoft.com/office/powerpoint/2010/main" val="454966355"/>
       </p:ext>
     </p:extLst>
   </p:cSld>
@@ -1150,7 +1239,91 @@
           <a:p>
             <a:fld id="{E3A58053-843A-4624-A858-77690A61FF88}" type="slidenum">
               <a:rPr lang="pt-BR" smtClean="0"/>
-              <a:t>17</a:t>
+              <a:t>16</a:t>
+            </a:fld>
+            <a:endParaRPr lang="pt-BR"/>
+          </a:p>
+        </p:txBody>
+      </p:sp>
+    </p:spTree>
+    <p:extLst>
+      <p:ext uri="{BB962C8B-B14F-4D97-AF65-F5344CB8AC3E}">
+        <p14:creationId xmlns:p14="http://schemas.microsoft.com/office/powerpoint/2010/main" val="907769982"/>
+      </p:ext>
+    </p:extLst>
+  </p:cSld>
+  <p:clrMapOvr>
+    <a:masterClrMapping/>
+  </p:clrMapOvr>
+</p:notes>
+</file>
+
+<file path=ppt/notesSlides/notesSlide7.xml><?xml version="1.0" encoding="utf-8"?>
+<p:notes xmlns:a="http://schemas.openxmlformats.org/drawingml/2006/main" xmlns:r="http://schemas.openxmlformats.org/officeDocument/2006/relationships" xmlns:p="http://schemas.openxmlformats.org/presentationml/2006/main">
+  <p:cSld>
+    <p:spTree>
+      <p:nvGrpSpPr>
+        <p:cNvPr id="1" name=""/>
+        <p:cNvGrpSpPr/>
+        <p:nvPr/>
+      </p:nvGrpSpPr>
+      <p:grpSpPr>
+        <a:xfrm>
+          <a:off x="0" y="0"/>
+          <a:ext cx="0" cy="0"/>
+          <a:chOff x="0" y="0"/>
+          <a:chExt cx="0" cy="0"/>
+        </a:xfrm>
+      </p:grpSpPr>
+      <p:sp>
+        <p:nvSpPr>
+          <p:cNvPr id="2" name="Slide Image Placeholder 1"/>
+          <p:cNvSpPr>
+            <a:spLocks noGrp="1" noRot="1" noChangeAspect="1"/>
+          </p:cNvSpPr>
+          <p:nvPr>
+            <p:ph type="sldImg"/>
+          </p:nvPr>
+        </p:nvSpPr>
+        <p:spPr/>
+      </p:sp>
+      <p:sp>
+        <p:nvSpPr>
+          <p:cNvPr id="3" name="Notes Placeholder 2"/>
+          <p:cNvSpPr>
+            <a:spLocks noGrp="1"/>
+          </p:cNvSpPr>
+          <p:nvPr>
+            <p:ph type="body" idx="1"/>
+          </p:nvPr>
+        </p:nvSpPr>
+        <p:spPr/>
+        <p:txBody>
+          <a:bodyPr/>
+          <a:lstStyle/>
+          <a:p>
+            <a:endParaRPr lang="pt-BR" dirty="0"/>
+          </a:p>
+        </p:txBody>
+      </p:sp>
+      <p:sp>
+        <p:nvSpPr>
+          <p:cNvPr id="4" name="Slide Number Placeholder 3"/>
+          <p:cNvSpPr>
+            <a:spLocks noGrp="1"/>
+          </p:cNvSpPr>
+          <p:nvPr>
+            <p:ph type="sldNum" sz="quarter" idx="10"/>
+          </p:nvPr>
+        </p:nvSpPr>
+        <p:spPr/>
+        <p:txBody>
+          <a:bodyPr/>
+          <a:lstStyle/>
+          <a:p>
+            <a:fld id="{E3A58053-843A-4624-A858-77690A61FF88}" type="slidenum">
+              <a:rPr lang="pt-BR" smtClean="0"/>
+              <a:t>18</a:t>
             </a:fld>
             <a:endParaRPr lang="pt-BR"/>
           </a:p>
@@ -1160,6 +1333,174 @@
     <p:extLst>
       <p:ext uri="{BB962C8B-B14F-4D97-AF65-F5344CB8AC3E}">
         <p14:creationId xmlns:p14="http://schemas.microsoft.com/office/powerpoint/2010/main" val="2245520052"/>
+      </p:ext>
+    </p:extLst>
+  </p:cSld>
+  <p:clrMapOvr>
+    <a:masterClrMapping/>
+  </p:clrMapOvr>
+</p:notes>
+</file>
+
+<file path=ppt/notesSlides/notesSlide8.xml><?xml version="1.0" encoding="utf-8"?>
+<p:notes xmlns:a="http://schemas.openxmlformats.org/drawingml/2006/main" xmlns:r="http://schemas.openxmlformats.org/officeDocument/2006/relationships" xmlns:p="http://schemas.openxmlformats.org/presentationml/2006/main">
+  <p:cSld>
+    <p:spTree>
+      <p:nvGrpSpPr>
+        <p:cNvPr id="1" name=""/>
+        <p:cNvGrpSpPr/>
+        <p:nvPr/>
+      </p:nvGrpSpPr>
+      <p:grpSpPr>
+        <a:xfrm>
+          <a:off x="0" y="0"/>
+          <a:ext cx="0" cy="0"/>
+          <a:chOff x="0" y="0"/>
+          <a:chExt cx="0" cy="0"/>
+        </a:xfrm>
+      </p:grpSpPr>
+      <p:sp>
+        <p:nvSpPr>
+          <p:cNvPr id="2" name="Slide Image Placeholder 1"/>
+          <p:cNvSpPr>
+            <a:spLocks noGrp="1" noRot="1" noChangeAspect="1"/>
+          </p:cNvSpPr>
+          <p:nvPr>
+            <p:ph type="sldImg"/>
+          </p:nvPr>
+        </p:nvSpPr>
+        <p:spPr/>
+      </p:sp>
+      <p:sp>
+        <p:nvSpPr>
+          <p:cNvPr id="3" name="Notes Placeholder 2"/>
+          <p:cNvSpPr>
+            <a:spLocks noGrp="1"/>
+          </p:cNvSpPr>
+          <p:nvPr>
+            <p:ph type="body" idx="1"/>
+          </p:nvPr>
+        </p:nvSpPr>
+        <p:spPr/>
+        <p:txBody>
+          <a:bodyPr/>
+          <a:lstStyle/>
+          <a:p>
+            <a:endParaRPr lang="pt-BR" dirty="0"/>
+          </a:p>
+        </p:txBody>
+      </p:sp>
+      <p:sp>
+        <p:nvSpPr>
+          <p:cNvPr id="4" name="Slide Number Placeholder 3"/>
+          <p:cNvSpPr>
+            <a:spLocks noGrp="1"/>
+          </p:cNvSpPr>
+          <p:nvPr>
+            <p:ph type="sldNum" sz="quarter" idx="10"/>
+          </p:nvPr>
+        </p:nvSpPr>
+        <p:spPr/>
+        <p:txBody>
+          <a:bodyPr/>
+          <a:lstStyle/>
+          <a:p>
+            <a:fld id="{E3A58053-843A-4624-A858-77690A61FF88}" type="slidenum">
+              <a:rPr lang="pt-BR" smtClean="0"/>
+              <a:t>19</a:t>
+            </a:fld>
+            <a:endParaRPr lang="pt-BR"/>
+          </a:p>
+        </p:txBody>
+      </p:sp>
+    </p:spTree>
+    <p:extLst>
+      <p:ext uri="{BB962C8B-B14F-4D97-AF65-F5344CB8AC3E}">
+        <p14:creationId xmlns:p14="http://schemas.microsoft.com/office/powerpoint/2010/main" val="2763716287"/>
+      </p:ext>
+    </p:extLst>
+  </p:cSld>
+  <p:clrMapOvr>
+    <a:masterClrMapping/>
+  </p:clrMapOvr>
+</p:notes>
+</file>
+
+<file path=ppt/notesSlides/notesSlide9.xml><?xml version="1.0" encoding="utf-8"?>
+<p:notes xmlns:a="http://schemas.openxmlformats.org/drawingml/2006/main" xmlns:r="http://schemas.openxmlformats.org/officeDocument/2006/relationships" xmlns:p="http://schemas.openxmlformats.org/presentationml/2006/main">
+  <p:cSld>
+    <p:spTree>
+      <p:nvGrpSpPr>
+        <p:cNvPr id="1" name=""/>
+        <p:cNvGrpSpPr/>
+        <p:nvPr/>
+      </p:nvGrpSpPr>
+      <p:grpSpPr>
+        <a:xfrm>
+          <a:off x="0" y="0"/>
+          <a:ext cx="0" cy="0"/>
+          <a:chOff x="0" y="0"/>
+          <a:chExt cx="0" cy="0"/>
+        </a:xfrm>
+      </p:grpSpPr>
+      <p:sp>
+        <p:nvSpPr>
+          <p:cNvPr id="2" name="Slide Image Placeholder 1"/>
+          <p:cNvSpPr>
+            <a:spLocks noGrp="1" noRot="1" noChangeAspect="1"/>
+          </p:cNvSpPr>
+          <p:nvPr>
+            <p:ph type="sldImg"/>
+          </p:nvPr>
+        </p:nvSpPr>
+        <p:spPr/>
+      </p:sp>
+      <p:sp>
+        <p:nvSpPr>
+          <p:cNvPr id="3" name="Notes Placeholder 2"/>
+          <p:cNvSpPr>
+            <a:spLocks noGrp="1"/>
+          </p:cNvSpPr>
+          <p:nvPr>
+            <p:ph type="body" idx="1"/>
+          </p:nvPr>
+        </p:nvSpPr>
+        <p:spPr/>
+        <p:txBody>
+          <a:bodyPr/>
+          <a:lstStyle/>
+          <a:p>
+            <a:endParaRPr lang="pt-BR" dirty="0"/>
+          </a:p>
+        </p:txBody>
+      </p:sp>
+      <p:sp>
+        <p:nvSpPr>
+          <p:cNvPr id="4" name="Slide Number Placeholder 3"/>
+          <p:cNvSpPr>
+            <a:spLocks noGrp="1"/>
+          </p:cNvSpPr>
+          <p:nvPr>
+            <p:ph type="sldNum" sz="quarter" idx="10"/>
+          </p:nvPr>
+        </p:nvSpPr>
+        <p:spPr/>
+        <p:txBody>
+          <a:bodyPr/>
+          <a:lstStyle/>
+          <a:p>
+            <a:fld id="{E3A58053-843A-4624-A858-77690A61FF88}" type="slidenum">
+              <a:rPr lang="pt-BR" smtClean="0"/>
+              <a:t>21</a:t>
+            </a:fld>
+            <a:endParaRPr lang="pt-BR"/>
+          </a:p>
+        </p:txBody>
+      </p:sp>
+    </p:spTree>
+    <p:extLst>
+      <p:ext uri="{BB962C8B-B14F-4D97-AF65-F5344CB8AC3E}">
+        <p14:creationId xmlns:p14="http://schemas.microsoft.com/office/powerpoint/2010/main" val="1773099134"/>
       </p:ext>
     </p:extLst>
   </p:cSld>
@@ -2350,7 +2691,7 @@
           <a:lstStyle/>
           <a:p>
             <a:r>
-              <a:rPr lang="pt-BR" smtClean="0">
+              <a:rPr lang="pt-BR" dirty="0" smtClean="0">
                 <a:solidFill>
                   <a:schemeClr val="tx1">
                     <a:lumMod val="85000"/>
@@ -2763,6 +3104,12 @@
               <a:pPr algn="ctr"/>
               <a:r>
                 <a:rPr lang="pt-BR" sz="1000" i="1" dirty="0">
+                  <a:solidFill>
+                    <a:schemeClr val="tx1">
+                      <a:lumMod val="85000"/>
+                      <a:lumOff val="15000"/>
+                    </a:schemeClr>
+                  </a:solidFill>
                   <a:latin typeface="Verdana" panose="020B0604030504040204" pitchFamily="34" charset="0"/>
                   <a:ea typeface="Verdana" panose="020B0604030504040204" pitchFamily="34" charset="0"/>
                   <a:cs typeface="Verdana" panose="020B0604030504040204" pitchFamily="34" charset="0"/>
@@ -2979,6 +3326,12 @@
               <a:pPr algn="ctr"/>
               <a:r>
                 <a:rPr lang="pt-BR" sz="1000" i="1" dirty="0" smtClean="0">
+                  <a:solidFill>
+                    <a:schemeClr val="tx1">
+                      <a:lumMod val="85000"/>
+                      <a:lumOff val="15000"/>
+                    </a:schemeClr>
+                  </a:solidFill>
                   <a:latin typeface="Verdana" panose="020B0604030504040204" pitchFamily="34" charset="0"/>
                   <a:ea typeface="Verdana" panose="020B0604030504040204" pitchFamily="34" charset="0"/>
                   <a:cs typeface="Verdana" panose="020B0604030504040204" pitchFamily="34" charset="0"/>
@@ -2986,6 +3339,12 @@
                 <a:t>inventwithpython.com</a:t>
               </a:r>
               <a:endParaRPr lang="pt-BR" sz="1000" i="1" dirty="0">
+                <a:solidFill>
+                  <a:schemeClr val="tx1">
+                    <a:lumMod val="85000"/>
+                    <a:lumOff val="15000"/>
+                  </a:schemeClr>
+                </a:solidFill>
                 <a:latin typeface="Verdana" panose="020B0604030504040204" pitchFamily="34" charset="0"/>
                 <a:ea typeface="Verdana" panose="020B0604030504040204" pitchFamily="34" charset="0"/>
                 <a:cs typeface="Verdana" panose="020B0604030504040204" pitchFamily="34" charset="0"/>
@@ -3099,6 +3458,30 @@
           <a:chExt cx="0" cy="0"/>
         </a:xfrm>
       </p:grpSpPr>
+      <p:pic>
+        <p:nvPicPr>
+          <p:cNvPr id="4" name="Picture 3"/>
+          <p:cNvPicPr>
+            <a:picLocks noChangeAspect="1"/>
+          </p:cNvPicPr>
+          <p:nvPr/>
+        </p:nvPicPr>
+        <p:blipFill>
+          <a:blip r:embed="rId3"/>
+          <a:stretch>
+            <a:fillRect/>
+          </a:stretch>
+        </p:blipFill>
+        <p:spPr>
+          <a:xfrm>
+            <a:off x="179512" y="1236875"/>
+            <a:ext cx="2409825" cy="1228725"/>
+          </a:xfrm>
+          <a:prstGeom prst="rect">
+            <a:avLst/>
+          </a:prstGeom>
+        </p:spPr>
+      </p:pic>
       <p:sp>
         <p:nvSpPr>
           <p:cNvPr id="2" name="Text Placeholder 1"/>
@@ -3149,30 +3532,64 @@
           </a:p>
         </p:txBody>
       </p:sp>
-      <p:pic>
-        <p:nvPicPr>
-          <p:cNvPr id="5" name="Picture 4"/>
-          <p:cNvPicPr>
-            <a:picLocks noChangeAspect="1"/>
-          </p:cNvPicPr>
+      <p:sp>
+        <p:nvSpPr>
+          <p:cNvPr id="6" name="Rectangle 5"/>
+          <p:cNvSpPr/>
           <p:nvPr/>
-        </p:nvPicPr>
-        <p:blipFill>
-          <a:blip r:embed="rId3"/>
-          <a:stretch>
-            <a:fillRect/>
-          </a:stretch>
-        </p:blipFill>
+        </p:nvSpPr>
         <p:spPr>
           <a:xfrm>
-            <a:off x="323528" y="908720"/>
-            <a:ext cx="3429000" cy="1657350"/>
+            <a:off x="165657" y="925874"/>
+            <a:ext cx="8798831" cy="284526"/>
           </a:xfrm>
           <a:prstGeom prst="rect">
             <a:avLst/>
           </a:prstGeom>
+          <a:solidFill>
+            <a:srgbClr val="FB8C00"/>
+          </a:solidFill>
+          <a:ln>
+            <a:noFill/>
+          </a:ln>
         </p:spPr>
-      </p:pic>
+        <p:style>
+          <a:lnRef idx="2">
+            <a:schemeClr val="accent1">
+              <a:shade val="50000"/>
+            </a:schemeClr>
+          </a:lnRef>
+          <a:fillRef idx="1">
+            <a:schemeClr val="accent1"/>
+          </a:fillRef>
+          <a:effectRef idx="0">
+            <a:schemeClr val="accent1"/>
+          </a:effectRef>
+          <a:fontRef idx="minor">
+            <a:schemeClr val="lt1"/>
+          </a:fontRef>
+        </p:style>
+        <p:txBody>
+          <a:bodyPr rtlCol="0" anchor="ctr"/>
+          <a:lstStyle/>
+          <a:p>
+            <a:pPr algn="ctr"/>
+            <a:r>
+              <a:rPr lang="pt-BR" sz="1400" b="1" dirty="0" smtClean="0">
+                <a:latin typeface="Verdana" panose="020B0604030504040204" pitchFamily="34" charset="0"/>
+                <a:ea typeface="Verdana" panose="020B0604030504040204" pitchFamily="34" charset="0"/>
+                <a:cs typeface="Verdana" panose="020B0604030504040204" pitchFamily="34" charset="0"/>
+              </a:rPr>
+              <a:t>Produto.php</a:t>
+            </a:r>
+            <a:endParaRPr lang="pt-BR" sz="1400" b="1" dirty="0">
+              <a:latin typeface="Verdana" panose="020B0604030504040204" pitchFamily="34" charset="0"/>
+              <a:ea typeface="Verdana" panose="020B0604030504040204" pitchFamily="34" charset="0"/>
+              <a:cs typeface="Verdana" panose="020B0604030504040204" pitchFamily="34" charset="0"/>
+            </a:endParaRPr>
+          </a:p>
+        </p:txBody>
+      </p:sp>
     </p:spTree>
     <p:extLst>
       <p:ext uri="{BB962C8B-B14F-4D97-AF65-F5344CB8AC3E}">
@@ -3218,6 +3635,30 @@
           <a:chExt cx="0" cy="0"/>
         </a:xfrm>
       </p:grpSpPr>
+      <p:pic>
+        <p:nvPicPr>
+          <p:cNvPr id="5" name="Picture 4"/>
+          <p:cNvPicPr>
+            <a:picLocks noChangeAspect="1"/>
+          </p:cNvPicPr>
+          <p:nvPr/>
+        </p:nvPicPr>
+        <p:blipFill>
+          <a:blip r:embed="rId3"/>
+          <a:stretch>
+            <a:fillRect/>
+          </a:stretch>
+        </p:blipFill>
+        <p:spPr>
+          <a:xfrm>
+            <a:off x="86053" y="1210400"/>
+            <a:ext cx="3419475" cy="2438400"/>
+          </a:xfrm>
+          <a:prstGeom prst="rect">
+            <a:avLst/>
+          </a:prstGeom>
+        </p:spPr>
+      </p:pic>
       <p:sp>
         <p:nvSpPr>
           <p:cNvPr id="2" name="Text Placeholder 1"/>
@@ -3268,34 +3709,68 @@
           </a:p>
         </p:txBody>
       </p:sp>
-      <p:pic>
-        <p:nvPicPr>
-          <p:cNvPr id="6" name="Picture 5"/>
-          <p:cNvPicPr>
-            <a:picLocks noChangeAspect="1"/>
-          </p:cNvPicPr>
+      <p:sp>
+        <p:nvSpPr>
+          <p:cNvPr id="6" name="Rectangle 5"/>
+          <p:cNvSpPr/>
           <p:nvPr/>
-        </p:nvPicPr>
-        <p:blipFill>
-          <a:blip r:embed="rId3"/>
-          <a:stretch>
-            <a:fillRect/>
-          </a:stretch>
-        </p:blipFill>
+        </p:nvSpPr>
         <p:spPr>
           <a:xfrm>
-            <a:off x="248160" y="836712"/>
-            <a:ext cx="4800600" cy="3124200"/>
+            <a:off x="165657" y="925874"/>
+            <a:ext cx="8798831" cy="284526"/>
           </a:xfrm>
           <a:prstGeom prst="rect">
             <a:avLst/>
           </a:prstGeom>
+          <a:solidFill>
+            <a:srgbClr val="FB8C00"/>
+          </a:solidFill>
+          <a:ln>
+            <a:noFill/>
+          </a:ln>
         </p:spPr>
-      </p:pic>
+        <p:style>
+          <a:lnRef idx="2">
+            <a:schemeClr val="accent1">
+              <a:shade val="50000"/>
+            </a:schemeClr>
+          </a:lnRef>
+          <a:fillRef idx="1">
+            <a:schemeClr val="accent1"/>
+          </a:fillRef>
+          <a:effectRef idx="0">
+            <a:schemeClr val="accent1"/>
+          </a:effectRef>
+          <a:fontRef idx="minor">
+            <a:schemeClr val="lt1"/>
+          </a:fontRef>
+        </p:style>
+        <p:txBody>
+          <a:bodyPr rtlCol="0" anchor="ctr"/>
+          <a:lstStyle/>
+          <a:p>
+            <a:pPr algn="ctr"/>
+            <a:r>
+              <a:rPr lang="pt-BR" sz="1400" b="1" dirty="0" smtClean="0">
+                <a:latin typeface="Verdana" panose="020B0604030504040204" pitchFamily="34" charset="0"/>
+                <a:ea typeface="Verdana" panose="020B0604030504040204" pitchFamily="34" charset="0"/>
+                <a:cs typeface="Verdana" panose="020B0604030504040204" pitchFamily="34" charset="0"/>
+              </a:rPr>
+              <a:t>Produto.php</a:t>
+            </a:r>
+            <a:endParaRPr lang="pt-BR" sz="1400" b="1" dirty="0">
+              <a:latin typeface="Verdana" panose="020B0604030504040204" pitchFamily="34" charset="0"/>
+              <a:ea typeface="Verdana" panose="020B0604030504040204" pitchFamily="34" charset="0"/>
+              <a:cs typeface="Verdana" panose="020B0604030504040204" pitchFamily="34" charset="0"/>
+            </a:endParaRPr>
+          </a:p>
+        </p:txBody>
+      </p:sp>
     </p:spTree>
     <p:extLst>
       <p:ext uri="{BB962C8B-B14F-4D97-AF65-F5344CB8AC3E}">
-        <p14:creationId xmlns:p14="http://schemas.microsoft.com/office/powerpoint/2010/main" val="3302671727"/>
+        <p14:creationId xmlns:p14="http://schemas.microsoft.com/office/powerpoint/2010/main" val="4154823593"/>
       </p:ext>
     </p:extLst>
   </p:cSld>
@@ -3337,6 +3812,30 @@
           <a:chExt cx="0" cy="0"/>
         </a:xfrm>
       </p:grpSpPr>
+      <p:pic>
+        <p:nvPicPr>
+          <p:cNvPr id="4" name="Picture 3"/>
+          <p:cNvPicPr>
+            <a:picLocks noChangeAspect="1"/>
+          </p:cNvPicPr>
+          <p:nvPr/>
+        </p:nvPicPr>
+        <p:blipFill>
+          <a:blip r:embed="rId3"/>
+          <a:stretch>
+            <a:fillRect/>
+          </a:stretch>
+        </p:blipFill>
+        <p:spPr>
+          <a:xfrm>
+            <a:off x="118552" y="1242433"/>
+            <a:ext cx="7464136" cy="5039591"/>
+          </a:xfrm>
+          <a:prstGeom prst="rect">
+            <a:avLst/>
+          </a:prstGeom>
+        </p:spPr>
+      </p:pic>
       <p:sp>
         <p:nvSpPr>
           <p:cNvPr id="2" name="Text Placeholder 1"/>
@@ -3387,34 +3886,68 @@
           </a:p>
         </p:txBody>
       </p:sp>
-      <p:pic>
-        <p:nvPicPr>
-          <p:cNvPr id="4" name="Picture 3"/>
-          <p:cNvPicPr>
-            <a:picLocks noChangeAspect="1"/>
-          </p:cNvPicPr>
+      <p:sp>
+        <p:nvSpPr>
+          <p:cNvPr id="6" name="Rectangle 5"/>
+          <p:cNvSpPr/>
           <p:nvPr/>
-        </p:nvPicPr>
-        <p:blipFill>
-          <a:blip r:embed="rId3"/>
-          <a:stretch>
-            <a:fillRect/>
-          </a:stretch>
-        </p:blipFill>
+        </p:nvSpPr>
         <p:spPr>
           <a:xfrm>
-            <a:off x="251520" y="793204"/>
-            <a:ext cx="8572500" cy="5372100"/>
+            <a:off x="165657" y="925874"/>
+            <a:ext cx="8798831" cy="284526"/>
           </a:xfrm>
           <a:prstGeom prst="rect">
             <a:avLst/>
           </a:prstGeom>
+          <a:solidFill>
+            <a:srgbClr val="FB8C00"/>
+          </a:solidFill>
+          <a:ln>
+            <a:noFill/>
+          </a:ln>
         </p:spPr>
-      </p:pic>
+        <p:style>
+          <a:lnRef idx="2">
+            <a:schemeClr val="accent1">
+              <a:shade val="50000"/>
+            </a:schemeClr>
+          </a:lnRef>
+          <a:fillRef idx="1">
+            <a:schemeClr val="accent1"/>
+          </a:fillRef>
+          <a:effectRef idx="0">
+            <a:schemeClr val="accent1"/>
+          </a:effectRef>
+          <a:fontRef idx="minor">
+            <a:schemeClr val="lt1"/>
+          </a:fontRef>
+        </p:style>
+        <p:txBody>
+          <a:bodyPr rtlCol="0" anchor="ctr"/>
+          <a:lstStyle/>
+          <a:p>
+            <a:pPr algn="ctr"/>
+            <a:r>
+              <a:rPr lang="pt-BR" sz="1400" b="1" dirty="0" smtClean="0">
+                <a:latin typeface="Verdana" panose="020B0604030504040204" pitchFamily="34" charset="0"/>
+                <a:ea typeface="Verdana" panose="020B0604030504040204" pitchFamily="34" charset="0"/>
+                <a:cs typeface="Verdana" panose="020B0604030504040204" pitchFamily="34" charset="0"/>
+              </a:rPr>
+              <a:t>Produto.php</a:t>
+            </a:r>
+            <a:endParaRPr lang="pt-BR" sz="1400" b="1" dirty="0">
+              <a:latin typeface="Verdana" panose="020B0604030504040204" pitchFamily="34" charset="0"/>
+              <a:ea typeface="Verdana" panose="020B0604030504040204" pitchFamily="34" charset="0"/>
+              <a:cs typeface="Verdana" panose="020B0604030504040204" pitchFamily="34" charset="0"/>
+            </a:endParaRPr>
+          </a:p>
+        </p:txBody>
+      </p:sp>
     </p:spTree>
     <p:extLst>
       <p:ext uri="{BB962C8B-B14F-4D97-AF65-F5344CB8AC3E}">
-        <p14:creationId xmlns:p14="http://schemas.microsoft.com/office/powerpoint/2010/main" val="206165238"/>
+        <p14:creationId xmlns:p14="http://schemas.microsoft.com/office/powerpoint/2010/main" val="4100089783"/>
       </p:ext>
     </p:extLst>
   </p:cSld>
@@ -3432,6 +3965,183 @@
 </file>
 
 <file path=ppt/slides/slide16.xml><?xml version="1.0" encoding="utf-8"?>
+<p:sld xmlns:a="http://schemas.openxmlformats.org/drawingml/2006/main" xmlns:r="http://schemas.openxmlformats.org/officeDocument/2006/relationships" xmlns:p="http://schemas.openxmlformats.org/presentationml/2006/main">
+  <p:cSld>
+    <p:bg>
+      <p:bgPr>
+        <a:solidFill>
+          <a:srgbClr val="F8F8F8"/>
+        </a:solidFill>
+        <a:effectLst/>
+      </p:bgPr>
+    </p:bg>
+    <p:spTree>
+      <p:nvGrpSpPr>
+        <p:cNvPr id="1" name=""/>
+        <p:cNvGrpSpPr/>
+        <p:nvPr/>
+      </p:nvGrpSpPr>
+      <p:grpSpPr>
+        <a:xfrm>
+          <a:off x="0" y="0"/>
+          <a:ext cx="0" cy="0"/>
+          <a:chOff x="0" y="0"/>
+          <a:chExt cx="0" cy="0"/>
+        </a:xfrm>
+      </p:grpSpPr>
+      <p:pic>
+        <p:nvPicPr>
+          <p:cNvPr id="7" name="Picture 6"/>
+          <p:cNvPicPr>
+            <a:picLocks noChangeAspect="1"/>
+          </p:cNvPicPr>
+          <p:nvPr/>
+        </p:nvPicPr>
+        <p:blipFill>
+          <a:blip r:embed="rId3"/>
+          <a:stretch>
+            <a:fillRect/>
+          </a:stretch>
+        </p:blipFill>
+        <p:spPr>
+          <a:xfrm>
+            <a:off x="107504" y="1196752"/>
+            <a:ext cx="6486525" cy="1752600"/>
+          </a:xfrm>
+          <a:prstGeom prst="rect">
+            <a:avLst/>
+          </a:prstGeom>
+        </p:spPr>
+      </p:pic>
+      <p:sp>
+        <p:nvSpPr>
+          <p:cNvPr id="2" name="Text Placeholder 1"/>
+          <p:cNvSpPr>
+            <a:spLocks noGrp="1"/>
+          </p:cNvSpPr>
+          <p:nvPr>
+            <p:ph type="body" sz="quarter" idx="10"/>
+          </p:nvPr>
+        </p:nvSpPr>
+        <p:spPr/>
+        <p:txBody>
+          <a:bodyPr/>
+          <a:lstStyle/>
+          <a:p>
+            <a:r>
+              <a:rPr lang="pt-BR" dirty="0"/>
+              <a:t>Classes e objetos</a:t>
+            </a:r>
+          </a:p>
+        </p:txBody>
+      </p:sp>
+      <p:sp>
+        <p:nvSpPr>
+          <p:cNvPr id="3" name="Slide Number Placeholder 2"/>
+          <p:cNvSpPr>
+            <a:spLocks noGrp="1"/>
+          </p:cNvSpPr>
+          <p:nvPr>
+            <p:ph type="sldNum" sz="quarter" idx="4"/>
+          </p:nvPr>
+        </p:nvSpPr>
+        <p:spPr/>
+        <p:txBody>
+          <a:bodyPr/>
+          <a:lstStyle/>
+          <a:p>
+            <a:r>
+              <a:rPr lang="pt-BR" dirty="0" smtClean="0"/>
+              <a:t>Público – </a:t>
+            </a:r>
+            <a:fld id="{6E910924-8986-41F5-96BA-CFF3B927507F}" type="slidenum">
+              <a:rPr lang="pt-BR" smtClean="0"/>
+              <a:pPr/>
+              <a:t>16</a:t>
+            </a:fld>
+            <a:endParaRPr lang="pt-BR" dirty="0"/>
+          </a:p>
+        </p:txBody>
+      </p:sp>
+      <p:sp>
+        <p:nvSpPr>
+          <p:cNvPr id="6" name="Rectangle 5"/>
+          <p:cNvSpPr/>
+          <p:nvPr/>
+        </p:nvSpPr>
+        <p:spPr>
+          <a:xfrm>
+            <a:off x="165657" y="925874"/>
+            <a:ext cx="8798831" cy="284526"/>
+          </a:xfrm>
+          <a:prstGeom prst="rect">
+            <a:avLst/>
+          </a:prstGeom>
+          <a:solidFill>
+            <a:srgbClr val="FB8C00"/>
+          </a:solidFill>
+          <a:ln>
+            <a:noFill/>
+          </a:ln>
+        </p:spPr>
+        <p:style>
+          <a:lnRef idx="2">
+            <a:schemeClr val="accent1">
+              <a:shade val="50000"/>
+            </a:schemeClr>
+          </a:lnRef>
+          <a:fillRef idx="1">
+            <a:schemeClr val="accent1"/>
+          </a:fillRef>
+          <a:effectRef idx="0">
+            <a:schemeClr val="accent1"/>
+          </a:effectRef>
+          <a:fontRef idx="minor">
+            <a:schemeClr val="lt1"/>
+          </a:fontRef>
+        </p:style>
+        <p:txBody>
+          <a:bodyPr rtlCol="0" anchor="ctr"/>
+          <a:lstStyle/>
+          <a:p>
+            <a:pPr algn="ctr"/>
+            <a:r>
+              <a:rPr lang="pt-BR" sz="1400" b="1" dirty="0" err="1" smtClean="0">
+                <a:latin typeface="Verdana" panose="020B0604030504040204" pitchFamily="34" charset="0"/>
+                <a:ea typeface="Verdana" panose="020B0604030504040204" pitchFamily="34" charset="0"/>
+                <a:cs typeface="Verdana" panose="020B0604030504040204" pitchFamily="34" charset="0"/>
+              </a:rPr>
+              <a:t>exemplos_classes.php</a:t>
+            </a:r>
+            <a:endParaRPr lang="pt-BR" sz="1400" b="1" dirty="0">
+              <a:latin typeface="Verdana" panose="020B0604030504040204" pitchFamily="34" charset="0"/>
+              <a:ea typeface="Verdana" panose="020B0604030504040204" pitchFamily="34" charset="0"/>
+              <a:cs typeface="Verdana" panose="020B0604030504040204" pitchFamily="34" charset="0"/>
+            </a:endParaRPr>
+          </a:p>
+        </p:txBody>
+      </p:sp>
+    </p:spTree>
+    <p:extLst>
+      <p:ext uri="{BB962C8B-B14F-4D97-AF65-F5344CB8AC3E}">
+        <p14:creationId xmlns:p14="http://schemas.microsoft.com/office/powerpoint/2010/main" val="2205868149"/>
+      </p:ext>
+    </p:extLst>
+  </p:cSld>
+  <p:clrMapOvr>
+    <a:masterClrMapping/>
+  </p:clrMapOvr>
+  <p:timing>
+    <p:tnLst>
+      <p:par>
+        <p:cTn id="1" dur="indefinite" restart="never" nodeType="tmRoot"/>
+      </p:par>
+    </p:tnLst>
+  </p:timing>
+</p:sld>
+</file>
+
+<file path=ppt/slides/slide17.xml><?xml version="1.0" encoding="utf-8"?>
 <p:sld xmlns:a="http://schemas.openxmlformats.org/drawingml/2006/main" xmlns:r="http://schemas.openxmlformats.org/officeDocument/2006/relationships" xmlns:p="http://schemas.openxmlformats.org/presentationml/2006/main">
   <p:cSld>
     <p:spTree>
@@ -3491,7 +4201,7 @@
 </p:sld>
 </file>
 
-<file path=ppt/slides/slide17.xml><?xml version="1.0" encoding="utf-8"?>
+<file path=ppt/slides/slide18.xml><?xml version="1.0" encoding="utf-8"?>
 <p:sld xmlns:a="http://schemas.openxmlformats.org/drawingml/2006/main" xmlns:r="http://schemas.openxmlformats.org/officeDocument/2006/relationships" xmlns:p="http://schemas.openxmlformats.org/presentationml/2006/main">
   <p:cSld>
     <p:spTree>
@@ -3552,7 +4262,7 @@
             <a:fld id="{6E910924-8986-41F5-96BA-CFF3B927507F}" type="slidenum">
               <a:rPr lang="pt-BR" smtClean="0"/>
               <a:pPr/>
-              <a:t>17</a:t>
+              <a:t>18</a:t>
             </a:fld>
             <a:endParaRPr lang="pt-BR" dirty="0"/>
           </a:p>
@@ -3699,7 +4409,7 @@
                   </a:spcAft>
                 </a:pPr>
                 <a:r>
-                  <a:rPr lang="en-US" sz="1400" dirty="0" err="1" smtClean="0">
+                  <a:rPr lang="pt-BR" sz="1400" dirty="0" smtClean="0">
                     <a:solidFill>
                       <a:schemeClr val="tx1">
                         <a:lumMod val="85000"/>
@@ -3710,7 +4420,35 @@
                     <a:ea typeface="Verdana" panose="020B0604030504040204" pitchFamily="34" charset="0"/>
                     <a:cs typeface="Verdana" panose="020B0604030504040204" pitchFamily="34" charset="0"/>
                   </a:rPr>
-                  <a:t>aa</a:t>
+                  <a:t>“Herança </a:t>
+                </a:r>
+                <a:r>
+                  <a:rPr lang="pt-BR" sz="1400" dirty="0">
+                    <a:solidFill>
+                      <a:schemeClr val="tx1">
+                        <a:lumMod val="85000"/>
+                        <a:lumOff val="15000"/>
+                      </a:schemeClr>
+                    </a:solidFill>
+                    <a:latin typeface="Verdana" panose="020B0604030504040204" pitchFamily="34" charset="0"/>
+                    <a:ea typeface="Verdana" panose="020B0604030504040204" pitchFamily="34" charset="0"/>
+                    <a:cs typeface="Verdana" panose="020B0604030504040204" pitchFamily="34" charset="0"/>
+                  </a:rPr>
+                  <a:t>é um princípio de orientação a objetos, que permite que classes compartilhem atributos e métodos, através </a:t>
+                </a:r>
+                <a:r>
+                  <a:rPr lang="pt-BR" sz="1400" dirty="0" smtClean="0">
+                    <a:solidFill>
+                      <a:schemeClr val="tx1">
+                        <a:lumMod val="85000"/>
+                        <a:lumOff val="15000"/>
+                      </a:schemeClr>
+                    </a:solidFill>
+                    <a:latin typeface="Verdana" panose="020B0604030504040204" pitchFamily="34" charset="0"/>
+                    <a:ea typeface="Verdana" panose="020B0604030504040204" pitchFamily="34" charset="0"/>
+                    <a:cs typeface="Verdana" panose="020B0604030504040204" pitchFamily="34" charset="0"/>
+                  </a:rPr>
+                  <a:t>de ‘heranças’. [...]”</a:t>
                 </a:r>
                 <a:endParaRPr lang="pt-BR" sz="1400" dirty="0" smtClean="0">
                   <a:solidFill>
@@ -3752,6 +4490,12 @@
               <a:pPr algn="ctr"/>
               <a:r>
                 <a:rPr lang="pt-BR" sz="1000" i="1" dirty="0">
+                  <a:solidFill>
+                    <a:schemeClr val="tx1">
+                      <a:lumMod val="85000"/>
+                      <a:lumOff val="15000"/>
+                    </a:schemeClr>
+                  </a:solidFill>
                   <a:latin typeface="Verdana" panose="020B0604030504040204" pitchFamily="34" charset="0"/>
                   <a:ea typeface="Verdana" panose="020B0604030504040204" pitchFamily="34" charset="0"/>
                   <a:cs typeface="Verdana" panose="020B0604030504040204" pitchFamily="34" charset="0"/>
@@ -3771,9 +4515,9 @@
         <p:grpSpPr>
           <a:xfrm>
             <a:off x="165657" y="3789040"/>
-            <a:ext cx="8843543" cy="1760376"/>
+            <a:ext cx="8870839" cy="1760376"/>
             <a:chOff x="165657" y="3684848"/>
-            <a:chExt cx="8843543" cy="1760376"/>
+            <a:chExt cx="8870839" cy="1760376"/>
           </a:xfrm>
         </p:grpSpPr>
         <p:grpSp>
@@ -3914,7 +4658,35 @@
                     <a:ea typeface="Verdana" panose="020B0604030504040204" pitchFamily="34" charset="0"/>
                     <a:cs typeface="Verdana" panose="020B0604030504040204" pitchFamily="34" charset="0"/>
                   </a:rPr>
-                  <a:t>aa</a:t>
+                  <a:t>“[...] Ela </a:t>
+                </a:r>
+                <a:r>
+                  <a:rPr lang="pt-BR" sz="1400" dirty="0">
+                    <a:solidFill>
+                      <a:schemeClr val="tx1">
+                        <a:lumMod val="85000"/>
+                        <a:lumOff val="15000"/>
+                      </a:schemeClr>
+                    </a:solidFill>
+                    <a:latin typeface="Verdana" panose="020B0604030504040204" pitchFamily="34" charset="0"/>
+                    <a:ea typeface="Verdana" panose="020B0604030504040204" pitchFamily="34" charset="0"/>
+                    <a:cs typeface="Verdana" panose="020B0604030504040204" pitchFamily="34" charset="0"/>
+                  </a:rPr>
+                  <a:t>é usada na intenção de reaproveitar código ou comportamento generalizado ou especializar operações ou </a:t>
+                </a:r>
+                <a:r>
+                  <a:rPr lang="pt-BR" sz="1400" dirty="0" smtClean="0">
+                    <a:solidFill>
+                      <a:schemeClr val="tx1">
+                        <a:lumMod val="85000"/>
+                        <a:lumOff val="15000"/>
+                      </a:schemeClr>
+                    </a:solidFill>
+                    <a:latin typeface="Verdana" panose="020B0604030504040204" pitchFamily="34" charset="0"/>
+                    <a:ea typeface="Verdana" panose="020B0604030504040204" pitchFamily="34" charset="0"/>
+                    <a:cs typeface="Verdana" panose="020B0604030504040204" pitchFamily="34" charset="0"/>
+                  </a:rPr>
+                  <a:t>atributos. [...]”</a:t>
                 </a:r>
                 <a:endParaRPr lang="pt-BR" sz="1400" dirty="0" smtClean="0">
                   <a:solidFill>
@@ -3939,8 +4711,8 @@
           </p:nvSpPr>
           <p:spPr>
             <a:xfrm>
-              <a:off x="7385625" y="5199003"/>
-              <a:ext cx="1623575" cy="246221"/>
+              <a:off x="7927573" y="5199003"/>
+              <a:ext cx="1108923" cy="246221"/>
             </a:xfrm>
             <a:prstGeom prst="rect">
               <a:avLst/>
@@ -3955,14 +4727,26 @@
             <a:p>
               <a:pPr algn="ctr"/>
               <a:r>
-                <a:rPr lang="pt-BR" sz="1000" i="1" dirty="0" smtClean="0">
+                <a:rPr lang="pt-BR" sz="1000" i="1" dirty="0">
+                  <a:solidFill>
+                    <a:schemeClr val="tx1">
+                      <a:lumMod val="85000"/>
+                      <a:lumOff val="15000"/>
+                    </a:schemeClr>
+                  </a:solidFill>
                   <a:latin typeface="Verdana" panose="020B0604030504040204" pitchFamily="34" charset="0"/>
                   <a:ea typeface="Verdana" panose="020B0604030504040204" pitchFamily="34" charset="0"/>
                   <a:cs typeface="Verdana" panose="020B0604030504040204" pitchFamily="34" charset="0"/>
                 </a:rPr>
-                <a:t>inventwithpython.com</a:t>
+                <a:t>wikipedia.org</a:t>
               </a:r>
               <a:endParaRPr lang="pt-BR" sz="1000" i="1" dirty="0">
+                <a:solidFill>
+                  <a:schemeClr val="tx1">
+                    <a:lumMod val="85000"/>
+                    <a:lumOff val="15000"/>
+                  </a:schemeClr>
+                </a:solidFill>
                 <a:latin typeface="Verdana" panose="020B0604030504040204" pitchFamily="34" charset="0"/>
                 <a:ea typeface="Verdana" panose="020B0604030504040204" pitchFamily="34" charset="0"/>
                 <a:cs typeface="Verdana" panose="020B0604030504040204" pitchFamily="34" charset="0"/>
@@ -3991,9 +4775,17 @@
 </p:sld>
 </file>
 
-<file path=ppt/slides/slide18.xml><?xml version="1.0" encoding="utf-8"?>
+<file path=ppt/slides/slide19.xml><?xml version="1.0" encoding="utf-8"?>
 <p:sld xmlns:a="http://schemas.openxmlformats.org/drawingml/2006/main" xmlns:r="http://schemas.openxmlformats.org/officeDocument/2006/relationships" xmlns:p="http://schemas.openxmlformats.org/presentationml/2006/main">
   <p:cSld>
+    <p:bg>
+      <p:bgPr>
+        <a:solidFill>
+          <a:srgbClr val="F8F8F8"/>
+        </a:solidFill>
+        <a:effectLst/>
+      </p:bgPr>
+    </p:bg>
     <p:spTree>
       <p:nvGrpSpPr>
         <p:cNvPr id="1" name=""/>
@@ -4008,99 +4800,30 @@
           <a:chExt cx="0" cy="0"/>
         </a:xfrm>
       </p:grpSpPr>
-      <p:sp>
-        <p:nvSpPr>
-          <p:cNvPr id="3" name="Text Placeholder 2"/>
-          <p:cNvSpPr>
-            <a:spLocks noGrp="1"/>
-          </p:cNvSpPr>
-          <p:nvPr>
-            <p:ph type="body" sz="quarter" idx="12"/>
-          </p:nvPr>
-        </p:nvSpPr>
-        <p:spPr/>
-        <p:txBody>
-          <a:bodyPr/>
-          <a:lstStyle/>
-          <a:p>
-            <a:r>
-              <a:rPr lang="pt-BR" dirty="0" smtClean="0"/>
-              <a:t>Otávio R. Rossi</a:t>
-            </a:r>
-          </a:p>
-          <a:p>
-            <a:r>
-              <a:rPr lang="pt-BR" dirty="0" smtClean="0"/>
-              <a:t>Guilherme </a:t>
-            </a:r>
-            <a:r>
-              <a:rPr lang="pt-BR" dirty="0" err="1" smtClean="0"/>
-              <a:t>Uezima</a:t>
-            </a:r>
-            <a:endParaRPr lang="pt-BR" dirty="0"/>
-          </a:p>
-        </p:txBody>
-      </p:sp>
-      <p:sp>
-        <p:nvSpPr>
-          <p:cNvPr id="4" name="Text Placeholder 3"/>
-          <p:cNvSpPr>
-            <a:spLocks noGrp="1"/>
-          </p:cNvSpPr>
-          <p:nvPr>
-            <p:ph type="body" sz="quarter" idx="13"/>
-          </p:nvPr>
-        </p:nvSpPr>
-        <p:spPr/>
-        <p:txBody>
-          <a:bodyPr/>
-          <a:lstStyle/>
-          <a:p>
-            <a:r>
-              <a:rPr lang="pt-BR" dirty="0" smtClean="0"/>
-              <a:t>Obrigado!</a:t>
-            </a:r>
-            <a:endParaRPr lang="pt-BR" dirty="0"/>
-          </a:p>
-        </p:txBody>
-      </p:sp>
-    </p:spTree>
-    <p:extLst>
-      <p:ext uri="{BB962C8B-B14F-4D97-AF65-F5344CB8AC3E}">
-        <p14:creationId xmlns:p14="http://schemas.microsoft.com/office/powerpoint/2010/main" val="1690927377"/>
-      </p:ext>
-    </p:extLst>
-  </p:cSld>
-  <p:clrMapOvr>
-    <a:masterClrMapping/>
-  </p:clrMapOvr>
-  <p:timing>
-    <p:tnLst>
-      <p:par>
-        <p:cTn id="1" dur="indefinite" restart="never" nodeType="tmRoot"/>
-      </p:par>
-    </p:tnLst>
-  </p:timing>
-</p:sld>
-</file>
-
-<file path=ppt/slides/slide19.xml><?xml version="1.0" encoding="utf-8"?>
-<p:sld xmlns:a="http://schemas.openxmlformats.org/drawingml/2006/main" xmlns:r="http://schemas.openxmlformats.org/officeDocument/2006/relationships" xmlns:p="http://schemas.openxmlformats.org/presentationml/2006/main">
-  <p:cSld>
-    <p:spTree>
-      <p:nvGrpSpPr>
-        <p:cNvPr id="1" name=""/>
-        <p:cNvGrpSpPr/>
-        <p:nvPr/>
-      </p:nvGrpSpPr>
-      <p:grpSpPr>
-        <a:xfrm>
-          <a:off x="0" y="0"/>
-          <a:ext cx="0" cy="0"/>
-          <a:chOff x="0" y="0"/>
-          <a:chExt cx="0" cy="0"/>
-        </a:xfrm>
-      </p:grpSpPr>
+      <p:pic>
+        <p:nvPicPr>
+          <p:cNvPr id="7" name="Picture 6"/>
+          <p:cNvPicPr>
+            <a:picLocks noChangeAspect="1"/>
+          </p:cNvPicPr>
+          <p:nvPr/>
+        </p:nvPicPr>
+        <p:blipFill>
+          <a:blip r:embed="rId3"/>
+          <a:stretch>
+            <a:fillRect/>
+          </a:stretch>
+        </p:blipFill>
+        <p:spPr>
+          <a:xfrm>
+            <a:off x="107506" y="1196752"/>
+            <a:ext cx="7140776" cy="5148000"/>
+          </a:xfrm>
+          <a:prstGeom prst="rect">
+            <a:avLst/>
+          </a:prstGeom>
+        </p:spPr>
+      </p:pic>
       <p:sp>
         <p:nvSpPr>
           <p:cNvPr id="2" name="Text Placeholder 1"/>
@@ -4118,7 +4841,7 @@
           <a:p>
             <a:r>
               <a:rPr lang="pt-BR" dirty="0" smtClean="0"/>
-              <a:t>Contatos</a:t>
+              <a:t>Herança</a:t>
             </a:r>
             <a:endParaRPr lang="pt-BR" dirty="0"/>
           </a:p>
@@ -4152,387 +4875,57 @@
           </a:p>
         </p:txBody>
       </p:sp>
-      <p:pic>
-        <p:nvPicPr>
-          <p:cNvPr id="4" name="Picture 2"/>
-          <p:cNvPicPr>
-            <a:picLocks noChangeAspect="1" noChangeArrowheads="1"/>
-          </p:cNvPicPr>
+      <p:sp>
+        <p:nvSpPr>
+          <p:cNvPr id="6" name="Rectangle 5"/>
+          <p:cNvSpPr/>
           <p:nvPr/>
-        </p:nvPicPr>
-        <p:blipFill>
-          <a:blip r:embed="rId2">
-            <a:extLst>
-              <a:ext uri="{28A0092B-C50C-407E-A947-70E740481C1C}">
-                <a14:useLocalDpi xmlns:a14="http://schemas.microsoft.com/office/drawing/2010/main" val="0"/>
-              </a:ext>
-            </a:extLst>
-          </a:blip>
-          <a:srcRect/>
-          <a:stretch>
-            <a:fillRect/>
-          </a:stretch>
-        </p:blipFill>
-        <p:spPr bwMode="auto">
+        </p:nvSpPr>
+        <p:spPr>
           <a:xfrm>
-            <a:off x="546970" y="775638"/>
-            <a:ext cx="1216582" cy="1224000"/>
+            <a:off x="165657" y="925874"/>
+            <a:ext cx="8798831" cy="284526"/>
           </a:xfrm>
           <a:prstGeom prst="rect">
             <a:avLst/>
           </a:prstGeom>
-          <a:noFill/>
+          <a:solidFill>
+            <a:srgbClr val="FB8C00"/>
+          </a:solidFill>
           <a:ln>
             <a:noFill/>
           </a:ln>
-          <a:effectLst/>
-          <a:extLst>
-            <a:ext uri="{909E8E84-426E-40DD-AFC4-6F175D3DCCD1}">
-              <a14:hiddenFill xmlns:a14="http://schemas.microsoft.com/office/drawing/2010/main">
-                <a:solidFill>
-                  <a:schemeClr val="accent1"/>
-                </a:solidFill>
-              </a14:hiddenFill>
-            </a:ext>
-            <a:ext uri="{91240B29-F687-4F45-9708-019B960494DF}">
-              <a14:hiddenLine xmlns:a14="http://schemas.microsoft.com/office/drawing/2010/main" w="9525">
-                <a:solidFill>
-                  <a:schemeClr val="tx1"/>
-                </a:solidFill>
-                <a:miter lim="800000"/>
-                <a:headEnd/>
-                <a:tailEnd/>
-              </a14:hiddenLine>
-            </a:ext>
-            <a:ext uri="{AF507438-7753-43E0-B8FC-AC1667EBCBE1}">
-              <a14:hiddenEffects xmlns:a14="http://schemas.microsoft.com/office/drawing/2010/main">
-                <a:effectLst>
-                  <a:outerShdw dist="35921" dir="2700000" algn="ctr" rotWithShape="0">
-                    <a:schemeClr val="bg2"/>
-                  </a:outerShdw>
-                </a:effectLst>
-              </a14:hiddenEffects>
-            </a:ext>
-          </a:extLst>
         </p:spPr>
-      </p:pic>
-      <p:pic>
-        <p:nvPicPr>
-          <p:cNvPr id="5" name="Picture 2"/>
-          <p:cNvPicPr>
-            <a:picLocks noChangeAspect="1" noChangeArrowheads="1"/>
-          </p:cNvPicPr>
-          <p:nvPr/>
-        </p:nvPicPr>
-        <p:blipFill>
-          <a:blip r:embed="rId3">
-            <a:extLst>
-              <a:ext uri="{28A0092B-C50C-407E-A947-70E740481C1C}">
-                <a14:useLocalDpi xmlns:a14="http://schemas.microsoft.com/office/drawing/2010/main" val="0"/>
-              </a:ext>
-            </a:extLst>
-          </a:blip>
-          <a:srcRect/>
-          <a:stretch>
-            <a:fillRect/>
-          </a:stretch>
-        </p:blipFill>
-        <p:spPr bwMode="auto">
-          <a:xfrm>
-            <a:off x="539552" y="2191734"/>
-            <a:ext cx="1224000" cy="1231463"/>
-          </a:xfrm>
-          <a:prstGeom prst="rect">
-            <a:avLst/>
-          </a:prstGeom>
-          <a:noFill/>
-          <a:ln>
-            <a:noFill/>
-          </a:ln>
-          <a:effectLst/>
-          <a:extLst>
-            <a:ext uri="{909E8E84-426E-40DD-AFC4-6F175D3DCCD1}">
-              <a14:hiddenFill xmlns:a14="http://schemas.microsoft.com/office/drawing/2010/main">
-                <a:solidFill>
-                  <a:schemeClr val="accent1"/>
-                </a:solidFill>
-              </a14:hiddenFill>
-            </a:ext>
-            <a:ext uri="{91240B29-F687-4F45-9708-019B960494DF}">
-              <a14:hiddenLine xmlns:a14="http://schemas.microsoft.com/office/drawing/2010/main" w="9525">
-                <a:solidFill>
-                  <a:schemeClr val="tx1"/>
-                </a:solidFill>
-                <a:miter lim="800000"/>
-                <a:headEnd/>
-                <a:tailEnd/>
-              </a14:hiddenLine>
-            </a:ext>
-            <a:ext uri="{AF507438-7753-43E0-B8FC-AC1667EBCBE1}">
-              <a14:hiddenEffects xmlns:a14="http://schemas.microsoft.com/office/drawing/2010/main">
-                <a:effectLst>
-                  <a:outerShdw dist="35921" dir="2700000" algn="ctr" rotWithShape="0">
-                    <a:schemeClr val="bg2"/>
-                  </a:outerShdw>
-                </a:effectLst>
-              </a14:hiddenEffects>
-            </a:ext>
-          </a:extLst>
-        </p:spPr>
-      </p:pic>
-      <p:pic>
-        <p:nvPicPr>
-          <p:cNvPr id="6" name="Picture 2"/>
-          <p:cNvPicPr>
-            <a:picLocks noChangeAspect="1" noChangeArrowheads="1"/>
-          </p:cNvPicPr>
-          <p:nvPr/>
-        </p:nvPicPr>
-        <p:blipFill>
-          <a:blip r:embed="rId4">
-            <a:extLst>
-              <a:ext uri="{28A0092B-C50C-407E-A947-70E740481C1C}">
-                <a14:useLocalDpi xmlns:a14="http://schemas.microsoft.com/office/drawing/2010/main" val="0"/>
-              </a:ext>
-            </a:extLst>
-          </a:blip>
-          <a:srcRect/>
-          <a:stretch>
-            <a:fillRect/>
-          </a:stretch>
-        </p:blipFill>
-        <p:spPr bwMode="auto">
-          <a:xfrm>
-            <a:off x="539552" y="3615293"/>
-            <a:ext cx="1224000" cy="1224000"/>
-          </a:xfrm>
-          <a:prstGeom prst="rect">
-            <a:avLst/>
-          </a:prstGeom>
-          <a:noFill/>
-          <a:ln>
-            <a:noFill/>
-          </a:ln>
-          <a:effectLst/>
-          <a:extLst>
-            <a:ext uri="{909E8E84-426E-40DD-AFC4-6F175D3DCCD1}">
-              <a14:hiddenFill xmlns:a14="http://schemas.microsoft.com/office/drawing/2010/main">
-                <a:solidFill>
-                  <a:schemeClr val="accent1"/>
-                </a:solidFill>
-              </a14:hiddenFill>
-            </a:ext>
-            <a:ext uri="{91240B29-F687-4F45-9708-019B960494DF}">
-              <a14:hiddenLine xmlns:a14="http://schemas.microsoft.com/office/drawing/2010/main" w="9525">
-                <a:solidFill>
-                  <a:schemeClr val="tx1"/>
-                </a:solidFill>
-                <a:miter lim="800000"/>
-                <a:headEnd/>
-                <a:tailEnd/>
-              </a14:hiddenLine>
-            </a:ext>
-            <a:ext uri="{AF507438-7753-43E0-B8FC-AC1667EBCBE1}">
-              <a14:hiddenEffects xmlns:a14="http://schemas.microsoft.com/office/drawing/2010/main">
-                <a:effectLst>
-                  <a:outerShdw dist="35921" dir="2700000" algn="ctr" rotWithShape="0">
-                    <a:schemeClr val="bg2"/>
-                  </a:outerShdw>
-                </a:effectLst>
-              </a14:hiddenEffects>
-            </a:ext>
-          </a:extLst>
-        </p:spPr>
-      </p:pic>
-      <p:pic>
-        <p:nvPicPr>
-          <p:cNvPr id="7" name="Picture 5"/>
-          <p:cNvPicPr>
-            <a:picLocks noChangeAspect="1" noChangeArrowheads="1"/>
-          </p:cNvPicPr>
-          <p:nvPr/>
-        </p:nvPicPr>
-        <p:blipFill>
-          <a:blip r:embed="rId5">
-            <a:extLst>
-              <a:ext uri="{28A0092B-C50C-407E-A947-70E740481C1C}">
-                <a14:useLocalDpi xmlns:a14="http://schemas.microsoft.com/office/drawing/2010/main" val="0"/>
-              </a:ext>
-            </a:extLst>
-          </a:blip>
-          <a:srcRect/>
-          <a:stretch>
-            <a:fillRect/>
-          </a:stretch>
-        </p:blipFill>
-        <p:spPr bwMode="auto">
-          <a:xfrm>
-            <a:off x="539552" y="5031389"/>
-            <a:ext cx="1224000" cy="1224000"/>
-          </a:xfrm>
-          <a:prstGeom prst="rect">
-            <a:avLst/>
-          </a:prstGeom>
-          <a:noFill/>
-          <a:ln>
-            <a:noFill/>
-          </a:ln>
-          <a:effectLst/>
-          <a:extLst>
-            <a:ext uri="{909E8E84-426E-40DD-AFC4-6F175D3DCCD1}">
-              <a14:hiddenFill xmlns:a14="http://schemas.microsoft.com/office/drawing/2010/main">
-                <a:solidFill>
-                  <a:schemeClr val="accent1"/>
-                </a:solidFill>
-              </a14:hiddenFill>
-            </a:ext>
-            <a:ext uri="{91240B29-F687-4F45-9708-019B960494DF}">
-              <a14:hiddenLine xmlns:a14="http://schemas.microsoft.com/office/drawing/2010/main" w="9525">
-                <a:solidFill>
-                  <a:schemeClr val="tx1"/>
-                </a:solidFill>
-                <a:miter lim="800000"/>
-                <a:headEnd/>
-                <a:tailEnd/>
-              </a14:hiddenLine>
-            </a:ext>
-            <a:ext uri="{AF507438-7753-43E0-B8FC-AC1667EBCBE1}">
-              <a14:hiddenEffects xmlns:a14="http://schemas.microsoft.com/office/drawing/2010/main">
-                <a:effectLst>
-                  <a:outerShdw dist="35921" dir="2700000" algn="ctr" rotWithShape="0">
-                    <a:schemeClr val="bg2"/>
-                  </a:outerShdw>
-                </a:effectLst>
-              </a14:hiddenEffects>
-            </a:ext>
-          </a:extLst>
-        </p:spPr>
-      </p:pic>
-      <p:sp>
-        <p:nvSpPr>
-          <p:cNvPr id="8" name="CaixaDeTexto 19"/>
-          <p:cNvSpPr txBox="1"/>
-          <p:nvPr/>
-        </p:nvSpPr>
-        <p:spPr>
-          <a:xfrm>
-            <a:off x="2033395" y="4993667"/>
-            <a:ext cx="1925527" cy="338554"/>
-          </a:xfrm>
-          <a:prstGeom prst="rect">
-            <a:avLst/>
-          </a:prstGeom>
-          <a:noFill/>
-        </p:spPr>
+        <p:style>
+          <a:lnRef idx="2">
+            <a:schemeClr val="accent1">
+              <a:shade val="50000"/>
+            </a:schemeClr>
+          </a:lnRef>
+          <a:fillRef idx="1">
+            <a:schemeClr val="accent1"/>
+          </a:fillRef>
+          <a:effectRef idx="0">
+            <a:schemeClr val="accent1"/>
+          </a:effectRef>
+          <a:fontRef idx="minor">
+            <a:schemeClr val="lt1"/>
+          </a:fontRef>
+        </p:style>
         <p:txBody>
-          <a:bodyPr wrap="none" rtlCol="0">
-            <a:spAutoFit/>
-          </a:bodyPr>
-          <a:lstStyle>
-            <a:defPPr>
-              <a:defRPr lang="pt-BR"/>
-            </a:defPPr>
-            <a:lvl1pPr marL="0" algn="l" defTabSz="914400" rtl="0" eaLnBrk="1" latinLnBrk="0" hangingPunct="1">
-              <a:defRPr sz="1800" kern="1200">
-                <a:solidFill>
-                  <a:schemeClr val="tx1"/>
-                </a:solidFill>
-                <a:latin typeface="+mn-lt"/>
-                <a:ea typeface="+mn-ea"/>
-                <a:cs typeface="+mn-cs"/>
-              </a:defRPr>
-            </a:lvl1pPr>
-            <a:lvl2pPr marL="457200" algn="l" defTabSz="914400" rtl="0" eaLnBrk="1" latinLnBrk="0" hangingPunct="1">
-              <a:defRPr sz="1800" kern="1200">
-                <a:solidFill>
-                  <a:schemeClr val="tx1"/>
-                </a:solidFill>
-                <a:latin typeface="+mn-lt"/>
-                <a:ea typeface="+mn-ea"/>
-                <a:cs typeface="+mn-cs"/>
-              </a:defRPr>
-            </a:lvl2pPr>
-            <a:lvl3pPr marL="914400" algn="l" defTabSz="914400" rtl="0" eaLnBrk="1" latinLnBrk="0" hangingPunct="1">
-              <a:defRPr sz="1800" kern="1200">
-                <a:solidFill>
-                  <a:schemeClr val="tx1"/>
-                </a:solidFill>
-                <a:latin typeface="+mn-lt"/>
-                <a:ea typeface="+mn-ea"/>
-                <a:cs typeface="+mn-cs"/>
-              </a:defRPr>
-            </a:lvl3pPr>
-            <a:lvl4pPr marL="1371600" algn="l" defTabSz="914400" rtl="0" eaLnBrk="1" latinLnBrk="0" hangingPunct="1">
-              <a:defRPr sz="1800" kern="1200">
-                <a:solidFill>
-                  <a:schemeClr val="tx1"/>
-                </a:solidFill>
-                <a:latin typeface="+mn-lt"/>
-                <a:ea typeface="+mn-ea"/>
-                <a:cs typeface="+mn-cs"/>
-              </a:defRPr>
-            </a:lvl4pPr>
-            <a:lvl5pPr marL="1828800" algn="l" defTabSz="914400" rtl="0" eaLnBrk="1" latinLnBrk="0" hangingPunct="1">
-              <a:defRPr sz="1800" kern="1200">
-                <a:solidFill>
-                  <a:schemeClr val="tx1"/>
-                </a:solidFill>
-                <a:latin typeface="+mn-lt"/>
-                <a:ea typeface="+mn-ea"/>
-                <a:cs typeface="+mn-cs"/>
-              </a:defRPr>
-            </a:lvl5pPr>
-            <a:lvl6pPr marL="2286000" algn="l" defTabSz="914400" rtl="0" eaLnBrk="1" latinLnBrk="0" hangingPunct="1">
-              <a:defRPr sz="1800" kern="1200">
-                <a:solidFill>
-                  <a:schemeClr val="tx1"/>
-                </a:solidFill>
-                <a:latin typeface="+mn-lt"/>
-                <a:ea typeface="+mn-ea"/>
-                <a:cs typeface="+mn-cs"/>
-              </a:defRPr>
-            </a:lvl6pPr>
-            <a:lvl7pPr marL="2743200" algn="l" defTabSz="914400" rtl="0" eaLnBrk="1" latinLnBrk="0" hangingPunct="1">
-              <a:defRPr sz="1800" kern="1200">
-                <a:solidFill>
-                  <a:schemeClr val="tx1"/>
-                </a:solidFill>
-                <a:latin typeface="+mn-lt"/>
-                <a:ea typeface="+mn-ea"/>
-                <a:cs typeface="+mn-cs"/>
-              </a:defRPr>
-            </a:lvl7pPr>
-            <a:lvl8pPr marL="3200400" algn="l" defTabSz="914400" rtl="0" eaLnBrk="1" latinLnBrk="0" hangingPunct="1">
-              <a:defRPr sz="1800" kern="1200">
-                <a:solidFill>
-                  <a:schemeClr val="tx1"/>
-                </a:solidFill>
-                <a:latin typeface="+mn-lt"/>
-                <a:ea typeface="+mn-ea"/>
-                <a:cs typeface="+mn-cs"/>
-              </a:defRPr>
-            </a:lvl8pPr>
-            <a:lvl9pPr marL="3657600" algn="l" defTabSz="914400" rtl="0" eaLnBrk="1" latinLnBrk="0" hangingPunct="1">
-              <a:defRPr sz="1800" kern="1200">
-                <a:solidFill>
-                  <a:schemeClr val="tx1"/>
-                </a:solidFill>
-                <a:latin typeface="+mn-lt"/>
-                <a:ea typeface="+mn-ea"/>
-                <a:cs typeface="+mn-cs"/>
-              </a:defRPr>
-            </a:lvl9pPr>
-          </a:lstStyle>
+          <a:bodyPr rtlCol="0" anchor="ctr"/>
+          <a:lstStyle/>
           <a:p>
+            <a:pPr algn="ctr"/>
             <a:r>
-              <a:rPr lang="pt-BR" sz="1600" b="1" dirty="0" smtClean="0">
+              <a:rPr lang="pt-BR" sz="1400" b="1" dirty="0" err="1" smtClean="0">
                 <a:latin typeface="Verdana" panose="020B0604030504040204" pitchFamily="34" charset="0"/>
                 <a:ea typeface="Verdana" panose="020B0604030504040204" pitchFamily="34" charset="0"/>
                 <a:cs typeface="Verdana" panose="020B0604030504040204" pitchFamily="34" charset="0"/>
               </a:rPr>
-              <a:t>Otávio R. Rossi</a:t>
+              <a:t>Alimento.php</a:t>
             </a:r>
-            <a:endParaRPr lang="pt-BR" sz="1600" b="1" dirty="0">
+            <a:endParaRPr lang="pt-BR" sz="1400" b="1" dirty="0">
               <a:latin typeface="Verdana" panose="020B0604030504040204" pitchFamily="34" charset="0"/>
               <a:ea typeface="Verdana" panose="020B0604030504040204" pitchFamily="34" charset="0"/>
               <a:cs typeface="Verdana" panose="020B0604030504040204" pitchFamily="34" charset="0"/>
@@ -4540,1208 +4933,10 @@
           </a:p>
         </p:txBody>
       </p:sp>
-      <p:sp>
-        <p:nvSpPr>
-          <p:cNvPr id="9" name="CaixaDeTexto 20"/>
-          <p:cNvSpPr txBox="1"/>
-          <p:nvPr/>
-        </p:nvSpPr>
-        <p:spPr>
-          <a:xfrm>
-            <a:off x="2033395" y="5337276"/>
-            <a:ext cx="6543343" cy="738664"/>
-          </a:xfrm>
-          <a:prstGeom prst="rect">
-            <a:avLst/>
-          </a:prstGeom>
-          <a:noFill/>
-        </p:spPr>
-        <p:txBody>
-          <a:bodyPr wrap="square" rtlCol="0">
-            <a:spAutoFit/>
-          </a:bodyPr>
-          <a:lstStyle>
-            <a:defPPr>
-              <a:defRPr lang="pt-BR"/>
-            </a:defPPr>
-            <a:lvl1pPr marL="0" algn="l" defTabSz="914400" rtl="0" eaLnBrk="1" latinLnBrk="0" hangingPunct="1">
-              <a:defRPr sz="1800" kern="1200">
-                <a:solidFill>
-                  <a:schemeClr val="tx1"/>
-                </a:solidFill>
-                <a:latin typeface="+mn-lt"/>
-                <a:ea typeface="+mn-ea"/>
-                <a:cs typeface="+mn-cs"/>
-              </a:defRPr>
-            </a:lvl1pPr>
-            <a:lvl2pPr marL="457200" algn="l" defTabSz="914400" rtl="0" eaLnBrk="1" latinLnBrk="0" hangingPunct="1">
-              <a:defRPr sz="1800" kern="1200">
-                <a:solidFill>
-                  <a:schemeClr val="tx1"/>
-                </a:solidFill>
-                <a:latin typeface="+mn-lt"/>
-                <a:ea typeface="+mn-ea"/>
-                <a:cs typeface="+mn-cs"/>
-              </a:defRPr>
-            </a:lvl2pPr>
-            <a:lvl3pPr marL="914400" algn="l" defTabSz="914400" rtl="0" eaLnBrk="1" latinLnBrk="0" hangingPunct="1">
-              <a:defRPr sz="1800" kern="1200">
-                <a:solidFill>
-                  <a:schemeClr val="tx1"/>
-                </a:solidFill>
-                <a:latin typeface="+mn-lt"/>
-                <a:ea typeface="+mn-ea"/>
-                <a:cs typeface="+mn-cs"/>
-              </a:defRPr>
-            </a:lvl3pPr>
-            <a:lvl4pPr marL="1371600" algn="l" defTabSz="914400" rtl="0" eaLnBrk="1" latinLnBrk="0" hangingPunct="1">
-              <a:defRPr sz="1800" kern="1200">
-                <a:solidFill>
-                  <a:schemeClr val="tx1"/>
-                </a:solidFill>
-                <a:latin typeface="+mn-lt"/>
-                <a:ea typeface="+mn-ea"/>
-                <a:cs typeface="+mn-cs"/>
-              </a:defRPr>
-            </a:lvl4pPr>
-            <a:lvl5pPr marL="1828800" algn="l" defTabSz="914400" rtl="0" eaLnBrk="1" latinLnBrk="0" hangingPunct="1">
-              <a:defRPr sz="1800" kern="1200">
-                <a:solidFill>
-                  <a:schemeClr val="tx1"/>
-                </a:solidFill>
-                <a:latin typeface="+mn-lt"/>
-                <a:ea typeface="+mn-ea"/>
-                <a:cs typeface="+mn-cs"/>
-              </a:defRPr>
-            </a:lvl5pPr>
-            <a:lvl6pPr marL="2286000" algn="l" defTabSz="914400" rtl="0" eaLnBrk="1" latinLnBrk="0" hangingPunct="1">
-              <a:defRPr sz="1800" kern="1200">
-                <a:solidFill>
-                  <a:schemeClr val="tx1"/>
-                </a:solidFill>
-                <a:latin typeface="+mn-lt"/>
-                <a:ea typeface="+mn-ea"/>
-                <a:cs typeface="+mn-cs"/>
-              </a:defRPr>
-            </a:lvl6pPr>
-            <a:lvl7pPr marL="2743200" algn="l" defTabSz="914400" rtl="0" eaLnBrk="1" latinLnBrk="0" hangingPunct="1">
-              <a:defRPr sz="1800" kern="1200">
-                <a:solidFill>
-                  <a:schemeClr val="tx1"/>
-                </a:solidFill>
-                <a:latin typeface="+mn-lt"/>
-                <a:ea typeface="+mn-ea"/>
-                <a:cs typeface="+mn-cs"/>
-              </a:defRPr>
-            </a:lvl7pPr>
-            <a:lvl8pPr marL="3200400" algn="l" defTabSz="914400" rtl="0" eaLnBrk="1" latinLnBrk="0" hangingPunct="1">
-              <a:defRPr sz="1800" kern="1200">
-                <a:solidFill>
-                  <a:schemeClr val="tx1"/>
-                </a:solidFill>
-                <a:latin typeface="+mn-lt"/>
-                <a:ea typeface="+mn-ea"/>
-                <a:cs typeface="+mn-cs"/>
-              </a:defRPr>
-            </a:lvl8pPr>
-            <a:lvl9pPr marL="3657600" algn="l" defTabSz="914400" rtl="0" eaLnBrk="1" latinLnBrk="0" hangingPunct="1">
-              <a:defRPr sz="1800" kern="1200">
-                <a:solidFill>
-                  <a:schemeClr val="tx1"/>
-                </a:solidFill>
-                <a:latin typeface="+mn-lt"/>
-                <a:ea typeface="+mn-ea"/>
-                <a:cs typeface="+mn-cs"/>
-              </a:defRPr>
-            </a:lvl9pPr>
-          </a:lstStyle>
-          <a:p>
-            <a:pPr algn="just"/>
-            <a:r>
-              <a:rPr lang="pt-BR" sz="1400" b="1" dirty="0">
-                <a:latin typeface="Verdana" panose="020B0604030504040204" pitchFamily="34" charset="0"/>
-                <a:ea typeface="Verdana" panose="020B0604030504040204" pitchFamily="34" charset="0"/>
-                <a:cs typeface="Verdana" panose="020B0604030504040204" pitchFamily="34" charset="0"/>
-              </a:rPr>
-              <a:t>Sócio - Fundador</a:t>
-            </a:r>
-          </a:p>
-          <a:p>
-            <a:pPr algn="just"/>
-            <a:r>
-              <a:rPr lang="pt-BR" sz="1400" dirty="0" smtClean="0">
-                <a:latin typeface="Verdana" panose="020B0604030504040204" pitchFamily="34" charset="0"/>
-                <a:ea typeface="Verdana" panose="020B0604030504040204" pitchFamily="34" charset="0"/>
-                <a:cs typeface="Verdana" panose="020B0604030504040204" pitchFamily="34" charset="0"/>
-              </a:rPr>
-              <a:t>+ </a:t>
-            </a:r>
-            <a:r>
-              <a:rPr lang="pt-BR" sz="1400" dirty="0">
-                <a:latin typeface="Verdana" panose="020B0604030504040204" pitchFamily="34" charset="0"/>
-                <a:ea typeface="Verdana" panose="020B0604030504040204" pitchFamily="34" charset="0"/>
-                <a:cs typeface="Verdana" panose="020B0604030504040204" pitchFamily="34" charset="0"/>
-              </a:rPr>
-              <a:t>55 11 9 </a:t>
-            </a:r>
-            <a:r>
-              <a:rPr lang="pt-BR" sz="1400" dirty="0" smtClean="0">
-                <a:latin typeface="Verdana" panose="020B0604030504040204" pitchFamily="34" charset="0"/>
-                <a:ea typeface="Verdana" panose="020B0604030504040204" pitchFamily="34" charset="0"/>
-                <a:cs typeface="Verdana" panose="020B0604030504040204" pitchFamily="34" charset="0"/>
-              </a:rPr>
-              <a:t>8544-4724</a:t>
-            </a:r>
-            <a:endParaRPr lang="pt-BR" sz="1400" dirty="0">
-              <a:latin typeface="Verdana" panose="020B0604030504040204" pitchFamily="34" charset="0"/>
-              <a:ea typeface="Verdana" panose="020B0604030504040204" pitchFamily="34" charset="0"/>
-              <a:cs typeface="Verdana" panose="020B0604030504040204" pitchFamily="34" charset="0"/>
-            </a:endParaRPr>
-          </a:p>
-          <a:p>
-            <a:pPr algn="just"/>
-            <a:r>
-              <a:rPr lang="pt-BR" sz="1400" dirty="0" smtClean="0">
-                <a:latin typeface="Verdana" panose="020B0604030504040204" pitchFamily="34" charset="0"/>
-                <a:ea typeface="Verdana" panose="020B0604030504040204" pitchFamily="34" charset="0"/>
-                <a:cs typeface="Verdana" panose="020B0604030504040204" pitchFamily="34" charset="0"/>
-              </a:rPr>
-              <a:t>otavio@inopus.com.br</a:t>
-            </a:r>
-            <a:endParaRPr lang="pt-BR" sz="1400" dirty="0">
-              <a:latin typeface="Verdana" panose="020B0604030504040204" pitchFamily="34" charset="0"/>
-              <a:ea typeface="Verdana" panose="020B0604030504040204" pitchFamily="34" charset="0"/>
-              <a:cs typeface="Verdana" panose="020B0604030504040204" pitchFamily="34" charset="0"/>
-            </a:endParaRPr>
-          </a:p>
-        </p:txBody>
-      </p:sp>
-      <p:cxnSp>
-        <p:nvCxnSpPr>
-          <p:cNvPr id="10" name="Straight Connector 2"/>
-          <p:cNvCxnSpPr/>
-          <p:nvPr/>
-        </p:nvCxnSpPr>
-        <p:spPr>
-          <a:xfrm>
-            <a:off x="254253" y="4920164"/>
-            <a:ext cx="8568000" cy="0"/>
-          </a:xfrm>
-          <a:prstGeom prst="line">
-            <a:avLst/>
-          </a:prstGeom>
-          <a:ln w="12700">
-            <a:solidFill>
-              <a:srgbClr val="FB8C00"/>
-            </a:solidFill>
-            <a:prstDash val="dash"/>
-          </a:ln>
-        </p:spPr>
-        <p:style>
-          <a:lnRef idx="1">
-            <a:schemeClr val="accent1"/>
-          </a:lnRef>
-          <a:fillRef idx="0">
-            <a:schemeClr val="accent1"/>
-          </a:fillRef>
-          <a:effectRef idx="0">
-            <a:schemeClr val="accent1"/>
-          </a:effectRef>
-          <a:fontRef idx="minor">
-            <a:schemeClr val="tx1"/>
-          </a:fontRef>
-        </p:style>
-      </p:cxnSp>
-      <p:cxnSp>
-        <p:nvCxnSpPr>
-          <p:cNvPr id="11" name="Straight Connector 21"/>
-          <p:cNvCxnSpPr/>
-          <p:nvPr/>
-        </p:nvCxnSpPr>
-        <p:spPr>
-          <a:xfrm>
-            <a:off x="254253" y="3514675"/>
-            <a:ext cx="8568000" cy="0"/>
-          </a:xfrm>
-          <a:prstGeom prst="line">
-            <a:avLst/>
-          </a:prstGeom>
-          <a:ln w="12700">
-            <a:solidFill>
-              <a:srgbClr val="FB8C00"/>
-            </a:solidFill>
-            <a:prstDash val="dash"/>
-          </a:ln>
-        </p:spPr>
-        <p:style>
-          <a:lnRef idx="1">
-            <a:schemeClr val="accent1"/>
-          </a:lnRef>
-          <a:fillRef idx="0">
-            <a:schemeClr val="accent1"/>
-          </a:fillRef>
-          <a:effectRef idx="0">
-            <a:schemeClr val="accent1"/>
-          </a:effectRef>
-          <a:fontRef idx="minor">
-            <a:schemeClr val="tx1"/>
-          </a:fontRef>
-        </p:style>
-      </p:cxnSp>
-      <p:cxnSp>
-        <p:nvCxnSpPr>
-          <p:cNvPr id="12" name="Straight Connector 22"/>
-          <p:cNvCxnSpPr/>
-          <p:nvPr/>
-        </p:nvCxnSpPr>
-        <p:spPr>
-          <a:xfrm>
-            <a:off x="254253" y="2099492"/>
-            <a:ext cx="8568000" cy="0"/>
-          </a:xfrm>
-          <a:prstGeom prst="line">
-            <a:avLst/>
-          </a:prstGeom>
-          <a:ln w="12700">
-            <a:solidFill>
-              <a:srgbClr val="FB8C00"/>
-            </a:solidFill>
-            <a:prstDash val="dash"/>
-          </a:ln>
-        </p:spPr>
-        <p:style>
-          <a:lnRef idx="1">
-            <a:schemeClr val="accent1"/>
-          </a:lnRef>
-          <a:fillRef idx="0">
-            <a:schemeClr val="accent1"/>
-          </a:fillRef>
-          <a:effectRef idx="0">
-            <a:schemeClr val="accent1"/>
-          </a:effectRef>
-          <a:fontRef idx="minor">
-            <a:schemeClr val="tx1"/>
-          </a:fontRef>
-        </p:style>
-      </p:cxnSp>
-      <p:sp>
-        <p:nvSpPr>
-          <p:cNvPr id="13" name="CaixaDeTexto 19"/>
-          <p:cNvSpPr txBox="1"/>
-          <p:nvPr/>
-        </p:nvSpPr>
-        <p:spPr>
-          <a:xfrm>
-            <a:off x="2037865" y="3598385"/>
-            <a:ext cx="2592376" cy="338554"/>
-          </a:xfrm>
-          <a:prstGeom prst="rect">
-            <a:avLst/>
-          </a:prstGeom>
-          <a:noFill/>
-        </p:spPr>
-        <p:txBody>
-          <a:bodyPr wrap="none" rtlCol="0">
-            <a:spAutoFit/>
-          </a:bodyPr>
-          <a:lstStyle>
-            <a:defPPr>
-              <a:defRPr lang="pt-BR"/>
-            </a:defPPr>
-            <a:lvl1pPr marL="0" algn="l" defTabSz="914400" rtl="0" eaLnBrk="1" latinLnBrk="0" hangingPunct="1">
-              <a:defRPr sz="1800" kern="1200">
-                <a:solidFill>
-                  <a:schemeClr val="tx1"/>
-                </a:solidFill>
-                <a:latin typeface="+mn-lt"/>
-                <a:ea typeface="+mn-ea"/>
-                <a:cs typeface="+mn-cs"/>
-              </a:defRPr>
-            </a:lvl1pPr>
-            <a:lvl2pPr marL="457200" algn="l" defTabSz="914400" rtl="0" eaLnBrk="1" latinLnBrk="0" hangingPunct="1">
-              <a:defRPr sz="1800" kern="1200">
-                <a:solidFill>
-                  <a:schemeClr val="tx1"/>
-                </a:solidFill>
-                <a:latin typeface="+mn-lt"/>
-                <a:ea typeface="+mn-ea"/>
-                <a:cs typeface="+mn-cs"/>
-              </a:defRPr>
-            </a:lvl2pPr>
-            <a:lvl3pPr marL="914400" algn="l" defTabSz="914400" rtl="0" eaLnBrk="1" latinLnBrk="0" hangingPunct="1">
-              <a:defRPr sz="1800" kern="1200">
-                <a:solidFill>
-                  <a:schemeClr val="tx1"/>
-                </a:solidFill>
-                <a:latin typeface="+mn-lt"/>
-                <a:ea typeface="+mn-ea"/>
-                <a:cs typeface="+mn-cs"/>
-              </a:defRPr>
-            </a:lvl3pPr>
-            <a:lvl4pPr marL="1371600" algn="l" defTabSz="914400" rtl="0" eaLnBrk="1" latinLnBrk="0" hangingPunct="1">
-              <a:defRPr sz="1800" kern="1200">
-                <a:solidFill>
-                  <a:schemeClr val="tx1"/>
-                </a:solidFill>
-                <a:latin typeface="+mn-lt"/>
-                <a:ea typeface="+mn-ea"/>
-                <a:cs typeface="+mn-cs"/>
-              </a:defRPr>
-            </a:lvl4pPr>
-            <a:lvl5pPr marL="1828800" algn="l" defTabSz="914400" rtl="0" eaLnBrk="1" latinLnBrk="0" hangingPunct="1">
-              <a:defRPr sz="1800" kern="1200">
-                <a:solidFill>
-                  <a:schemeClr val="tx1"/>
-                </a:solidFill>
-                <a:latin typeface="+mn-lt"/>
-                <a:ea typeface="+mn-ea"/>
-                <a:cs typeface="+mn-cs"/>
-              </a:defRPr>
-            </a:lvl5pPr>
-            <a:lvl6pPr marL="2286000" algn="l" defTabSz="914400" rtl="0" eaLnBrk="1" latinLnBrk="0" hangingPunct="1">
-              <a:defRPr sz="1800" kern="1200">
-                <a:solidFill>
-                  <a:schemeClr val="tx1"/>
-                </a:solidFill>
-                <a:latin typeface="+mn-lt"/>
-                <a:ea typeface="+mn-ea"/>
-                <a:cs typeface="+mn-cs"/>
-              </a:defRPr>
-            </a:lvl6pPr>
-            <a:lvl7pPr marL="2743200" algn="l" defTabSz="914400" rtl="0" eaLnBrk="1" latinLnBrk="0" hangingPunct="1">
-              <a:defRPr sz="1800" kern="1200">
-                <a:solidFill>
-                  <a:schemeClr val="tx1"/>
-                </a:solidFill>
-                <a:latin typeface="+mn-lt"/>
-                <a:ea typeface="+mn-ea"/>
-                <a:cs typeface="+mn-cs"/>
-              </a:defRPr>
-            </a:lvl7pPr>
-            <a:lvl8pPr marL="3200400" algn="l" defTabSz="914400" rtl="0" eaLnBrk="1" latinLnBrk="0" hangingPunct="1">
-              <a:defRPr sz="1800" kern="1200">
-                <a:solidFill>
-                  <a:schemeClr val="tx1"/>
-                </a:solidFill>
-                <a:latin typeface="+mn-lt"/>
-                <a:ea typeface="+mn-ea"/>
-                <a:cs typeface="+mn-cs"/>
-              </a:defRPr>
-            </a:lvl8pPr>
-            <a:lvl9pPr marL="3657600" algn="l" defTabSz="914400" rtl="0" eaLnBrk="1" latinLnBrk="0" hangingPunct="1">
-              <a:defRPr sz="1800" kern="1200">
-                <a:solidFill>
-                  <a:schemeClr val="tx1"/>
-                </a:solidFill>
-                <a:latin typeface="+mn-lt"/>
-                <a:ea typeface="+mn-ea"/>
-                <a:cs typeface="+mn-cs"/>
-              </a:defRPr>
-            </a:lvl9pPr>
-          </a:lstStyle>
-          <a:p>
-            <a:r>
-              <a:rPr lang="pt-BR" sz="1600" b="1" dirty="0" smtClean="0">
-                <a:latin typeface="Verdana" panose="020B0604030504040204" pitchFamily="34" charset="0"/>
-                <a:ea typeface="Verdana" panose="020B0604030504040204" pitchFamily="34" charset="0"/>
-                <a:cs typeface="Verdana" panose="020B0604030504040204" pitchFamily="34" charset="0"/>
-              </a:rPr>
-              <a:t>Michel </a:t>
-            </a:r>
-            <a:r>
-              <a:rPr lang="pt-BR" sz="1600" b="1" dirty="0" err="1" smtClean="0">
-                <a:latin typeface="Verdana" panose="020B0604030504040204" pitchFamily="34" charset="0"/>
-                <a:ea typeface="Verdana" panose="020B0604030504040204" pitchFamily="34" charset="0"/>
-                <a:cs typeface="Verdana" panose="020B0604030504040204" pitchFamily="34" charset="0"/>
-              </a:rPr>
-              <a:t>Zarzour</a:t>
-            </a:r>
-            <a:r>
-              <a:rPr lang="pt-BR" sz="1600" b="1" dirty="0" smtClean="0">
-                <a:latin typeface="Verdana" panose="020B0604030504040204" pitchFamily="34" charset="0"/>
-                <a:ea typeface="Verdana" panose="020B0604030504040204" pitchFamily="34" charset="0"/>
-                <a:cs typeface="Verdana" panose="020B0604030504040204" pitchFamily="34" charset="0"/>
-              </a:rPr>
-              <a:t> Filho</a:t>
-            </a:r>
-            <a:endParaRPr lang="pt-BR" sz="1600" b="1" dirty="0">
-              <a:latin typeface="Verdana" panose="020B0604030504040204" pitchFamily="34" charset="0"/>
-              <a:ea typeface="Verdana" panose="020B0604030504040204" pitchFamily="34" charset="0"/>
-              <a:cs typeface="Verdana" panose="020B0604030504040204" pitchFamily="34" charset="0"/>
-            </a:endParaRPr>
-          </a:p>
-        </p:txBody>
-      </p:sp>
-      <p:sp>
-        <p:nvSpPr>
-          <p:cNvPr id="14" name="CaixaDeTexto 20"/>
-          <p:cNvSpPr txBox="1"/>
-          <p:nvPr/>
-        </p:nvSpPr>
-        <p:spPr>
-          <a:xfrm>
-            <a:off x="2037865" y="3941994"/>
-            <a:ext cx="6566583" cy="738664"/>
-          </a:xfrm>
-          <a:prstGeom prst="rect">
-            <a:avLst/>
-          </a:prstGeom>
-          <a:noFill/>
-        </p:spPr>
-        <p:txBody>
-          <a:bodyPr wrap="square" rtlCol="0">
-            <a:spAutoFit/>
-          </a:bodyPr>
-          <a:lstStyle>
-            <a:defPPr>
-              <a:defRPr lang="pt-BR"/>
-            </a:defPPr>
-            <a:lvl1pPr marL="0" algn="l" defTabSz="914400" rtl="0" eaLnBrk="1" latinLnBrk="0" hangingPunct="1">
-              <a:defRPr sz="1800" kern="1200">
-                <a:solidFill>
-                  <a:schemeClr val="tx1"/>
-                </a:solidFill>
-                <a:latin typeface="+mn-lt"/>
-                <a:ea typeface="+mn-ea"/>
-                <a:cs typeface="+mn-cs"/>
-              </a:defRPr>
-            </a:lvl1pPr>
-            <a:lvl2pPr marL="457200" algn="l" defTabSz="914400" rtl="0" eaLnBrk="1" latinLnBrk="0" hangingPunct="1">
-              <a:defRPr sz="1800" kern="1200">
-                <a:solidFill>
-                  <a:schemeClr val="tx1"/>
-                </a:solidFill>
-                <a:latin typeface="+mn-lt"/>
-                <a:ea typeface="+mn-ea"/>
-                <a:cs typeface="+mn-cs"/>
-              </a:defRPr>
-            </a:lvl2pPr>
-            <a:lvl3pPr marL="914400" algn="l" defTabSz="914400" rtl="0" eaLnBrk="1" latinLnBrk="0" hangingPunct="1">
-              <a:defRPr sz="1800" kern="1200">
-                <a:solidFill>
-                  <a:schemeClr val="tx1"/>
-                </a:solidFill>
-                <a:latin typeface="+mn-lt"/>
-                <a:ea typeface="+mn-ea"/>
-                <a:cs typeface="+mn-cs"/>
-              </a:defRPr>
-            </a:lvl3pPr>
-            <a:lvl4pPr marL="1371600" algn="l" defTabSz="914400" rtl="0" eaLnBrk="1" latinLnBrk="0" hangingPunct="1">
-              <a:defRPr sz="1800" kern="1200">
-                <a:solidFill>
-                  <a:schemeClr val="tx1"/>
-                </a:solidFill>
-                <a:latin typeface="+mn-lt"/>
-                <a:ea typeface="+mn-ea"/>
-                <a:cs typeface="+mn-cs"/>
-              </a:defRPr>
-            </a:lvl4pPr>
-            <a:lvl5pPr marL="1828800" algn="l" defTabSz="914400" rtl="0" eaLnBrk="1" latinLnBrk="0" hangingPunct="1">
-              <a:defRPr sz="1800" kern="1200">
-                <a:solidFill>
-                  <a:schemeClr val="tx1"/>
-                </a:solidFill>
-                <a:latin typeface="+mn-lt"/>
-                <a:ea typeface="+mn-ea"/>
-                <a:cs typeface="+mn-cs"/>
-              </a:defRPr>
-            </a:lvl5pPr>
-            <a:lvl6pPr marL="2286000" algn="l" defTabSz="914400" rtl="0" eaLnBrk="1" latinLnBrk="0" hangingPunct="1">
-              <a:defRPr sz="1800" kern="1200">
-                <a:solidFill>
-                  <a:schemeClr val="tx1"/>
-                </a:solidFill>
-                <a:latin typeface="+mn-lt"/>
-                <a:ea typeface="+mn-ea"/>
-                <a:cs typeface="+mn-cs"/>
-              </a:defRPr>
-            </a:lvl6pPr>
-            <a:lvl7pPr marL="2743200" algn="l" defTabSz="914400" rtl="0" eaLnBrk="1" latinLnBrk="0" hangingPunct="1">
-              <a:defRPr sz="1800" kern="1200">
-                <a:solidFill>
-                  <a:schemeClr val="tx1"/>
-                </a:solidFill>
-                <a:latin typeface="+mn-lt"/>
-                <a:ea typeface="+mn-ea"/>
-                <a:cs typeface="+mn-cs"/>
-              </a:defRPr>
-            </a:lvl7pPr>
-            <a:lvl8pPr marL="3200400" algn="l" defTabSz="914400" rtl="0" eaLnBrk="1" latinLnBrk="0" hangingPunct="1">
-              <a:defRPr sz="1800" kern="1200">
-                <a:solidFill>
-                  <a:schemeClr val="tx1"/>
-                </a:solidFill>
-                <a:latin typeface="+mn-lt"/>
-                <a:ea typeface="+mn-ea"/>
-                <a:cs typeface="+mn-cs"/>
-              </a:defRPr>
-            </a:lvl8pPr>
-            <a:lvl9pPr marL="3657600" algn="l" defTabSz="914400" rtl="0" eaLnBrk="1" latinLnBrk="0" hangingPunct="1">
-              <a:defRPr sz="1800" kern="1200">
-                <a:solidFill>
-                  <a:schemeClr val="tx1"/>
-                </a:solidFill>
-                <a:latin typeface="+mn-lt"/>
-                <a:ea typeface="+mn-ea"/>
-                <a:cs typeface="+mn-cs"/>
-              </a:defRPr>
-            </a:lvl9pPr>
-          </a:lstStyle>
-          <a:p>
-            <a:pPr algn="just"/>
-            <a:r>
-              <a:rPr lang="pt-BR" sz="1400" b="1" dirty="0">
-                <a:latin typeface="Verdana" panose="020B0604030504040204" pitchFamily="34" charset="0"/>
-                <a:ea typeface="Verdana" panose="020B0604030504040204" pitchFamily="34" charset="0"/>
-                <a:cs typeface="Verdana" panose="020B0604030504040204" pitchFamily="34" charset="0"/>
-              </a:rPr>
-              <a:t>Sócio - </a:t>
-            </a:r>
-            <a:r>
-              <a:rPr lang="pt-BR" sz="1400" b="1" dirty="0" smtClean="0">
-                <a:latin typeface="Verdana" panose="020B0604030504040204" pitchFamily="34" charset="0"/>
-                <a:ea typeface="Verdana" panose="020B0604030504040204" pitchFamily="34" charset="0"/>
-                <a:cs typeface="Verdana" panose="020B0604030504040204" pitchFamily="34" charset="0"/>
-              </a:rPr>
-              <a:t>Fundador</a:t>
-            </a:r>
-            <a:endParaRPr lang="pt-BR" sz="1400" b="1" dirty="0">
-              <a:latin typeface="Verdana" panose="020B0604030504040204" pitchFamily="34" charset="0"/>
-              <a:ea typeface="Verdana" panose="020B0604030504040204" pitchFamily="34" charset="0"/>
-              <a:cs typeface="Verdana" panose="020B0604030504040204" pitchFamily="34" charset="0"/>
-            </a:endParaRPr>
-          </a:p>
-          <a:p>
-            <a:pPr algn="just"/>
-            <a:r>
-              <a:rPr lang="pt-BR" sz="1400" dirty="0">
-                <a:latin typeface="Verdana" panose="020B0604030504040204" pitchFamily="34" charset="0"/>
-                <a:ea typeface="Verdana" panose="020B0604030504040204" pitchFamily="34" charset="0"/>
-                <a:cs typeface="Verdana" panose="020B0604030504040204" pitchFamily="34" charset="0"/>
-              </a:rPr>
-              <a:t>+ 55 11 9 </a:t>
-            </a:r>
-            <a:r>
-              <a:rPr lang="pt-BR" sz="1400" dirty="0" smtClean="0">
-                <a:latin typeface="Verdana" panose="020B0604030504040204" pitchFamily="34" charset="0"/>
-                <a:ea typeface="Verdana" panose="020B0604030504040204" pitchFamily="34" charset="0"/>
-                <a:cs typeface="Verdana" panose="020B0604030504040204" pitchFamily="34" charset="0"/>
-              </a:rPr>
-              <a:t>8174-7375</a:t>
-            </a:r>
-            <a:endParaRPr lang="pt-BR" sz="1400" dirty="0">
-              <a:latin typeface="Verdana" panose="020B0604030504040204" pitchFamily="34" charset="0"/>
-              <a:ea typeface="Verdana" panose="020B0604030504040204" pitchFamily="34" charset="0"/>
-              <a:cs typeface="Verdana" panose="020B0604030504040204" pitchFamily="34" charset="0"/>
-            </a:endParaRPr>
-          </a:p>
-          <a:p>
-            <a:pPr algn="just"/>
-            <a:r>
-              <a:rPr lang="pt-BR" sz="1400" dirty="0" smtClean="0">
-                <a:latin typeface="Verdana" panose="020B0604030504040204" pitchFamily="34" charset="0"/>
-                <a:ea typeface="Verdana" panose="020B0604030504040204" pitchFamily="34" charset="0"/>
-                <a:cs typeface="Verdana" panose="020B0604030504040204" pitchFamily="34" charset="0"/>
-              </a:rPr>
-              <a:t>michel@inopus.com.br</a:t>
-            </a:r>
-            <a:endParaRPr lang="pt-BR" sz="1400" dirty="0">
-              <a:latin typeface="Verdana" panose="020B0604030504040204" pitchFamily="34" charset="0"/>
-              <a:ea typeface="Verdana" panose="020B0604030504040204" pitchFamily="34" charset="0"/>
-              <a:cs typeface="Verdana" panose="020B0604030504040204" pitchFamily="34" charset="0"/>
-            </a:endParaRPr>
-          </a:p>
-        </p:txBody>
-      </p:sp>
-      <p:sp>
-        <p:nvSpPr>
-          <p:cNvPr id="15" name="CaixaDeTexto 19"/>
-          <p:cNvSpPr txBox="1"/>
-          <p:nvPr/>
-        </p:nvSpPr>
-        <p:spPr>
-          <a:xfrm>
-            <a:off x="2041779" y="2204676"/>
-            <a:ext cx="1720343" cy="338554"/>
-          </a:xfrm>
-          <a:prstGeom prst="rect">
-            <a:avLst/>
-          </a:prstGeom>
-          <a:noFill/>
-        </p:spPr>
-        <p:txBody>
-          <a:bodyPr wrap="none" rtlCol="0">
-            <a:spAutoFit/>
-          </a:bodyPr>
-          <a:lstStyle>
-            <a:defPPr>
-              <a:defRPr lang="pt-BR"/>
-            </a:defPPr>
-            <a:lvl1pPr marL="0" algn="l" defTabSz="914400" rtl="0" eaLnBrk="1" latinLnBrk="0" hangingPunct="1">
-              <a:defRPr sz="1800" kern="1200">
-                <a:solidFill>
-                  <a:schemeClr val="tx1"/>
-                </a:solidFill>
-                <a:latin typeface="+mn-lt"/>
-                <a:ea typeface="+mn-ea"/>
-                <a:cs typeface="+mn-cs"/>
-              </a:defRPr>
-            </a:lvl1pPr>
-            <a:lvl2pPr marL="457200" algn="l" defTabSz="914400" rtl="0" eaLnBrk="1" latinLnBrk="0" hangingPunct="1">
-              <a:defRPr sz="1800" kern="1200">
-                <a:solidFill>
-                  <a:schemeClr val="tx1"/>
-                </a:solidFill>
-                <a:latin typeface="+mn-lt"/>
-                <a:ea typeface="+mn-ea"/>
-                <a:cs typeface="+mn-cs"/>
-              </a:defRPr>
-            </a:lvl2pPr>
-            <a:lvl3pPr marL="914400" algn="l" defTabSz="914400" rtl="0" eaLnBrk="1" latinLnBrk="0" hangingPunct="1">
-              <a:defRPr sz="1800" kern="1200">
-                <a:solidFill>
-                  <a:schemeClr val="tx1"/>
-                </a:solidFill>
-                <a:latin typeface="+mn-lt"/>
-                <a:ea typeface="+mn-ea"/>
-                <a:cs typeface="+mn-cs"/>
-              </a:defRPr>
-            </a:lvl3pPr>
-            <a:lvl4pPr marL="1371600" algn="l" defTabSz="914400" rtl="0" eaLnBrk="1" latinLnBrk="0" hangingPunct="1">
-              <a:defRPr sz="1800" kern="1200">
-                <a:solidFill>
-                  <a:schemeClr val="tx1"/>
-                </a:solidFill>
-                <a:latin typeface="+mn-lt"/>
-                <a:ea typeface="+mn-ea"/>
-                <a:cs typeface="+mn-cs"/>
-              </a:defRPr>
-            </a:lvl4pPr>
-            <a:lvl5pPr marL="1828800" algn="l" defTabSz="914400" rtl="0" eaLnBrk="1" latinLnBrk="0" hangingPunct="1">
-              <a:defRPr sz="1800" kern="1200">
-                <a:solidFill>
-                  <a:schemeClr val="tx1"/>
-                </a:solidFill>
-                <a:latin typeface="+mn-lt"/>
-                <a:ea typeface="+mn-ea"/>
-                <a:cs typeface="+mn-cs"/>
-              </a:defRPr>
-            </a:lvl5pPr>
-            <a:lvl6pPr marL="2286000" algn="l" defTabSz="914400" rtl="0" eaLnBrk="1" latinLnBrk="0" hangingPunct="1">
-              <a:defRPr sz="1800" kern="1200">
-                <a:solidFill>
-                  <a:schemeClr val="tx1"/>
-                </a:solidFill>
-                <a:latin typeface="+mn-lt"/>
-                <a:ea typeface="+mn-ea"/>
-                <a:cs typeface="+mn-cs"/>
-              </a:defRPr>
-            </a:lvl6pPr>
-            <a:lvl7pPr marL="2743200" algn="l" defTabSz="914400" rtl="0" eaLnBrk="1" latinLnBrk="0" hangingPunct="1">
-              <a:defRPr sz="1800" kern="1200">
-                <a:solidFill>
-                  <a:schemeClr val="tx1"/>
-                </a:solidFill>
-                <a:latin typeface="+mn-lt"/>
-                <a:ea typeface="+mn-ea"/>
-                <a:cs typeface="+mn-cs"/>
-              </a:defRPr>
-            </a:lvl7pPr>
-            <a:lvl8pPr marL="3200400" algn="l" defTabSz="914400" rtl="0" eaLnBrk="1" latinLnBrk="0" hangingPunct="1">
-              <a:defRPr sz="1800" kern="1200">
-                <a:solidFill>
-                  <a:schemeClr val="tx1"/>
-                </a:solidFill>
-                <a:latin typeface="+mn-lt"/>
-                <a:ea typeface="+mn-ea"/>
-                <a:cs typeface="+mn-cs"/>
-              </a:defRPr>
-            </a:lvl8pPr>
-            <a:lvl9pPr marL="3657600" algn="l" defTabSz="914400" rtl="0" eaLnBrk="1" latinLnBrk="0" hangingPunct="1">
-              <a:defRPr sz="1800" kern="1200">
-                <a:solidFill>
-                  <a:schemeClr val="tx1"/>
-                </a:solidFill>
-                <a:latin typeface="+mn-lt"/>
-                <a:ea typeface="+mn-ea"/>
-                <a:cs typeface="+mn-cs"/>
-              </a:defRPr>
-            </a:lvl9pPr>
-          </a:lstStyle>
-          <a:p>
-            <a:r>
-              <a:rPr lang="pt-BR" sz="1600" b="1" dirty="0" smtClean="0">
-                <a:latin typeface="Verdana" panose="020B0604030504040204" pitchFamily="34" charset="0"/>
-                <a:ea typeface="Verdana" panose="020B0604030504040204" pitchFamily="34" charset="0"/>
-                <a:cs typeface="Verdana" panose="020B0604030504040204" pitchFamily="34" charset="0"/>
-              </a:rPr>
-              <a:t>Gustavo </a:t>
-            </a:r>
-            <a:r>
-              <a:rPr lang="pt-BR" sz="1600" b="1" dirty="0" err="1" smtClean="0">
-                <a:latin typeface="Verdana" panose="020B0604030504040204" pitchFamily="34" charset="0"/>
-                <a:ea typeface="Verdana" panose="020B0604030504040204" pitchFamily="34" charset="0"/>
-                <a:cs typeface="Verdana" panose="020B0604030504040204" pitchFamily="34" charset="0"/>
-              </a:rPr>
-              <a:t>Soré</a:t>
-            </a:r>
-            <a:endParaRPr lang="pt-BR" sz="1600" b="1" dirty="0">
-              <a:latin typeface="Verdana" panose="020B0604030504040204" pitchFamily="34" charset="0"/>
-              <a:ea typeface="Verdana" panose="020B0604030504040204" pitchFamily="34" charset="0"/>
-              <a:cs typeface="Verdana" panose="020B0604030504040204" pitchFamily="34" charset="0"/>
-            </a:endParaRPr>
-          </a:p>
-        </p:txBody>
-      </p:sp>
-      <p:sp>
-        <p:nvSpPr>
-          <p:cNvPr id="16" name="CaixaDeTexto 20"/>
-          <p:cNvSpPr txBox="1"/>
-          <p:nvPr/>
-        </p:nvSpPr>
-        <p:spPr>
-          <a:xfrm>
-            <a:off x="2041779" y="2548285"/>
-            <a:ext cx="6634677" cy="738664"/>
-          </a:xfrm>
-          <a:prstGeom prst="rect">
-            <a:avLst/>
-          </a:prstGeom>
-          <a:noFill/>
-        </p:spPr>
-        <p:txBody>
-          <a:bodyPr wrap="square" rtlCol="0">
-            <a:spAutoFit/>
-          </a:bodyPr>
-          <a:lstStyle>
-            <a:defPPr>
-              <a:defRPr lang="pt-BR"/>
-            </a:defPPr>
-            <a:lvl1pPr marL="0" algn="l" defTabSz="914400" rtl="0" eaLnBrk="1" latinLnBrk="0" hangingPunct="1">
-              <a:defRPr sz="1800" kern="1200">
-                <a:solidFill>
-                  <a:schemeClr val="tx1"/>
-                </a:solidFill>
-                <a:latin typeface="+mn-lt"/>
-                <a:ea typeface="+mn-ea"/>
-                <a:cs typeface="+mn-cs"/>
-              </a:defRPr>
-            </a:lvl1pPr>
-            <a:lvl2pPr marL="457200" algn="l" defTabSz="914400" rtl="0" eaLnBrk="1" latinLnBrk="0" hangingPunct="1">
-              <a:defRPr sz="1800" kern="1200">
-                <a:solidFill>
-                  <a:schemeClr val="tx1"/>
-                </a:solidFill>
-                <a:latin typeface="+mn-lt"/>
-                <a:ea typeface="+mn-ea"/>
-                <a:cs typeface="+mn-cs"/>
-              </a:defRPr>
-            </a:lvl2pPr>
-            <a:lvl3pPr marL="914400" algn="l" defTabSz="914400" rtl="0" eaLnBrk="1" latinLnBrk="0" hangingPunct="1">
-              <a:defRPr sz="1800" kern="1200">
-                <a:solidFill>
-                  <a:schemeClr val="tx1"/>
-                </a:solidFill>
-                <a:latin typeface="+mn-lt"/>
-                <a:ea typeface="+mn-ea"/>
-                <a:cs typeface="+mn-cs"/>
-              </a:defRPr>
-            </a:lvl3pPr>
-            <a:lvl4pPr marL="1371600" algn="l" defTabSz="914400" rtl="0" eaLnBrk="1" latinLnBrk="0" hangingPunct="1">
-              <a:defRPr sz="1800" kern="1200">
-                <a:solidFill>
-                  <a:schemeClr val="tx1"/>
-                </a:solidFill>
-                <a:latin typeface="+mn-lt"/>
-                <a:ea typeface="+mn-ea"/>
-                <a:cs typeface="+mn-cs"/>
-              </a:defRPr>
-            </a:lvl4pPr>
-            <a:lvl5pPr marL="1828800" algn="l" defTabSz="914400" rtl="0" eaLnBrk="1" latinLnBrk="0" hangingPunct="1">
-              <a:defRPr sz="1800" kern="1200">
-                <a:solidFill>
-                  <a:schemeClr val="tx1"/>
-                </a:solidFill>
-                <a:latin typeface="+mn-lt"/>
-                <a:ea typeface="+mn-ea"/>
-                <a:cs typeface="+mn-cs"/>
-              </a:defRPr>
-            </a:lvl5pPr>
-            <a:lvl6pPr marL="2286000" algn="l" defTabSz="914400" rtl="0" eaLnBrk="1" latinLnBrk="0" hangingPunct="1">
-              <a:defRPr sz="1800" kern="1200">
-                <a:solidFill>
-                  <a:schemeClr val="tx1"/>
-                </a:solidFill>
-                <a:latin typeface="+mn-lt"/>
-                <a:ea typeface="+mn-ea"/>
-                <a:cs typeface="+mn-cs"/>
-              </a:defRPr>
-            </a:lvl6pPr>
-            <a:lvl7pPr marL="2743200" algn="l" defTabSz="914400" rtl="0" eaLnBrk="1" latinLnBrk="0" hangingPunct="1">
-              <a:defRPr sz="1800" kern="1200">
-                <a:solidFill>
-                  <a:schemeClr val="tx1"/>
-                </a:solidFill>
-                <a:latin typeface="+mn-lt"/>
-                <a:ea typeface="+mn-ea"/>
-                <a:cs typeface="+mn-cs"/>
-              </a:defRPr>
-            </a:lvl7pPr>
-            <a:lvl8pPr marL="3200400" algn="l" defTabSz="914400" rtl="0" eaLnBrk="1" latinLnBrk="0" hangingPunct="1">
-              <a:defRPr sz="1800" kern="1200">
-                <a:solidFill>
-                  <a:schemeClr val="tx1"/>
-                </a:solidFill>
-                <a:latin typeface="+mn-lt"/>
-                <a:ea typeface="+mn-ea"/>
-                <a:cs typeface="+mn-cs"/>
-              </a:defRPr>
-            </a:lvl8pPr>
-            <a:lvl9pPr marL="3657600" algn="l" defTabSz="914400" rtl="0" eaLnBrk="1" latinLnBrk="0" hangingPunct="1">
-              <a:defRPr sz="1800" kern="1200">
-                <a:solidFill>
-                  <a:schemeClr val="tx1"/>
-                </a:solidFill>
-                <a:latin typeface="+mn-lt"/>
-                <a:ea typeface="+mn-ea"/>
-                <a:cs typeface="+mn-cs"/>
-              </a:defRPr>
-            </a:lvl9pPr>
-          </a:lstStyle>
-          <a:p>
-            <a:pPr algn="just"/>
-            <a:r>
-              <a:rPr lang="pt-BR" sz="1400" b="1" dirty="0" smtClean="0">
-                <a:latin typeface="Verdana" panose="020B0604030504040204" pitchFamily="34" charset="0"/>
-                <a:ea typeface="Verdana" panose="020B0604030504040204" pitchFamily="34" charset="0"/>
-                <a:cs typeface="Verdana" panose="020B0604030504040204" pitchFamily="34" charset="0"/>
-              </a:rPr>
-              <a:t>Sócio - Fundador</a:t>
-            </a:r>
-          </a:p>
-          <a:p>
-            <a:pPr algn="just"/>
-            <a:r>
-              <a:rPr lang="pt-BR" sz="1400" dirty="0" smtClean="0">
-                <a:latin typeface="Verdana" panose="020B0604030504040204" pitchFamily="34" charset="0"/>
-                <a:ea typeface="Verdana" panose="020B0604030504040204" pitchFamily="34" charset="0"/>
-                <a:cs typeface="Verdana" panose="020B0604030504040204" pitchFamily="34" charset="0"/>
-              </a:rPr>
-              <a:t>+ 55 11 9 8585-4328</a:t>
-            </a:r>
-          </a:p>
-          <a:p>
-            <a:pPr algn="just"/>
-            <a:r>
-              <a:rPr lang="pt-BR" sz="1400" dirty="0" smtClean="0">
-                <a:latin typeface="Verdana" panose="020B0604030504040204" pitchFamily="34" charset="0"/>
-                <a:ea typeface="Verdana" panose="020B0604030504040204" pitchFamily="34" charset="0"/>
-                <a:cs typeface="Verdana" panose="020B0604030504040204" pitchFamily="34" charset="0"/>
-              </a:rPr>
-              <a:t>gustavo@inopus.com.br</a:t>
-            </a:r>
-            <a:endParaRPr lang="pt-BR" sz="1400" dirty="0">
-              <a:latin typeface="Verdana" panose="020B0604030504040204" pitchFamily="34" charset="0"/>
-              <a:ea typeface="Verdana" panose="020B0604030504040204" pitchFamily="34" charset="0"/>
-              <a:cs typeface="Verdana" panose="020B0604030504040204" pitchFamily="34" charset="0"/>
-            </a:endParaRPr>
-          </a:p>
-        </p:txBody>
-      </p:sp>
-      <p:sp>
-        <p:nvSpPr>
-          <p:cNvPr id="17" name="CaixaDeTexto 19"/>
-          <p:cNvSpPr txBox="1"/>
-          <p:nvPr/>
-        </p:nvSpPr>
-        <p:spPr>
-          <a:xfrm>
-            <a:off x="2069489" y="806081"/>
-            <a:ext cx="2295821" cy="338554"/>
-          </a:xfrm>
-          <a:prstGeom prst="rect">
-            <a:avLst/>
-          </a:prstGeom>
-          <a:noFill/>
-        </p:spPr>
-        <p:txBody>
-          <a:bodyPr wrap="none" rtlCol="0">
-            <a:spAutoFit/>
-          </a:bodyPr>
-          <a:lstStyle>
-            <a:defPPr>
-              <a:defRPr lang="pt-BR"/>
-            </a:defPPr>
-            <a:lvl1pPr marL="0" algn="l" defTabSz="914400" rtl="0" eaLnBrk="1" latinLnBrk="0" hangingPunct="1">
-              <a:defRPr sz="1800" kern="1200">
-                <a:solidFill>
-                  <a:schemeClr val="tx1"/>
-                </a:solidFill>
-                <a:latin typeface="+mn-lt"/>
-                <a:ea typeface="+mn-ea"/>
-                <a:cs typeface="+mn-cs"/>
-              </a:defRPr>
-            </a:lvl1pPr>
-            <a:lvl2pPr marL="457200" algn="l" defTabSz="914400" rtl="0" eaLnBrk="1" latinLnBrk="0" hangingPunct="1">
-              <a:defRPr sz="1800" kern="1200">
-                <a:solidFill>
-                  <a:schemeClr val="tx1"/>
-                </a:solidFill>
-                <a:latin typeface="+mn-lt"/>
-                <a:ea typeface="+mn-ea"/>
-                <a:cs typeface="+mn-cs"/>
-              </a:defRPr>
-            </a:lvl2pPr>
-            <a:lvl3pPr marL="914400" algn="l" defTabSz="914400" rtl="0" eaLnBrk="1" latinLnBrk="0" hangingPunct="1">
-              <a:defRPr sz="1800" kern="1200">
-                <a:solidFill>
-                  <a:schemeClr val="tx1"/>
-                </a:solidFill>
-                <a:latin typeface="+mn-lt"/>
-                <a:ea typeface="+mn-ea"/>
-                <a:cs typeface="+mn-cs"/>
-              </a:defRPr>
-            </a:lvl3pPr>
-            <a:lvl4pPr marL="1371600" algn="l" defTabSz="914400" rtl="0" eaLnBrk="1" latinLnBrk="0" hangingPunct="1">
-              <a:defRPr sz="1800" kern="1200">
-                <a:solidFill>
-                  <a:schemeClr val="tx1"/>
-                </a:solidFill>
-                <a:latin typeface="+mn-lt"/>
-                <a:ea typeface="+mn-ea"/>
-                <a:cs typeface="+mn-cs"/>
-              </a:defRPr>
-            </a:lvl4pPr>
-            <a:lvl5pPr marL="1828800" algn="l" defTabSz="914400" rtl="0" eaLnBrk="1" latinLnBrk="0" hangingPunct="1">
-              <a:defRPr sz="1800" kern="1200">
-                <a:solidFill>
-                  <a:schemeClr val="tx1"/>
-                </a:solidFill>
-                <a:latin typeface="+mn-lt"/>
-                <a:ea typeface="+mn-ea"/>
-                <a:cs typeface="+mn-cs"/>
-              </a:defRPr>
-            </a:lvl5pPr>
-            <a:lvl6pPr marL="2286000" algn="l" defTabSz="914400" rtl="0" eaLnBrk="1" latinLnBrk="0" hangingPunct="1">
-              <a:defRPr sz="1800" kern="1200">
-                <a:solidFill>
-                  <a:schemeClr val="tx1"/>
-                </a:solidFill>
-                <a:latin typeface="+mn-lt"/>
-                <a:ea typeface="+mn-ea"/>
-                <a:cs typeface="+mn-cs"/>
-              </a:defRPr>
-            </a:lvl6pPr>
-            <a:lvl7pPr marL="2743200" algn="l" defTabSz="914400" rtl="0" eaLnBrk="1" latinLnBrk="0" hangingPunct="1">
-              <a:defRPr sz="1800" kern="1200">
-                <a:solidFill>
-                  <a:schemeClr val="tx1"/>
-                </a:solidFill>
-                <a:latin typeface="+mn-lt"/>
-                <a:ea typeface="+mn-ea"/>
-                <a:cs typeface="+mn-cs"/>
-              </a:defRPr>
-            </a:lvl7pPr>
-            <a:lvl8pPr marL="3200400" algn="l" defTabSz="914400" rtl="0" eaLnBrk="1" latinLnBrk="0" hangingPunct="1">
-              <a:defRPr sz="1800" kern="1200">
-                <a:solidFill>
-                  <a:schemeClr val="tx1"/>
-                </a:solidFill>
-                <a:latin typeface="+mn-lt"/>
-                <a:ea typeface="+mn-ea"/>
-                <a:cs typeface="+mn-cs"/>
-              </a:defRPr>
-            </a:lvl8pPr>
-            <a:lvl9pPr marL="3657600" algn="l" defTabSz="914400" rtl="0" eaLnBrk="1" latinLnBrk="0" hangingPunct="1">
-              <a:defRPr sz="1800" kern="1200">
-                <a:solidFill>
-                  <a:schemeClr val="tx1"/>
-                </a:solidFill>
-                <a:latin typeface="+mn-lt"/>
-                <a:ea typeface="+mn-ea"/>
-                <a:cs typeface="+mn-cs"/>
-              </a:defRPr>
-            </a:lvl9pPr>
-          </a:lstStyle>
-          <a:p>
-            <a:r>
-              <a:rPr lang="pt-BR" sz="1600" b="1" dirty="0" smtClean="0">
-                <a:latin typeface="Verdana" panose="020B0604030504040204" pitchFamily="34" charset="0"/>
-                <a:ea typeface="Verdana" panose="020B0604030504040204" pitchFamily="34" charset="0"/>
-                <a:cs typeface="Verdana" panose="020B0604030504040204" pitchFamily="34" charset="0"/>
-              </a:rPr>
-              <a:t>Guilherme </a:t>
-            </a:r>
-            <a:r>
-              <a:rPr lang="pt-BR" sz="1600" b="1" dirty="0" err="1" smtClean="0">
-                <a:latin typeface="Verdana" panose="020B0604030504040204" pitchFamily="34" charset="0"/>
-                <a:ea typeface="Verdana" panose="020B0604030504040204" pitchFamily="34" charset="0"/>
-                <a:cs typeface="Verdana" panose="020B0604030504040204" pitchFamily="34" charset="0"/>
-              </a:rPr>
-              <a:t>Uezima</a:t>
-            </a:r>
-            <a:endParaRPr lang="pt-BR" sz="1600" b="1" dirty="0">
-              <a:latin typeface="Verdana" panose="020B0604030504040204" pitchFamily="34" charset="0"/>
-              <a:ea typeface="Verdana" panose="020B0604030504040204" pitchFamily="34" charset="0"/>
-              <a:cs typeface="Verdana" panose="020B0604030504040204" pitchFamily="34" charset="0"/>
-            </a:endParaRPr>
-          </a:p>
-        </p:txBody>
-      </p:sp>
-      <p:sp>
-        <p:nvSpPr>
-          <p:cNvPr id="18" name="CaixaDeTexto 20"/>
-          <p:cNvSpPr txBox="1"/>
-          <p:nvPr/>
-        </p:nvSpPr>
-        <p:spPr>
-          <a:xfrm>
-            <a:off x="2069489" y="1149690"/>
-            <a:ext cx="6418653" cy="738664"/>
-          </a:xfrm>
-          <a:prstGeom prst="rect">
-            <a:avLst/>
-          </a:prstGeom>
-          <a:noFill/>
-        </p:spPr>
-        <p:txBody>
-          <a:bodyPr wrap="square" rtlCol="0">
-            <a:spAutoFit/>
-          </a:bodyPr>
-          <a:lstStyle>
-            <a:defPPr>
-              <a:defRPr lang="pt-BR"/>
-            </a:defPPr>
-            <a:lvl1pPr marL="0" algn="l" defTabSz="914400" rtl="0" eaLnBrk="1" latinLnBrk="0" hangingPunct="1">
-              <a:defRPr sz="1800" kern="1200">
-                <a:solidFill>
-                  <a:schemeClr val="tx1"/>
-                </a:solidFill>
-                <a:latin typeface="+mn-lt"/>
-                <a:ea typeface="+mn-ea"/>
-                <a:cs typeface="+mn-cs"/>
-              </a:defRPr>
-            </a:lvl1pPr>
-            <a:lvl2pPr marL="457200" algn="l" defTabSz="914400" rtl="0" eaLnBrk="1" latinLnBrk="0" hangingPunct="1">
-              <a:defRPr sz="1800" kern="1200">
-                <a:solidFill>
-                  <a:schemeClr val="tx1"/>
-                </a:solidFill>
-                <a:latin typeface="+mn-lt"/>
-                <a:ea typeface="+mn-ea"/>
-                <a:cs typeface="+mn-cs"/>
-              </a:defRPr>
-            </a:lvl2pPr>
-            <a:lvl3pPr marL="914400" algn="l" defTabSz="914400" rtl="0" eaLnBrk="1" latinLnBrk="0" hangingPunct="1">
-              <a:defRPr sz="1800" kern="1200">
-                <a:solidFill>
-                  <a:schemeClr val="tx1"/>
-                </a:solidFill>
-                <a:latin typeface="+mn-lt"/>
-                <a:ea typeface="+mn-ea"/>
-                <a:cs typeface="+mn-cs"/>
-              </a:defRPr>
-            </a:lvl3pPr>
-            <a:lvl4pPr marL="1371600" algn="l" defTabSz="914400" rtl="0" eaLnBrk="1" latinLnBrk="0" hangingPunct="1">
-              <a:defRPr sz="1800" kern="1200">
-                <a:solidFill>
-                  <a:schemeClr val="tx1"/>
-                </a:solidFill>
-                <a:latin typeface="+mn-lt"/>
-                <a:ea typeface="+mn-ea"/>
-                <a:cs typeface="+mn-cs"/>
-              </a:defRPr>
-            </a:lvl4pPr>
-            <a:lvl5pPr marL="1828800" algn="l" defTabSz="914400" rtl="0" eaLnBrk="1" latinLnBrk="0" hangingPunct="1">
-              <a:defRPr sz="1800" kern="1200">
-                <a:solidFill>
-                  <a:schemeClr val="tx1"/>
-                </a:solidFill>
-                <a:latin typeface="+mn-lt"/>
-                <a:ea typeface="+mn-ea"/>
-                <a:cs typeface="+mn-cs"/>
-              </a:defRPr>
-            </a:lvl5pPr>
-            <a:lvl6pPr marL="2286000" algn="l" defTabSz="914400" rtl="0" eaLnBrk="1" latinLnBrk="0" hangingPunct="1">
-              <a:defRPr sz="1800" kern="1200">
-                <a:solidFill>
-                  <a:schemeClr val="tx1"/>
-                </a:solidFill>
-                <a:latin typeface="+mn-lt"/>
-                <a:ea typeface="+mn-ea"/>
-                <a:cs typeface="+mn-cs"/>
-              </a:defRPr>
-            </a:lvl6pPr>
-            <a:lvl7pPr marL="2743200" algn="l" defTabSz="914400" rtl="0" eaLnBrk="1" latinLnBrk="0" hangingPunct="1">
-              <a:defRPr sz="1800" kern="1200">
-                <a:solidFill>
-                  <a:schemeClr val="tx1"/>
-                </a:solidFill>
-                <a:latin typeface="+mn-lt"/>
-                <a:ea typeface="+mn-ea"/>
-                <a:cs typeface="+mn-cs"/>
-              </a:defRPr>
-            </a:lvl7pPr>
-            <a:lvl8pPr marL="3200400" algn="l" defTabSz="914400" rtl="0" eaLnBrk="1" latinLnBrk="0" hangingPunct="1">
-              <a:defRPr sz="1800" kern="1200">
-                <a:solidFill>
-                  <a:schemeClr val="tx1"/>
-                </a:solidFill>
-                <a:latin typeface="+mn-lt"/>
-                <a:ea typeface="+mn-ea"/>
-                <a:cs typeface="+mn-cs"/>
-              </a:defRPr>
-            </a:lvl8pPr>
-            <a:lvl9pPr marL="3657600" algn="l" defTabSz="914400" rtl="0" eaLnBrk="1" latinLnBrk="0" hangingPunct="1">
-              <a:defRPr sz="1800" kern="1200">
-                <a:solidFill>
-                  <a:schemeClr val="tx1"/>
-                </a:solidFill>
-                <a:latin typeface="+mn-lt"/>
-                <a:ea typeface="+mn-ea"/>
-                <a:cs typeface="+mn-cs"/>
-              </a:defRPr>
-            </a:lvl9pPr>
-          </a:lstStyle>
-          <a:p>
-            <a:pPr algn="just"/>
-            <a:r>
-              <a:rPr lang="pt-BR" sz="1400" b="1" dirty="0">
-                <a:latin typeface="Verdana" panose="020B0604030504040204" pitchFamily="34" charset="0"/>
-                <a:ea typeface="Verdana" panose="020B0604030504040204" pitchFamily="34" charset="0"/>
-                <a:cs typeface="Verdana" panose="020B0604030504040204" pitchFamily="34" charset="0"/>
-              </a:rPr>
-              <a:t>Sócio - Fundador</a:t>
-            </a:r>
-          </a:p>
-          <a:p>
-            <a:pPr algn="just"/>
-            <a:r>
-              <a:rPr lang="pt-BR" sz="1400" dirty="0" smtClean="0">
-                <a:latin typeface="Verdana" panose="020B0604030504040204" pitchFamily="34" charset="0"/>
-                <a:ea typeface="Verdana" panose="020B0604030504040204" pitchFamily="34" charset="0"/>
-                <a:cs typeface="Verdana" panose="020B0604030504040204" pitchFamily="34" charset="0"/>
-              </a:rPr>
-              <a:t>+ 55 11 9 7692-7785</a:t>
-            </a:r>
-          </a:p>
-          <a:p>
-            <a:pPr algn="just"/>
-            <a:r>
-              <a:rPr lang="pt-BR" sz="1400" dirty="0" smtClean="0">
-                <a:latin typeface="Verdana" panose="020B0604030504040204" pitchFamily="34" charset="0"/>
-                <a:ea typeface="Verdana" panose="020B0604030504040204" pitchFamily="34" charset="0"/>
-                <a:cs typeface="Verdana" panose="020B0604030504040204" pitchFamily="34" charset="0"/>
-              </a:rPr>
-              <a:t>guilherme@inopus.com.br</a:t>
-            </a:r>
-          </a:p>
-        </p:txBody>
-      </p:sp>
     </p:spTree>
     <p:extLst>
       <p:ext uri="{BB962C8B-B14F-4D97-AF65-F5344CB8AC3E}">
-        <p14:creationId xmlns:p14="http://schemas.microsoft.com/office/powerpoint/2010/main" val="632716038"/>
+        <p14:creationId xmlns:p14="http://schemas.microsoft.com/office/powerpoint/2010/main" val="3794363898"/>
       </p:ext>
     </p:extLst>
   </p:cSld>
@@ -5835,7 +5030,7 @@
           <p:nvPr>
             <p:extLst>
               <p:ext uri="{D42A27DB-BD31-4B8C-83A1-F6EECF244321}">
-                <p14:modId xmlns:p14="http://schemas.microsoft.com/office/powerpoint/2010/main" val="131640520"/>
+                <p14:modId xmlns:p14="http://schemas.microsoft.com/office/powerpoint/2010/main" val="3426531394"/>
               </p:ext>
             </p:extLst>
           </p:nvPr>
@@ -6048,7 +5243,21 @@
                           <a:ea typeface="Verdana" panose="020B0604030504040204" pitchFamily="34" charset="0"/>
                           <a:cs typeface="Verdana" panose="020B0604030504040204" pitchFamily="34" charset="0"/>
                         </a:rPr>
-                        <a:t>09:20 - 09:22</a:t>
+                        <a:t>09:20 - </a:t>
+                      </a:r>
+                      <a:r>
+                        <a:rPr lang="pt-BR" sz="1400" b="1" kern="0" dirty="0" smtClean="0">
+                          <a:solidFill>
+                            <a:schemeClr val="tx1">
+                              <a:lumMod val="85000"/>
+                              <a:lumOff val="15000"/>
+                            </a:schemeClr>
+                          </a:solidFill>
+                          <a:latin typeface="Verdana" panose="020B0604030504040204" pitchFamily="34" charset="0"/>
+                          <a:ea typeface="Verdana" panose="020B0604030504040204" pitchFamily="34" charset="0"/>
+                          <a:cs typeface="Verdana" panose="020B0604030504040204" pitchFamily="34" charset="0"/>
+                        </a:rPr>
+                        <a:t>09:22</a:t>
                       </a:r>
                       <a:endParaRPr lang="en-GB" sz="1400" b="0" i="0" dirty="0">
                         <a:solidFill>
@@ -6234,7 +5443,21 @@
                           <a:ea typeface="Verdana" panose="020B0604030504040204" pitchFamily="34" charset="0"/>
                           <a:cs typeface="Verdana" panose="020B0604030504040204" pitchFamily="34" charset="0"/>
                         </a:rPr>
-                        <a:t>09:22 - 09:45</a:t>
+                        <a:t>09:22 - </a:t>
+                      </a:r>
+                      <a:r>
+                        <a:rPr lang="pt-BR" sz="1400" b="1" kern="0" dirty="0" smtClean="0">
+                          <a:solidFill>
+                            <a:schemeClr val="tx1">
+                              <a:lumMod val="85000"/>
+                              <a:lumOff val="15000"/>
+                            </a:schemeClr>
+                          </a:solidFill>
+                          <a:latin typeface="Verdana" panose="020B0604030504040204" pitchFamily="34" charset="0"/>
+                          <a:ea typeface="Verdana" panose="020B0604030504040204" pitchFamily="34" charset="0"/>
+                          <a:cs typeface="Verdana" panose="020B0604030504040204" pitchFamily="34" charset="0"/>
+                        </a:rPr>
+                        <a:t>10:00</a:t>
                       </a:r>
                       <a:endParaRPr lang="en-GB" sz="1400" b="0" i="0" dirty="0">
                         <a:solidFill>
@@ -6407,7 +5630,35 @@
                           <a:ea typeface="Verdana" panose="020B0604030504040204" pitchFamily="34" charset="0"/>
                           <a:cs typeface="Verdana" panose="020B0604030504040204" pitchFamily="34" charset="0"/>
                         </a:rPr>
-                        <a:t>09:25 - 09:45</a:t>
+                        <a:t>10:00 </a:t>
+                      </a:r>
+                      <a:r>
+                        <a:rPr lang="pt-BR" sz="1400" b="1" kern="0" dirty="0" smtClean="0">
+                          <a:solidFill>
+                            <a:schemeClr val="tx1">
+                              <a:lumMod val="85000"/>
+                              <a:lumOff val="15000"/>
+                            </a:schemeClr>
+                          </a:solidFill>
+                          <a:latin typeface="Verdana" panose="020B0604030504040204" pitchFamily="34" charset="0"/>
+                          <a:ea typeface="Verdana" panose="020B0604030504040204" pitchFamily="34" charset="0"/>
+                          <a:cs typeface="Verdana" panose="020B0604030504040204" pitchFamily="34" charset="0"/>
+                        </a:rPr>
+                        <a:t>- </a:t>
+                      </a:r>
+                      <a:r>
+                        <a:rPr lang="pt-BR" sz="1400" b="1" kern="0" dirty="0" smtClean="0">
+                          <a:solidFill>
+                            <a:schemeClr val="tx1">
+                              <a:lumMod val="85000"/>
+                              <a:lumOff val="15000"/>
+                            </a:schemeClr>
+                          </a:solidFill>
+                          <a:latin typeface="Verdana" panose="020B0604030504040204" pitchFamily="34" charset="0"/>
+                          <a:ea typeface="Verdana" panose="020B0604030504040204" pitchFamily="34" charset="0"/>
+                          <a:cs typeface="Verdana" panose="020B0604030504040204" pitchFamily="34" charset="0"/>
+                        </a:rPr>
+                        <a:t>10:15</a:t>
                       </a:r>
                       <a:endParaRPr lang="pt-BR" sz="1400" kern="0" dirty="0" smtClean="0">
                         <a:solidFill>
@@ -6605,7 +5856,35 @@
                           <a:ea typeface="Verdana" panose="020B0604030504040204" pitchFamily="34" charset="0"/>
                           <a:cs typeface="Verdana" panose="020B0604030504040204" pitchFamily="34" charset="0"/>
                         </a:rPr>
-                        <a:t>09:45 - 10:15</a:t>
+                        <a:t>10:15 </a:t>
+                      </a:r>
+                      <a:r>
+                        <a:rPr lang="pt-BR" sz="1400" b="1" kern="0" dirty="0" smtClean="0">
+                          <a:solidFill>
+                            <a:schemeClr val="tx1">
+                              <a:lumMod val="85000"/>
+                              <a:lumOff val="15000"/>
+                            </a:schemeClr>
+                          </a:solidFill>
+                          <a:latin typeface="Verdana" panose="020B0604030504040204" pitchFamily="34" charset="0"/>
+                          <a:ea typeface="Verdana" panose="020B0604030504040204" pitchFamily="34" charset="0"/>
+                          <a:cs typeface="Verdana" panose="020B0604030504040204" pitchFamily="34" charset="0"/>
+                        </a:rPr>
+                        <a:t>- </a:t>
+                      </a:r>
+                      <a:r>
+                        <a:rPr lang="pt-BR" sz="1400" b="1" kern="0" dirty="0" smtClean="0">
+                          <a:solidFill>
+                            <a:schemeClr val="tx1">
+                              <a:lumMod val="85000"/>
+                              <a:lumOff val="15000"/>
+                            </a:schemeClr>
+                          </a:solidFill>
+                          <a:latin typeface="Verdana" panose="020B0604030504040204" pitchFamily="34" charset="0"/>
+                          <a:ea typeface="Verdana" panose="020B0604030504040204" pitchFamily="34" charset="0"/>
+                          <a:cs typeface="Verdana" panose="020B0604030504040204" pitchFamily="34" charset="0"/>
+                        </a:rPr>
+                        <a:t>10:45</a:t>
                       </a:r>
                       <a:endParaRPr lang="pt-BR" sz="1400" kern="0" dirty="0" smtClean="0">
                         <a:solidFill>
@@ -6791,8 +6070,47 @@
                           <a:ea typeface="Verdana" panose="020B0604030504040204" pitchFamily="34" charset="0"/>
                           <a:cs typeface="Verdana" panose="020B0604030504040204" pitchFamily="34" charset="0"/>
                         </a:rPr>
-                        <a:t>10:00 - 10:40</a:t>
+                        <a:t>10:45 </a:t>
                       </a:r>
+                      <a:r>
+                        <a:rPr lang="pt-BR" sz="1400" b="1" kern="0" dirty="0" smtClean="0">
+                          <a:solidFill>
+                            <a:schemeClr val="tx1">
+                              <a:lumMod val="85000"/>
+                              <a:lumOff val="15000"/>
+                            </a:schemeClr>
+                          </a:solidFill>
+                          <a:latin typeface="Verdana" panose="020B0604030504040204" pitchFamily="34" charset="0"/>
+                          <a:ea typeface="Verdana" panose="020B0604030504040204" pitchFamily="34" charset="0"/>
+                          <a:cs typeface="Verdana" panose="020B0604030504040204" pitchFamily="34" charset="0"/>
+                        </a:rPr>
+                        <a:t>- </a:t>
+                      </a:r>
+                      <a:r>
+                        <a:rPr lang="pt-BR" sz="1400" b="1" kern="0" dirty="0" smtClean="0">
+                          <a:solidFill>
+                            <a:schemeClr val="tx1">
+                              <a:lumMod val="85000"/>
+                              <a:lumOff val="15000"/>
+                            </a:schemeClr>
+                          </a:solidFill>
+                          <a:latin typeface="Verdana" panose="020B0604030504040204" pitchFamily="34" charset="0"/>
+                          <a:ea typeface="Verdana" panose="020B0604030504040204" pitchFamily="34" charset="0"/>
+                          <a:cs typeface="Verdana" panose="020B0604030504040204" pitchFamily="34" charset="0"/>
+                        </a:rPr>
+                        <a:t>11:00</a:t>
+                      </a:r>
+                      <a:endParaRPr lang="pt-BR" sz="1400" b="1" kern="0" dirty="0" smtClean="0">
+                        <a:solidFill>
+                          <a:schemeClr val="tx1">
+                            <a:lumMod val="85000"/>
+                            <a:lumOff val="15000"/>
+                          </a:schemeClr>
+                        </a:solidFill>
+                        <a:latin typeface="Verdana" panose="020B0604030504040204" pitchFamily="34" charset="0"/>
+                        <a:ea typeface="Verdana" panose="020B0604030504040204" pitchFamily="34" charset="0"/>
+                        <a:cs typeface="Verdana" panose="020B0604030504040204" pitchFamily="34" charset="0"/>
+                      </a:endParaRPr>
                     </a:p>
                   </a:txBody>
                   <a:tcPr marL="94611" marR="94611" marT="51697" marB="51697" anchor="ctr">
@@ -6953,8 +6271,47 @@
                           <a:ea typeface="Verdana" panose="020B0604030504040204" pitchFamily="34" charset="0"/>
                           <a:cs typeface="Verdana" panose="020B0604030504040204" pitchFamily="34" charset="0"/>
                         </a:rPr>
-                        <a:t>10:40 - 11:20</a:t>
+                        <a:t>11:00 </a:t>
                       </a:r>
+                      <a:r>
+                        <a:rPr lang="pt-BR" sz="1400" b="1" kern="0" dirty="0" smtClean="0">
+                          <a:solidFill>
+                            <a:schemeClr val="tx1">
+                              <a:lumMod val="85000"/>
+                              <a:lumOff val="15000"/>
+                            </a:schemeClr>
+                          </a:solidFill>
+                          <a:latin typeface="Verdana" panose="020B0604030504040204" pitchFamily="34" charset="0"/>
+                          <a:ea typeface="Verdana" panose="020B0604030504040204" pitchFamily="34" charset="0"/>
+                          <a:cs typeface="Verdana" panose="020B0604030504040204" pitchFamily="34" charset="0"/>
+                        </a:rPr>
+                        <a:t>- </a:t>
+                      </a:r>
+                      <a:r>
+                        <a:rPr lang="pt-BR" sz="1400" b="1" kern="0" dirty="0" smtClean="0">
+                          <a:solidFill>
+                            <a:schemeClr val="tx1">
+                              <a:lumMod val="85000"/>
+                              <a:lumOff val="15000"/>
+                            </a:schemeClr>
+                          </a:solidFill>
+                          <a:latin typeface="Verdana" panose="020B0604030504040204" pitchFamily="34" charset="0"/>
+                          <a:ea typeface="Verdana" panose="020B0604030504040204" pitchFamily="34" charset="0"/>
+                          <a:cs typeface="Verdana" panose="020B0604030504040204" pitchFamily="34" charset="0"/>
+                        </a:rPr>
+                        <a:t>11:15</a:t>
+                      </a:r>
+                      <a:endParaRPr lang="pt-BR" sz="1400" b="1" kern="0" dirty="0" smtClean="0">
+                        <a:solidFill>
+                          <a:schemeClr val="tx1">
+                            <a:lumMod val="85000"/>
+                            <a:lumOff val="15000"/>
+                          </a:schemeClr>
+                        </a:solidFill>
+                        <a:latin typeface="Verdana" panose="020B0604030504040204" pitchFamily="34" charset="0"/>
+                        <a:ea typeface="Verdana" panose="020B0604030504040204" pitchFamily="34" charset="0"/>
+                        <a:cs typeface="Verdana" panose="020B0604030504040204" pitchFamily="34" charset="0"/>
+                      </a:endParaRPr>
                     </a:p>
                   </a:txBody>
                   <a:tcPr marL="94611" marR="94611" marT="51697" marB="51697" anchor="ctr">
@@ -7022,20 +6379,6 @@
                         <a:defRPr/>
                       </a:pPr>
                       <a:r>
-                        <a:rPr lang="pt-BR" sz="1400" kern="0" dirty="0" smtClean="0">
-                          <a:solidFill>
-                            <a:schemeClr val="tx1">
-                              <a:lumMod val="85000"/>
-                              <a:lumOff val="15000"/>
-                            </a:schemeClr>
-                          </a:solidFill>
-                          <a:latin typeface="Verdana" panose="020B0604030504040204" pitchFamily="34" charset="0"/>
-                          <a:ea typeface="Verdana" panose="020B0604030504040204" pitchFamily="34" charset="0"/>
-                          <a:cs typeface="Verdana" panose="020B0604030504040204" pitchFamily="34" charset="0"/>
-                        </a:rPr>
-                        <a:t>Conexão</a:t>
-                      </a:r>
-                      <a:r>
                         <a:rPr lang="pt-BR" sz="1400" kern="0" baseline="0" dirty="0" smtClean="0">
                           <a:solidFill>
                             <a:schemeClr val="tx1">
@@ -7047,7 +6390,7 @@
                           <a:ea typeface="Verdana" panose="020B0604030504040204" pitchFamily="34" charset="0"/>
                           <a:cs typeface="Verdana" panose="020B0604030504040204" pitchFamily="34" charset="0"/>
                         </a:rPr>
-                        <a:t> com MySQL</a:t>
+                        <a:t>MySQL</a:t>
                       </a:r>
                       <a:endParaRPr lang="pt-BR" sz="1400" kern="0" dirty="0" smtClean="0">
                         <a:solidFill>
@@ -7140,7 +6483,21 @@
                           <a:ea typeface="Verdana" panose="020B0604030504040204" pitchFamily="34" charset="0"/>
                           <a:cs typeface="Verdana" panose="020B0604030504040204" pitchFamily="34" charset="0"/>
                         </a:rPr>
-                        <a:t>11:20 - 12:00</a:t>
+                        <a:t>11:15 </a:t>
+                      </a:r>
+                      <a:r>
+                        <a:rPr lang="pt-BR" sz="1400" b="1" kern="0" dirty="0" smtClean="0">
+                          <a:solidFill>
+                            <a:schemeClr val="tx1">
+                              <a:lumMod val="85000"/>
+                              <a:lumOff val="15000"/>
+                            </a:schemeClr>
+                          </a:solidFill>
+                          <a:latin typeface="Verdana" panose="020B0604030504040204" pitchFamily="34" charset="0"/>
+                          <a:ea typeface="Verdana" panose="020B0604030504040204" pitchFamily="34" charset="0"/>
+                          <a:cs typeface="Verdana" panose="020B0604030504040204" pitchFamily="34" charset="0"/>
+                        </a:rPr>
+                        <a:t>- 12:00</a:t>
                       </a:r>
                     </a:p>
                   </a:txBody>
@@ -7220,21 +6577,7 @@
                           <a:ea typeface="Verdana" panose="020B0604030504040204" pitchFamily="34" charset="0"/>
                           <a:cs typeface="Verdana" panose="020B0604030504040204" pitchFamily="34" charset="0"/>
                         </a:rPr>
-                        <a:t>Criação de um sistema de cadastro e </a:t>
-                      </a:r>
-                      <a:r>
-                        <a:rPr lang="pt-BR" sz="1400" i="1" kern="0" dirty="0" err="1" smtClean="0">
-                          <a:solidFill>
-                            <a:schemeClr val="tx1">
-                              <a:lumMod val="85000"/>
-                              <a:lumOff val="15000"/>
-                            </a:schemeClr>
-                          </a:solidFill>
-                          <a:latin typeface="Verdana" panose="020B0604030504040204" pitchFamily="34" charset="0"/>
-                          <a:ea typeface="Verdana" panose="020B0604030504040204" pitchFamily="34" charset="0"/>
-                          <a:cs typeface="Verdana" panose="020B0604030504040204" pitchFamily="34" charset="0"/>
-                        </a:rPr>
-                        <a:t>login</a:t>
+                        <a:t>E-Commerce</a:t>
                       </a:r>
                       <a:endParaRPr lang="pt-BR" sz="1400" i="1" kern="0" dirty="0" smtClean="0">
                         <a:solidFill>
@@ -7504,7 +6847,7 @@
           <a:lstStyle/>
           <a:p>
             <a:pPr algn="ctr"/>
-            <a:endParaRPr lang="pt-BR"/>
+            <a:endParaRPr lang="pt-BR" dirty="0"/>
           </a:p>
         </p:txBody>
       </p:sp>
@@ -7529,6 +6872,2344 @@
 </file>
 
 <file path=ppt/slides/slide20.xml><?xml version="1.0" encoding="utf-8"?>
+<p:sld xmlns:a="http://schemas.openxmlformats.org/drawingml/2006/main" xmlns:r="http://schemas.openxmlformats.org/officeDocument/2006/relationships" xmlns:p="http://schemas.openxmlformats.org/presentationml/2006/main">
+  <p:cSld>
+    <p:spTree>
+      <p:nvGrpSpPr>
+        <p:cNvPr id="1" name=""/>
+        <p:cNvGrpSpPr/>
+        <p:nvPr/>
+      </p:nvGrpSpPr>
+      <p:grpSpPr>
+        <a:xfrm>
+          <a:off x="0" y="0"/>
+          <a:ext cx="0" cy="0"/>
+          <a:chOff x="0" y="0"/>
+          <a:chExt cx="0" cy="0"/>
+        </a:xfrm>
+      </p:grpSpPr>
+      <p:sp>
+        <p:nvSpPr>
+          <p:cNvPr id="2" name="Text Placeholder 1"/>
+          <p:cNvSpPr>
+            <a:spLocks noGrp="1"/>
+          </p:cNvSpPr>
+          <p:nvPr>
+            <p:ph type="body" sz="quarter" idx="13"/>
+          </p:nvPr>
+        </p:nvSpPr>
+        <p:spPr/>
+        <p:txBody>
+          <a:bodyPr anchor="t"/>
+          <a:lstStyle/>
+          <a:p>
+            <a:r>
+              <a:rPr lang="pt-BR" dirty="0" smtClean="0"/>
+              <a:t>MySQL</a:t>
+            </a:r>
+            <a:endParaRPr lang="pt-BR" dirty="0"/>
+          </a:p>
+        </p:txBody>
+      </p:sp>
+    </p:spTree>
+    <p:extLst>
+      <p:ext uri="{BB962C8B-B14F-4D97-AF65-F5344CB8AC3E}">
+        <p14:creationId xmlns:p14="http://schemas.microsoft.com/office/powerpoint/2010/main" val="2049132071"/>
+      </p:ext>
+    </p:extLst>
+  </p:cSld>
+  <p:clrMapOvr>
+    <a:masterClrMapping/>
+  </p:clrMapOvr>
+  <p:timing>
+    <p:tnLst>
+      <p:par>
+        <p:cTn id="1" dur="indefinite" restart="never" nodeType="tmRoot"/>
+      </p:par>
+    </p:tnLst>
+  </p:timing>
+</p:sld>
+</file>
+
+<file path=ppt/slides/slide21.xml><?xml version="1.0" encoding="utf-8"?>
+<p:sld xmlns:a="http://schemas.openxmlformats.org/drawingml/2006/main" xmlns:r="http://schemas.openxmlformats.org/officeDocument/2006/relationships" xmlns:p="http://schemas.openxmlformats.org/presentationml/2006/main">
+  <p:cSld>
+    <p:spTree>
+      <p:nvGrpSpPr>
+        <p:cNvPr id="1" name=""/>
+        <p:cNvGrpSpPr/>
+        <p:nvPr/>
+      </p:nvGrpSpPr>
+      <p:grpSpPr>
+        <a:xfrm>
+          <a:off x="0" y="0"/>
+          <a:ext cx="0" cy="0"/>
+          <a:chOff x="0" y="0"/>
+          <a:chExt cx="0" cy="0"/>
+        </a:xfrm>
+      </p:grpSpPr>
+      <p:sp>
+        <p:nvSpPr>
+          <p:cNvPr id="2" name="Text Placeholder 1"/>
+          <p:cNvSpPr>
+            <a:spLocks noGrp="1"/>
+          </p:cNvSpPr>
+          <p:nvPr>
+            <p:ph type="body" sz="quarter" idx="10"/>
+          </p:nvPr>
+        </p:nvSpPr>
+        <p:spPr/>
+        <p:txBody>
+          <a:bodyPr/>
+          <a:lstStyle/>
+          <a:p>
+            <a:r>
+              <a:rPr lang="pt-BR" dirty="0" smtClean="0"/>
+              <a:t>MySQL</a:t>
+            </a:r>
+            <a:endParaRPr lang="pt-BR" dirty="0"/>
+          </a:p>
+        </p:txBody>
+      </p:sp>
+      <p:sp>
+        <p:nvSpPr>
+          <p:cNvPr id="3" name="Slide Number Placeholder 2"/>
+          <p:cNvSpPr>
+            <a:spLocks noGrp="1"/>
+          </p:cNvSpPr>
+          <p:nvPr>
+            <p:ph type="sldNum" sz="quarter" idx="4"/>
+          </p:nvPr>
+        </p:nvSpPr>
+        <p:spPr/>
+        <p:txBody>
+          <a:bodyPr/>
+          <a:lstStyle/>
+          <a:p>
+            <a:r>
+              <a:rPr lang="pt-BR" dirty="0" smtClean="0"/>
+              <a:t>Público – </a:t>
+            </a:r>
+            <a:fld id="{6E910924-8986-41F5-96BA-CFF3B927507F}" type="slidenum">
+              <a:rPr lang="pt-BR" smtClean="0"/>
+              <a:pPr/>
+              <a:t>21</a:t>
+            </a:fld>
+            <a:endParaRPr lang="pt-BR" dirty="0"/>
+          </a:p>
+        </p:txBody>
+      </p:sp>
+      <p:grpSp>
+        <p:nvGrpSpPr>
+          <p:cNvPr id="15" name="Group 14"/>
+          <p:cNvGrpSpPr/>
+          <p:nvPr/>
+        </p:nvGrpSpPr>
+        <p:grpSpPr>
+          <a:xfrm>
+            <a:off x="165657" y="864008"/>
+            <a:ext cx="8839313" cy="1313560"/>
+            <a:chOff x="165657" y="1340768"/>
+            <a:chExt cx="8839313" cy="1313560"/>
+          </a:xfrm>
+        </p:grpSpPr>
+        <p:grpSp>
+          <p:nvGrpSpPr>
+            <p:cNvPr id="4" name="Group 3"/>
+            <p:cNvGrpSpPr/>
+            <p:nvPr/>
+          </p:nvGrpSpPr>
+          <p:grpSpPr>
+            <a:xfrm>
+              <a:off x="165657" y="1340768"/>
+              <a:ext cx="8798831" cy="1297888"/>
+              <a:chOff x="165657" y="930416"/>
+              <a:chExt cx="5400600" cy="1297888"/>
+            </a:xfrm>
+          </p:grpSpPr>
+          <p:sp>
+            <p:nvSpPr>
+              <p:cNvPr id="5" name="Rectangle 4"/>
+              <p:cNvSpPr/>
+              <p:nvPr/>
+            </p:nvSpPr>
+            <p:spPr>
+              <a:xfrm>
+                <a:off x="165657" y="930416"/>
+                <a:ext cx="5400600" cy="468000"/>
+              </a:xfrm>
+              <a:prstGeom prst="rect">
+                <a:avLst/>
+              </a:prstGeom>
+              <a:solidFill>
+                <a:srgbClr val="FB8C00"/>
+              </a:solidFill>
+              <a:ln>
+                <a:solidFill>
+                  <a:srgbClr val="FB8C00"/>
+                </a:solidFill>
+              </a:ln>
+            </p:spPr>
+            <p:style>
+              <a:lnRef idx="2">
+                <a:schemeClr val="accent1">
+                  <a:shade val="50000"/>
+                </a:schemeClr>
+              </a:lnRef>
+              <a:fillRef idx="1">
+                <a:schemeClr val="accent1"/>
+              </a:fillRef>
+              <a:effectRef idx="0">
+                <a:schemeClr val="accent1"/>
+              </a:effectRef>
+              <a:fontRef idx="minor">
+                <a:schemeClr val="lt1"/>
+              </a:fontRef>
+            </p:style>
+            <p:txBody>
+              <a:bodyPr rtlCol="0" anchor="ctr"/>
+              <a:lstStyle/>
+              <a:p>
+                <a:r>
+                  <a:rPr lang="pt-BR" sz="1600" b="1" dirty="0" smtClean="0">
+                    <a:solidFill>
+                      <a:schemeClr val="bg1"/>
+                    </a:solidFill>
+                    <a:latin typeface="Verdana" panose="020B0604030504040204" pitchFamily="34" charset="0"/>
+                    <a:ea typeface="Verdana" panose="020B0604030504040204" pitchFamily="34" charset="0"/>
+                    <a:cs typeface="Verdana" panose="020B0604030504040204" pitchFamily="34" charset="0"/>
+                  </a:rPr>
+                  <a:t>PDO</a:t>
+                </a:r>
+                <a:endParaRPr lang="pt-BR" sz="1600" b="1" dirty="0">
+                  <a:solidFill>
+                    <a:schemeClr val="bg1"/>
+                  </a:solidFill>
+                  <a:latin typeface="Verdana" panose="020B0604030504040204" pitchFamily="34" charset="0"/>
+                  <a:ea typeface="Verdana" panose="020B0604030504040204" pitchFamily="34" charset="0"/>
+                  <a:cs typeface="Verdana" panose="020B0604030504040204" pitchFamily="34" charset="0"/>
+                </a:endParaRPr>
+              </a:p>
+            </p:txBody>
+          </p:sp>
+          <p:sp>
+            <p:nvSpPr>
+              <p:cNvPr id="6" name="Rectangle 5"/>
+              <p:cNvSpPr/>
+              <p:nvPr/>
+            </p:nvSpPr>
+            <p:spPr>
+              <a:xfrm>
+                <a:off x="165657" y="1384768"/>
+                <a:ext cx="5400600" cy="843536"/>
+              </a:xfrm>
+              <a:prstGeom prst="rect">
+                <a:avLst/>
+              </a:prstGeom>
+              <a:noFill/>
+              <a:ln w="19050">
+                <a:solidFill>
+                  <a:srgbClr val="FB8C00"/>
+                </a:solidFill>
+                <a:prstDash val="sysDot"/>
+              </a:ln>
+            </p:spPr>
+            <p:style>
+              <a:lnRef idx="2">
+                <a:schemeClr val="accent1">
+                  <a:shade val="50000"/>
+                </a:schemeClr>
+              </a:lnRef>
+              <a:fillRef idx="1">
+                <a:schemeClr val="accent1"/>
+              </a:fillRef>
+              <a:effectRef idx="0">
+                <a:schemeClr val="accent1"/>
+              </a:effectRef>
+              <a:fontRef idx="minor">
+                <a:schemeClr val="lt1"/>
+              </a:fontRef>
+            </p:style>
+            <p:txBody>
+              <a:bodyPr lIns="108000" tIns="108000" rIns="108000" bIns="108000" rtlCol="0" anchor="ctr"/>
+              <a:lstStyle/>
+              <a:p>
+                <a:pPr>
+                  <a:spcAft>
+                    <a:spcPts val="600"/>
+                  </a:spcAft>
+                </a:pPr>
+                <a:r>
+                  <a:rPr lang="en-US" sz="1400" dirty="0" smtClean="0">
+                    <a:solidFill>
+                      <a:schemeClr val="tx1">
+                        <a:lumMod val="85000"/>
+                        <a:lumOff val="15000"/>
+                      </a:schemeClr>
+                    </a:solidFill>
+                    <a:latin typeface="Verdana" panose="020B0604030504040204" pitchFamily="34" charset="0"/>
+                    <a:ea typeface="Verdana" panose="020B0604030504040204" pitchFamily="34" charset="0"/>
+                    <a:cs typeface="Verdana" panose="020B0604030504040204" pitchFamily="34" charset="0"/>
+                  </a:rPr>
+                  <a:t>The PHP Data Objects (PDO) extension defines a lightweight, consistent interface for accessing databases in PHP. Each database driver that implements the PDO interface can expose database-specific features as regular extension functions</a:t>
+                </a:r>
+                <a:endParaRPr lang="en-US" sz="1400" dirty="0" smtClean="0">
+                  <a:solidFill>
+                    <a:schemeClr val="tx1">
+                      <a:lumMod val="85000"/>
+                      <a:lumOff val="15000"/>
+                    </a:schemeClr>
+                  </a:solidFill>
+                  <a:latin typeface="Verdana" panose="020B0604030504040204" pitchFamily="34" charset="0"/>
+                  <a:ea typeface="Verdana" panose="020B0604030504040204" pitchFamily="34" charset="0"/>
+                  <a:cs typeface="Verdana" panose="020B0604030504040204" pitchFamily="34" charset="0"/>
+                </a:endParaRPr>
+              </a:p>
+            </p:txBody>
+          </p:sp>
+        </p:grpSp>
+        <p:sp>
+          <p:nvSpPr>
+            <p:cNvPr id="12" name="TextBox 11"/>
+            <p:cNvSpPr txBox="1"/>
+            <p:nvPr/>
+          </p:nvSpPr>
+          <p:spPr>
+            <a:xfrm>
+              <a:off x="8316416" y="2408107"/>
+              <a:ext cx="688554" cy="246221"/>
+            </a:xfrm>
+            <a:prstGeom prst="rect">
+              <a:avLst/>
+            </a:prstGeom>
+            <a:noFill/>
+          </p:spPr>
+          <p:txBody>
+            <a:bodyPr wrap="square" rtlCol="0" anchor="ctr">
+              <a:spAutoFit/>
+            </a:bodyPr>
+            <a:lstStyle/>
+            <a:p>
+              <a:pPr algn="ctr"/>
+              <a:r>
+                <a:rPr lang="pt-BR" sz="1000" i="1" dirty="0" smtClean="0">
+                  <a:solidFill>
+                    <a:schemeClr val="tx1">
+                      <a:lumMod val="85000"/>
+                      <a:lumOff val="15000"/>
+                    </a:schemeClr>
+                  </a:solidFill>
+                  <a:latin typeface="Verdana" panose="020B0604030504040204" pitchFamily="34" charset="0"/>
+                  <a:ea typeface="Verdana" panose="020B0604030504040204" pitchFamily="34" charset="0"/>
+                  <a:cs typeface="Verdana" panose="020B0604030504040204" pitchFamily="34" charset="0"/>
+                </a:rPr>
+                <a:t>php.net</a:t>
+              </a:r>
+              <a:endParaRPr lang="pt-BR" sz="1000" i="1" dirty="0">
+                <a:solidFill>
+                  <a:schemeClr val="tx1">
+                    <a:lumMod val="85000"/>
+                    <a:lumOff val="15000"/>
+                  </a:schemeClr>
+                </a:solidFill>
+                <a:latin typeface="Verdana" panose="020B0604030504040204" pitchFamily="34" charset="0"/>
+                <a:ea typeface="Verdana" panose="020B0604030504040204" pitchFamily="34" charset="0"/>
+                <a:cs typeface="Verdana" panose="020B0604030504040204" pitchFamily="34" charset="0"/>
+              </a:endParaRPr>
+            </a:p>
+          </p:txBody>
+        </p:sp>
+      </p:grpSp>
+      <p:pic>
+        <p:nvPicPr>
+          <p:cNvPr id="11" name="Picture 10"/>
+          <p:cNvPicPr>
+            <a:picLocks noChangeAspect="1"/>
+          </p:cNvPicPr>
+          <p:nvPr/>
+        </p:nvPicPr>
+        <p:blipFill>
+          <a:blip r:embed="rId3"/>
+          <a:stretch>
+            <a:fillRect/>
+          </a:stretch>
+        </p:blipFill>
+        <p:spPr>
+          <a:xfrm>
+            <a:off x="638175" y="2230986"/>
+            <a:ext cx="7867650" cy="4095750"/>
+          </a:xfrm>
+          <a:prstGeom prst="rect">
+            <a:avLst/>
+          </a:prstGeom>
+        </p:spPr>
+      </p:pic>
+    </p:spTree>
+    <p:extLst>
+      <p:ext uri="{BB962C8B-B14F-4D97-AF65-F5344CB8AC3E}">
+        <p14:creationId xmlns:p14="http://schemas.microsoft.com/office/powerpoint/2010/main" val="1318213005"/>
+      </p:ext>
+    </p:extLst>
+  </p:cSld>
+  <p:clrMapOvr>
+    <a:masterClrMapping/>
+  </p:clrMapOvr>
+  <p:timing>
+    <p:tnLst>
+      <p:par>
+        <p:cTn id="1" dur="indefinite" restart="never" nodeType="tmRoot"/>
+      </p:par>
+    </p:tnLst>
+  </p:timing>
+</p:sld>
+</file>
+
+<file path=ppt/slides/slide22.xml><?xml version="1.0" encoding="utf-8"?>
+<p:sld xmlns:a="http://schemas.openxmlformats.org/drawingml/2006/main" xmlns:r="http://schemas.openxmlformats.org/officeDocument/2006/relationships" xmlns:p="http://schemas.openxmlformats.org/presentationml/2006/main">
+  <p:cSld>
+    <p:bg>
+      <p:bgPr>
+        <a:solidFill>
+          <a:srgbClr val="F8F8F8"/>
+        </a:solidFill>
+        <a:effectLst/>
+      </p:bgPr>
+    </p:bg>
+    <p:spTree>
+      <p:nvGrpSpPr>
+        <p:cNvPr id="1" name=""/>
+        <p:cNvGrpSpPr/>
+        <p:nvPr/>
+      </p:nvGrpSpPr>
+      <p:grpSpPr>
+        <a:xfrm>
+          <a:off x="0" y="0"/>
+          <a:ext cx="0" cy="0"/>
+          <a:chOff x="0" y="0"/>
+          <a:chExt cx="0" cy="0"/>
+        </a:xfrm>
+      </p:grpSpPr>
+      <p:pic>
+        <p:nvPicPr>
+          <p:cNvPr id="5" name="Picture 4"/>
+          <p:cNvPicPr>
+            <a:picLocks noChangeAspect="1"/>
+          </p:cNvPicPr>
+          <p:nvPr/>
+        </p:nvPicPr>
+        <p:blipFill>
+          <a:blip r:embed="rId3"/>
+          <a:stretch>
+            <a:fillRect/>
+          </a:stretch>
+        </p:blipFill>
+        <p:spPr>
+          <a:xfrm>
+            <a:off x="107504" y="1224048"/>
+            <a:ext cx="8143875" cy="1285875"/>
+          </a:xfrm>
+          <a:prstGeom prst="rect">
+            <a:avLst/>
+          </a:prstGeom>
+        </p:spPr>
+      </p:pic>
+      <p:sp>
+        <p:nvSpPr>
+          <p:cNvPr id="2" name="Text Placeholder 1"/>
+          <p:cNvSpPr>
+            <a:spLocks noGrp="1"/>
+          </p:cNvSpPr>
+          <p:nvPr>
+            <p:ph type="body" sz="quarter" idx="10"/>
+          </p:nvPr>
+        </p:nvSpPr>
+        <p:spPr/>
+        <p:txBody>
+          <a:bodyPr/>
+          <a:lstStyle/>
+          <a:p>
+            <a:r>
+              <a:rPr lang="pt-BR" dirty="0" smtClean="0"/>
+              <a:t>MySQL</a:t>
+            </a:r>
+            <a:endParaRPr lang="pt-BR" dirty="0"/>
+          </a:p>
+        </p:txBody>
+      </p:sp>
+      <p:sp>
+        <p:nvSpPr>
+          <p:cNvPr id="3" name="Slide Number Placeholder 2"/>
+          <p:cNvSpPr>
+            <a:spLocks noGrp="1"/>
+          </p:cNvSpPr>
+          <p:nvPr>
+            <p:ph type="sldNum" sz="quarter" idx="4"/>
+          </p:nvPr>
+        </p:nvSpPr>
+        <p:spPr/>
+        <p:txBody>
+          <a:bodyPr/>
+          <a:lstStyle/>
+          <a:p>
+            <a:r>
+              <a:rPr lang="pt-BR" dirty="0" smtClean="0"/>
+              <a:t>Público – </a:t>
+            </a:r>
+            <a:fld id="{6E910924-8986-41F5-96BA-CFF3B927507F}" type="slidenum">
+              <a:rPr lang="pt-BR" smtClean="0"/>
+              <a:pPr/>
+              <a:t>22</a:t>
+            </a:fld>
+            <a:endParaRPr lang="pt-BR" dirty="0"/>
+          </a:p>
+        </p:txBody>
+      </p:sp>
+      <p:sp>
+        <p:nvSpPr>
+          <p:cNvPr id="6" name="Rectangle 5"/>
+          <p:cNvSpPr/>
+          <p:nvPr/>
+        </p:nvSpPr>
+        <p:spPr>
+          <a:xfrm>
+            <a:off x="165657" y="925874"/>
+            <a:ext cx="8798831" cy="284526"/>
+          </a:xfrm>
+          <a:prstGeom prst="rect">
+            <a:avLst/>
+          </a:prstGeom>
+          <a:solidFill>
+            <a:srgbClr val="FB8C00"/>
+          </a:solidFill>
+          <a:ln>
+            <a:noFill/>
+          </a:ln>
+        </p:spPr>
+        <p:style>
+          <a:lnRef idx="2">
+            <a:schemeClr val="accent1">
+              <a:shade val="50000"/>
+            </a:schemeClr>
+          </a:lnRef>
+          <a:fillRef idx="1">
+            <a:schemeClr val="accent1"/>
+          </a:fillRef>
+          <a:effectRef idx="0">
+            <a:schemeClr val="accent1"/>
+          </a:effectRef>
+          <a:fontRef idx="minor">
+            <a:schemeClr val="lt1"/>
+          </a:fontRef>
+        </p:style>
+        <p:txBody>
+          <a:bodyPr rtlCol="0" anchor="ctr"/>
+          <a:lstStyle/>
+          <a:p>
+            <a:pPr algn="ctr"/>
+            <a:r>
+              <a:rPr lang="pt-BR" sz="1400" b="1" dirty="0" err="1" smtClean="0">
+                <a:latin typeface="Verdana" panose="020B0604030504040204" pitchFamily="34" charset="0"/>
+                <a:ea typeface="Verdana" panose="020B0604030504040204" pitchFamily="34" charset="0"/>
+                <a:cs typeface="Verdana" panose="020B0604030504040204" pitchFamily="34" charset="0"/>
+              </a:rPr>
+              <a:t>db.php</a:t>
+            </a:r>
+            <a:endParaRPr lang="pt-BR" sz="1400" b="1" dirty="0">
+              <a:latin typeface="Verdana" panose="020B0604030504040204" pitchFamily="34" charset="0"/>
+              <a:ea typeface="Verdana" panose="020B0604030504040204" pitchFamily="34" charset="0"/>
+              <a:cs typeface="Verdana" panose="020B0604030504040204" pitchFamily="34" charset="0"/>
+            </a:endParaRPr>
+          </a:p>
+        </p:txBody>
+      </p:sp>
+    </p:spTree>
+    <p:extLst>
+      <p:ext uri="{BB962C8B-B14F-4D97-AF65-F5344CB8AC3E}">
+        <p14:creationId xmlns:p14="http://schemas.microsoft.com/office/powerpoint/2010/main" val="913835923"/>
+      </p:ext>
+    </p:extLst>
+  </p:cSld>
+  <p:clrMapOvr>
+    <a:masterClrMapping/>
+  </p:clrMapOvr>
+  <p:timing>
+    <p:tnLst>
+      <p:par>
+        <p:cTn id="1" dur="indefinite" restart="never" nodeType="tmRoot"/>
+      </p:par>
+    </p:tnLst>
+  </p:timing>
+</p:sld>
+</file>
+
+<file path=ppt/slides/slide23.xml><?xml version="1.0" encoding="utf-8"?>
+<p:sld xmlns:a="http://schemas.openxmlformats.org/drawingml/2006/main" xmlns:r="http://schemas.openxmlformats.org/officeDocument/2006/relationships" xmlns:p="http://schemas.openxmlformats.org/presentationml/2006/main">
+  <p:cSld>
+    <p:spTree>
+      <p:nvGrpSpPr>
+        <p:cNvPr id="1" name=""/>
+        <p:cNvGrpSpPr/>
+        <p:nvPr/>
+      </p:nvGrpSpPr>
+      <p:grpSpPr>
+        <a:xfrm>
+          <a:off x="0" y="0"/>
+          <a:ext cx="0" cy="0"/>
+          <a:chOff x="0" y="0"/>
+          <a:chExt cx="0" cy="0"/>
+        </a:xfrm>
+      </p:grpSpPr>
+      <p:sp>
+        <p:nvSpPr>
+          <p:cNvPr id="3" name="Text Placeholder 2"/>
+          <p:cNvSpPr>
+            <a:spLocks noGrp="1"/>
+          </p:cNvSpPr>
+          <p:nvPr>
+            <p:ph type="body" sz="quarter" idx="12"/>
+          </p:nvPr>
+        </p:nvSpPr>
+        <p:spPr/>
+        <p:txBody>
+          <a:bodyPr/>
+          <a:lstStyle/>
+          <a:p>
+            <a:r>
+              <a:rPr lang="pt-BR" dirty="0" smtClean="0"/>
+              <a:t>Otávio R. Rossi</a:t>
+            </a:r>
+          </a:p>
+          <a:p>
+            <a:r>
+              <a:rPr lang="pt-BR" dirty="0" smtClean="0"/>
+              <a:t>Guilherme </a:t>
+            </a:r>
+            <a:r>
+              <a:rPr lang="pt-BR" dirty="0" err="1" smtClean="0"/>
+              <a:t>Uezima</a:t>
+            </a:r>
+            <a:endParaRPr lang="pt-BR" dirty="0"/>
+          </a:p>
+        </p:txBody>
+      </p:sp>
+      <p:sp>
+        <p:nvSpPr>
+          <p:cNvPr id="4" name="Text Placeholder 3"/>
+          <p:cNvSpPr>
+            <a:spLocks noGrp="1"/>
+          </p:cNvSpPr>
+          <p:nvPr>
+            <p:ph type="body" sz="quarter" idx="13"/>
+          </p:nvPr>
+        </p:nvSpPr>
+        <p:spPr/>
+        <p:txBody>
+          <a:bodyPr/>
+          <a:lstStyle/>
+          <a:p>
+            <a:r>
+              <a:rPr lang="pt-BR" dirty="0" smtClean="0"/>
+              <a:t>Obrigado!</a:t>
+            </a:r>
+            <a:endParaRPr lang="pt-BR" dirty="0"/>
+          </a:p>
+        </p:txBody>
+      </p:sp>
+    </p:spTree>
+    <p:extLst>
+      <p:ext uri="{BB962C8B-B14F-4D97-AF65-F5344CB8AC3E}">
+        <p14:creationId xmlns:p14="http://schemas.microsoft.com/office/powerpoint/2010/main" val="1690927377"/>
+      </p:ext>
+    </p:extLst>
+  </p:cSld>
+  <p:clrMapOvr>
+    <a:masterClrMapping/>
+  </p:clrMapOvr>
+  <p:timing>
+    <p:tnLst>
+      <p:par>
+        <p:cTn id="1" dur="indefinite" restart="never" nodeType="tmRoot"/>
+      </p:par>
+    </p:tnLst>
+  </p:timing>
+</p:sld>
+</file>
+
+<file path=ppt/slides/slide24.xml><?xml version="1.0" encoding="utf-8"?>
+<p:sld xmlns:a="http://schemas.openxmlformats.org/drawingml/2006/main" xmlns:r="http://schemas.openxmlformats.org/officeDocument/2006/relationships" xmlns:p="http://schemas.openxmlformats.org/presentationml/2006/main">
+  <p:cSld>
+    <p:spTree>
+      <p:nvGrpSpPr>
+        <p:cNvPr id="1" name=""/>
+        <p:cNvGrpSpPr/>
+        <p:nvPr/>
+      </p:nvGrpSpPr>
+      <p:grpSpPr>
+        <a:xfrm>
+          <a:off x="0" y="0"/>
+          <a:ext cx="0" cy="0"/>
+          <a:chOff x="0" y="0"/>
+          <a:chExt cx="0" cy="0"/>
+        </a:xfrm>
+      </p:grpSpPr>
+      <p:sp>
+        <p:nvSpPr>
+          <p:cNvPr id="2" name="Text Placeholder 1"/>
+          <p:cNvSpPr>
+            <a:spLocks noGrp="1"/>
+          </p:cNvSpPr>
+          <p:nvPr>
+            <p:ph type="body" sz="quarter" idx="10"/>
+          </p:nvPr>
+        </p:nvSpPr>
+        <p:spPr/>
+        <p:txBody>
+          <a:bodyPr/>
+          <a:lstStyle/>
+          <a:p>
+            <a:r>
+              <a:rPr lang="pt-BR" dirty="0" smtClean="0"/>
+              <a:t>Contatos</a:t>
+            </a:r>
+            <a:endParaRPr lang="pt-BR" dirty="0"/>
+          </a:p>
+        </p:txBody>
+      </p:sp>
+      <p:sp>
+        <p:nvSpPr>
+          <p:cNvPr id="3" name="Slide Number Placeholder 2"/>
+          <p:cNvSpPr>
+            <a:spLocks noGrp="1"/>
+          </p:cNvSpPr>
+          <p:nvPr>
+            <p:ph type="sldNum" sz="quarter" idx="4"/>
+          </p:nvPr>
+        </p:nvSpPr>
+        <p:spPr/>
+        <p:txBody>
+          <a:bodyPr/>
+          <a:lstStyle/>
+          <a:p>
+            <a:r>
+              <a:rPr lang="pt-BR" dirty="0" smtClean="0"/>
+              <a:t>Público – </a:t>
+            </a:r>
+            <a:fld id="{6E910924-8986-41F5-96BA-CFF3B927507F}" type="slidenum">
+              <a:rPr lang="pt-BR" smtClean="0"/>
+              <a:pPr/>
+              <a:t>24</a:t>
+            </a:fld>
+            <a:endParaRPr lang="pt-BR" dirty="0"/>
+          </a:p>
+        </p:txBody>
+      </p:sp>
+      <p:pic>
+        <p:nvPicPr>
+          <p:cNvPr id="4" name="Picture 2"/>
+          <p:cNvPicPr>
+            <a:picLocks noChangeAspect="1" noChangeArrowheads="1"/>
+          </p:cNvPicPr>
+          <p:nvPr/>
+        </p:nvPicPr>
+        <p:blipFill>
+          <a:blip r:embed="rId2">
+            <a:extLst>
+              <a:ext uri="{28A0092B-C50C-407E-A947-70E740481C1C}">
+                <a14:useLocalDpi xmlns:a14="http://schemas.microsoft.com/office/drawing/2010/main" val="0"/>
+              </a:ext>
+            </a:extLst>
+          </a:blip>
+          <a:srcRect/>
+          <a:stretch>
+            <a:fillRect/>
+          </a:stretch>
+        </p:blipFill>
+        <p:spPr bwMode="auto">
+          <a:xfrm>
+            <a:off x="546970" y="775638"/>
+            <a:ext cx="1216582" cy="1224000"/>
+          </a:xfrm>
+          <a:prstGeom prst="rect">
+            <a:avLst/>
+          </a:prstGeom>
+          <a:noFill/>
+          <a:ln>
+            <a:noFill/>
+          </a:ln>
+          <a:effectLst/>
+          <a:extLst>
+            <a:ext uri="{909E8E84-426E-40DD-AFC4-6F175D3DCCD1}">
+              <a14:hiddenFill xmlns:a14="http://schemas.microsoft.com/office/drawing/2010/main">
+                <a:solidFill>
+                  <a:schemeClr val="accent1"/>
+                </a:solidFill>
+              </a14:hiddenFill>
+            </a:ext>
+            <a:ext uri="{91240B29-F687-4F45-9708-019B960494DF}">
+              <a14:hiddenLine xmlns:a14="http://schemas.microsoft.com/office/drawing/2010/main" w="9525">
+                <a:solidFill>
+                  <a:schemeClr val="tx1"/>
+                </a:solidFill>
+                <a:miter lim="800000"/>
+                <a:headEnd/>
+                <a:tailEnd/>
+              </a14:hiddenLine>
+            </a:ext>
+            <a:ext uri="{AF507438-7753-43E0-B8FC-AC1667EBCBE1}">
+              <a14:hiddenEffects xmlns:a14="http://schemas.microsoft.com/office/drawing/2010/main">
+                <a:effectLst>
+                  <a:outerShdw dist="35921" dir="2700000" algn="ctr" rotWithShape="0">
+                    <a:schemeClr val="bg2"/>
+                  </a:outerShdw>
+                </a:effectLst>
+              </a14:hiddenEffects>
+            </a:ext>
+          </a:extLst>
+        </p:spPr>
+      </p:pic>
+      <p:pic>
+        <p:nvPicPr>
+          <p:cNvPr id="5" name="Picture 2"/>
+          <p:cNvPicPr>
+            <a:picLocks noChangeAspect="1" noChangeArrowheads="1"/>
+          </p:cNvPicPr>
+          <p:nvPr/>
+        </p:nvPicPr>
+        <p:blipFill>
+          <a:blip r:embed="rId3">
+            <a:extLst>
+              <a:ext uri="{28A0092B-C50C-407E-A947-70E740481C1C}">
+                <a14:useLocalDpi xmlns:a14="http://schemas.microsoft.com/office/drawing/2010/main" val="0"/>
+              </a:ext>
+            </a:extLst>
+          </a:blip>
+          <a:srcRect/>
+          <a:stretch>
+            <a:fillRect/>
+          </a:stretch>
+        </p:blipFill>
+        <p:spPr bwMode="auto">
+          <a:xfrm>
+            <a:off x="539552" y="2191734"/>
+            <a:ext cx="1224000" cy="1231463"/>
+          </a:xfrm>
+          <a:prstGeom prst="rect">
+            <a:avLst/>
+          </a:prstGeom>
+          <a:noFill/>
+          <a:ln>
+            <a:noFill/>
+          </a:ln>
+          <a:effectLst/>
+          <a:extLst>
+            <a:ext uri="{909E8E84-426E-40DD-AFC4-6F175D3DCCD1}">
+              <a14:hiddenFill xmlns:a14="http://schemas.microsoft.com/office/drawing/2010/main">
+                <a:solidFill>
+                  <a:schemeClr val="accent1"/>
+                </a:solidFill>
+              </a14:hiddenFill>
+            </a:ext>
+            <a:ext uri="{91240B29-F687-4F45-9708-019B960494DF}">
+              <a14:hiddenLine xmlns:a14="http://schemas.microsoft.com/office/drawing/2010/main" w="9525">
+                <a:solidFill>
+                  <a:schemeClr val="tx1"/>
+                </a:solidFill>
+                <a:miter lim="800000"/>
+                <a:headEnd/>
+                <a:tailEnd/>
+              </a14:hiddenLine>
+            </a:ext>
+            <a:ext uri="{AF507438-7753-43E0-B8FC-AC1667EBCBE1}">
+              <a14:hiddenEffects xmlns:a14="http://schemas.microsoft.com/office/drawing/2010/main">
+                <a:effectLst>
+                  <a:outerShdw dist="35921" dir="2700000" algn="ctr" rotWithShape="0">
+                    <a:schemeClr val="bg2"/>
+                  </a:outerShdw>
+                </a:effectLst>
+              </a14:hiddenEffects>
+            </a:ext>
+          </a:extLst>
+        </p:spPr>
+      </p:pic>
+      <p:pic>
+        <p:nvPicPr>
+          <p:cNvPr id="6" name="Picture 2"/>
+          <p:cNvPicPr>
+            <a:picLocks noChangeAspect="1" noChangeArrowheads="1"/>
+          </p:cNvPicPr>
+          <p:nvPr/>
+        </p:nvPicPr>
+        <p:blipFill>
+          <a:blip r:embed="rId4">
+            <a:extLst>
+              <a:ext uri="{28A0092B-C50C-407E-A947-70E740481C1C}">
+                <a14:useLocalDpi xmlns:a14="http://schemas.microsoft.com/office/drawing/2010/main" val="0"/>
+              </a:ext>
+            </a:extLst>
+          </a:blip>
+          <a:srcRect/>
+          <a:stretch>
+            <a:fillRect/>
+          </a:stretch>
+        </p:blipFill>
+        <p:spPr bwMode="auto">
+          <a:xfrm>
+            <a:off x="539552" y="3615293"/>
+            <a:ext cx="1224000" cy="1224000"/>
+          </a:xfrm>
+          <a:prstGeom prst="rect">
+            <a:avLst/>
+          </a:prstGeom>
+          <a:noFill/>
+          <a:ln>
+            <a:noFill/>
+          </a:ln>
+          <a:effectLst/>
+          <a:extLst>
+            <a:ext uri="{909E8E84-426E-40DD-AFC4-6F175D3DCCD1}">
+              <a14:hiddenFill xmlns:a14="http://schemas.microsoft.com/office/drawing/2010/main">
+                <a:solidFill>
+                  <a:schemeClr val="accent1"/>
+                </a:solidFill>
+              </a14:hiddenFill>
+            </a:ext>
+            <a:ext uri="{91240B29-F687-4F45-9708-019B960494DF}">
+              <a14:hiddenLine xmlns:a14="http://schemas.microsoft.com/office/drawing/2010/main" w="9525">
+                <a:solidFill>
+                  <a:schemeClr val="tx1"/>
+                </a:solidFill>
+                <a:miter lim="800000"/>
+                <a:headEnd/>
+                <a:tailEnd/>
+              </a14:hiddenLine>
+            </a:ext>
+            <a:ext uri="{AF507438-7753-43E0-B8FC-AC1667EBCBE1}">
+              <a14:hiddenEffects xmlns:a14="http://schemas.microsoft.com/office/drawing/2010/main">
+                <a:effectLst>
+                  <a:outerShdw dist="35921" dir="2700000" algn="ctr" rotWithShape="0">
+                    <a:schemeClr val="bg2"/>
+                  </a:outerShdw>
+                </a:effectLst>
+              </a14:hiddenEffects>
+            </a:ext>
+          </a:extLst>
+        </p:spPr>
+      </p:pic>
+      <p:pic>
+        <p:nvPicPr>
+          <p:cNvPr id="7" name="Picture 5"/>
+          <p:cNvPicPr>
+            <a:picLocks noChangeAspect="1" noChangeArrowheads="1"/>
+          </p:cNvPicPr>
+          <p:nvPr/>
+        </p:nvPicPr>
+        <p:blipFill>
+          <a:blip r:embed="rId5">
+            <a:extLst>
+              <a:ext uri="{28A0092B-C50C-407E-A947-70E740481C1C}">
+                <a14:useLocalDpi xmlns:a14="http://schemas.microsoft.com/office/drawing/2010/main" val="0"/>
+              </a:ext>
+            </a:extLst>
+          </a:blip>
+          <a:srcRect/>
+          <a:stretch>
+            <a:fillRect/>
+          </a:stretch>
+        </p:blipFill>
+        <p:spPr bwMode="auto">
+          <a:xfrm>
+            <a:off x="539552" y="5031389"/>
+            <a:ext cx="1224000" cy="1224000"/>
+          </a:xfrm>
+          <a:prstGeom prst="rect">
+            <a:avLst/>
+          </a:prstGeom>
+          <a:noFill/>
+          <a:ln>
+            <a:noFill/>
+          </a:ln>
+          <a:effectLst/>
+          <a:extLst>
+            <a:ext uri="{909E8E84-426E-40DD-AFC4-6F175D3DCCD1}">
+              <a14:hiddenFill xmlns:a14="http://schemas.microsoft.com/office/drawing/2010/main">
+                <a:solidFill>
+                  <a:schemeClr val="accent1"/>
+                </a:solidFill>
+              </a14:hiddenFill>
+            </a:ext>
+            <a:ext uri="{91240B29-F687-4F45-9708-019B960494DF}">
+              <a14:hiddenLine xmlns:a14="http://schemas.microsoft.com/office/drawing/2010/main" w="9525">
+                <a:solidFill>
+                  <a:schemeClr val="tx1"/>
+                </a:solidFill>
+                <a:miter lim="800000"/>
+                <a:headEnd/>
+                <a:tailEnd/>
+              </a14:hiddenLine>
+            </a:ext>
+            <a:ext uri="{AF507438-7753-43E0-B8FC-AC1667EBCBE1}">
+              <a14:hiddenEffects xmlns:a14="http://schemas.microsoft.com/office/drawing/2010/main">
+                <a:effectLst>
+                  <a:outerShdw dist="35921" dir="2700000" algn="ctr" rotWithShape="0">
+                    <a:schemeClr val="bg2"/>
+                  </a:outerShdw>
+                </a:effectLst>
+              </a14:hiddenEffects>
+            </a:ext>
+          </a:extLst>
+        </p:spPr>
+      </p:pic>
+      <p:sp>
+        <p:nvSpPr>
+          <p:cNvPr id="8" name="CaixaDeTexto 19"/>
+          <p:cNvSpPr txBox="1"/>
+          <p:nvPr/>
+        </p:nvSpPr>
+        <p:spPr>
+          <a:xfrm>
+            <a:off x="2033395" y="4993667"/>
+            <a:ext cx="1925527" cy="338554"/>
+          </a:xfrm>
+          <a:prstGeom prst="rect">
+            <a:avLst/>
+          </a:prstGeom>
+          <a:noFill/>
+        </p:spPr>
+        <p:txBody>
+          <a:bodyPr wrap="none" rtlCol="0">
+            <a:spAutoFit/>
+          </a:bodyPr>
+          <a:lstStyle>
+            <a:defPPr>
+              <a:defRPr lang="pt-BR"/>
+            </a:defPPr>
+            <a:lvl1pPr marL="0" algn="l" defTabSz="914400" rtl="0" eaLnBrk="1" latinLnBrk="0" hangingPunct="1">
+              <a:defRPr sz="1800" kern="1200">
+                <a:solidFill>
+                  <a:schemeClr val="tx1"/>
+                </a:solidFill>
+                <a:latin typeface="+mn-lt"/>
+                <a:ea typeface="+mn-ea"/>
+                <a:cs typeface="+mn-cs"/>
+              </a:defRPr>
+            </a:lvl1pPr>
+            <a:lvl2pPr marL="457200" algn="l" defTabSz="914400" rtl="0" eaLnBrk="1" latinLnBrk="0" hangingPunct="1">
+              <a:defRPr sz="1800" kern="1200">
+                <a:solidFill>
+                  <a:schemeClr val="tx1"/>
+                </a:solidFill>
+                <a:latin typeface="+mn-lt"/>
+                <a:ea typeface="+mn-ea"/>
+                <a:cs typeface="+mn-cs"/>
+              </a:defRPr>
+            </a:lvl2pPr>
+            <a:lvl3pPr marL="914400" algn="l" defTabSz="914400" rtl="0" eaLnBrk="1" latinLnBrk="0" hangingPunct="1">
+              <a:defRPr sz="1800" kern="1200">
+                <a:solidFill>
+                  <a:schemeClr val="tx1"/>
+                </a:solidFill>
+                <a:latin typeface="+mn-lt"/>
+                <a:ea typeface="+mn-ea"/>
+                <a:cs typeface="+mn-cs"/>
+              </a:defRPr>
+            </a:lvl3pPr>
+            <a:lvl4pPr marL="1371600" algn="l" defTabSz="914400" rtl="0" eaLnBrk="1" latinLnBrk="0" hangingPunct="1">
+              <a:defRPr sz="1800" kern="1200">
+                <a:solidFill>
+                  <a:schemeClr val="tx1"/>
+                </a:solidFill>
+                <a:latin typeface="+mn-lt"/>
+                <a:ea typeface="+mn-ea"/>
+                <a:cs typeface="+mn-cs"/>
+              </a:defRPr>
+            </a:lvl4pPr>
+            <a:lvl5pPr marL="1828800" algn="l" defTabSz="914400" rtl="0" eaLnBrk="1" latinLnBrk="0" hangingPunct="1">
+              <a:defRPr sz="1800" kern="1200">
+                <a:solidFill>
+                  <a:schemeClr val="tx1"/>
+                </a:solidFill>
+                <a:latin typeface="+mn-lt"/>
+                <a:ea typeface="+mn-ea"/>
+                <a:cs typeface="+mn-cs"/>
+              </a:defRPr>
+            </a:lvl5pPr>
+            <a:lvl6pPr marL="2286000" algn="l" defTabSz="914400" rtl="0" eaLnBrk="1" latinLnBrk="0" hangingPunct="1">
+              <a:defRPr sz="1800" kern="1200">
+                <a:solidFill>
+                  <a:schemeClr val="tx1"/>
+                </a:solidFill>
+                <a:latin typeface="+mn-lt"/>
+                <a:ea typeface="+mn-ea"/>
+                <a:cs typeface="+mn-cs"/>
+              </a:defRPr>
+            </a:lvl6pPr>
+            <a:lvl7pPr marL="2743200" algn="l" defTabSz="914400" rtl="0" eaLnBrk="1" latinLnBrk="0" hangingPunct="1">
+              <a:defRPr sz="1800" kern="1200">
+                <a:solidFill>
+                  <a:schemeClr val="tx1"/>
+                </a:solidFill>
+                <a:latin typeface="+mn-lt"/>
+                <a:ea typeface="+mn-ea"/>
+                <a:cs typeface="+mn-cs"/>
+              </a:defRPr>
+            </a:lvl7pPr>
+            <a:lvl8pPr marL="3200400" algn="l" defTabSz="914400" rtl="0" eaLnBrk="1" latinLnBrk="0" hangingPunct="1">
+              <a:defRPr sz="1800" kern="1200">
+                <a:solidFill>
+                  <a:schemeClr val="tx1"/>
+                </a:solidFill>
+                <a:latin typeface="+mn-lt"/>
+                <a:ea typeface="+mn-ea"/>
+                <a:cs typeface="+mn-cs"/>
+              </a:defRPr>
+            </a:lvl8pPr>
+            <a:lvl9pPr marL="3657600" algn="l" defTabSz="914400" rtl="0" eaLnBrk="1" latinLnBrk="0" hangingPunct="1">
+              <a:defRPr sz="1800" kern="1200">
+                <a:solidFill>
+                  <a:schemeClr val="tx1"/>
+                </a:solidFill>
+                <a:latin typeface="+mn-lt"/>
+                <a:ea typeface="+mn-ea"/>
+                <a:cs typeface="+mn-cs"/>
+              </a:defRPr>
+            </a:lvl9pPr>
+          </a:lstStyle>
+          <a:p>
+            <a:r>
+              <a:rPr lang="pt-BR" sz="1600" b="1" dirty="0" smtClean="0">
+                <a:latin typeface="Verdana" panose="020B0604030504040204" pitchFamily="34" charset="0"/>
+                <a:ea typeface="Verdana" panose="020B0604030504040204" pitchFamily="34" charset="0"/>
+                <a:cs typeface="Verdana" panose="020B0604030504040204" pitchFamily="34" charset="0"/>
+              </a:rPr>
+              <a:t>Otávio R. Rossi</a:t>
+            </a:r>
+            <a:endParaRPr lang="pt-BR" sz="1600" b="1" dirty="0">
+              <a:latin typeface="Verdana" panose="020B0604030504040204" pitchFamily="34" charset="0"/>
+              <a:ea typeface="Verdana" panose="020B0604030504040204" pitchFamily="34" charset="0"/>
+              <a:cs typeface="Verdana" panose="020B0604030504040204" pitchFamily="34" charset="0"/>
+            </a:endParaRPr>
+          </a:p>
+        </p:txBody>
+      </p:sp>
+      <p:sp>
+        <p:nvSpPr>
+          <p:cNvPr id="9" name="CaixaDeTexto 20"/>
+          <p:cNvSpPr txBox="1"/>
+          <p:nvPr/>
+        </p:nvSpPr>
+        <p:spPr>
+          <a:xfrm>
+            <a:off x="2033395" y="5337276"/>
+            <a:ext cx="6543343" cy="738664"/>
+          </a:xfrm>
+          <a:prstGeom prst="rect">
+            <a:avLst/>
+          </a:prstGeom>
+          <a:noFill/>
+        </p:spPr>
+        <p:txBody>
+          <a:bodyPr wrap="square" rtlCol="0">
+            <a:spAutoFit/>
+          </a:bodyPr>
+          <a:lstStyle>
+            <a:defPPr>
+              <a:defRPr lang="pt-BR"/>
+            </a:defPPr>
+            <a:lvl1pPr marL="0" algn="l" defTabSz="914400" rtl="0" eaLnBrk="1" latinLnBrk="0" hangingPunct="1">
+              <a:defRPr sz="1800" kern="1200">
+                <a:solidFill>
+                  <a:schemeClr val="tx1"/>
+                </a:solidFill>
+                <a:latin typeface="+mn-lt"/>
+                <a:ea typeface="+mn-ea"/>
+                <a:cs typeface="+mn-cs"/>
+              </a:defRPr>
+            </a:lvl1pPr>
+            <a:lvl2pPr marL="457200" algn="l" defTabSz="914400" rtl="0" eaLnBrk="1" latinLnBrk="0" hangingPunct="1">
+              <a:defRPr sz="1800" kern="1200">
+                <a:solidFill>
+                  <a:schemeClr val="tx1"/>
+                </a:solidFill>
+                <a:latin typeface="+mn-lt"/>
+                <a:ea typeface="+mn-ea"/>
+                <a:cs typeface="+mn-cs"/>
+              </a:defRPr>
+            </a:lvl2pPr>
+            <a:lvl3pPr marL="914400" algn="l" defTabSz="914400" rtl="0" eaLnBrk="1" latinLnBrk="0" hangingPunct="1">
+              <a:defRPr sz="1800" kern="1200">
+                <a:solidFill>
+                  <a:schemeClr val="tx1"/>
+                </a:solidFill>
+                <a:latin typeface="+mn-lt"/>
+                <a:ea typeface="+mn-ea"/>
+                <a:cs typeface="+mn-cs"/>
+              </a:defRPr>
+            </a:lvl3pPr>
+            <a:lvl4pPr marL="1371600" algn="l" defTabSz="914400" rtl="0" eaLnBrk="1" latinLnBrk="0" hangingPunct="1">
+              <a:defRPr sz="1800" kern="1200">
+                <a:solidFill>
+                  <a:schemeClr val="tx1"/>
+                </a:solidFill>
+                <a:latin typeface="+mn-lt"/>
+                <a:ea typeface="+mn-ea"/>
+                <a:cs typeface="+mn-cs"/>
+              </a:defRPr>
+            </a:lvl4pPr>
+            <a:lvl5pPr marL="1828800" algn="l" defTabSz="914400" rtl="0" eaLnBrk="1" latinLnBrk="0" hangingPunct="1">
+              <a:defRPr sz="1800" kern="1200">
+                <a:solidFill>
+                  <a:schemeClr val="tx1"/>
+                </a:solidFill>
+                <a:latin typeface="+mn-lt"/>
+                <a:ea typeface="+mn-ea"/>
+                <a:cs typeface="+mn-cs"/>
+              </a:defRPr>
+            </a:lvl5pPr>
+            <a:lvl6pPr marL="2286000" algn="l" defTabSz="914400" rtl="0" eaLnBrk="1" latinLnBrk="0" hangingPunct="1">
+              <a:defRPr sz="1800" kern="1200">
+                <a:solidFill>
+                  <a:schemeClr val="tx1"/>
+                </a:solidFill>
+                <a:latin typeface="+mn-lt"/>
+                <a:ea typeface="+mn-ea"/>
+                <a:cs typeface="+mn-cs"/>
+              </a:defRPr>
+            </a:lvl6pPr>
+            <a:lvl7pPr marL="2743200" algn="l" defTabSz="914400" rtl="0" eaLnBrk="1" latinLnBrk="0" hangingPunct="1">
+              <a:defRPr sz="1800" kern="1200">
+                <a:solidFill>
+                  <a:schemeClr val="tx1"/>
+                </a:solidFill>
+                <a:latin typeface="+mn-lt"/>
+                <a:ea typeface="+mn-ea"/>
+                <a:cs typeface="+mn-cs"/>
+              </a:defRPr>
+            </a:lvl7pPr>
+            <a:lvl8pPr marL="3200400" algn="l" defTabSz="914400" rtl="0" eaLnBrk="1" latinLnBrk="0" hangingPunct="1">
+              <a:defRPr sz="1800" kern="1200">
+                <a:solidFill>
+                  <a:schemeClr val="tx1"/>
+                </a:solidFill>
+                <a:latin typeface="+mn-lt"/>
+                <a:ea typeface="+mn-ea"/>
+                <a:cs typeface="+mn-cs"/>
+              </a:defRPr>
+            </a:lvl8pPr>
+            <a:lvl9pPr marL="3657600" algn="l" defTabSz="914400" rtl="0" eaLnBrk="1" latinLnBrk="0" hangingPunct="1">
+              <a:defRPr sz="1800" kern="1200">
+                <a:solidFill>
+                  <a:schemeClr val="tx1"/>
+                </a:solidFill>
+                <a:latin typeface="+mn-lt"/>
+                <a:ea typeface="+mn-ea"/>
+                <a:cs typeface="+mn-cs"/>
+              </a:defRPr>
+            </a:lvl9pPr>
+          </a:lstStyle>
+          <a:p>
+            <a:pPr algn="just"/>
+            <a:r>
+              <a:rPr lang="pt-BR" sz="1400" b="1" dirty="0">
+                <a:latin typeface="Verdana" panose="020B0604030504040204" pitchFamily="34" charset="0"/>
+                <a:ea typeface="Verdana" panose="020B0604030504040204" pitchFamily="34" charset="0"/>
+                <a:cs typeface="Verdana" panose="020B0604030504040204" pitchFamily="34" charset="0"/>
+              </a:rPr>
+              <a:t>Sócio - Fundador</a:t>
+            </a:r>
+          </a:p>
+          <a:p>
+            <a:pPr algn="just"/>
+            <a:r>
+              <a:rPr lang="pt-BR" sz="1400" dirty="0" smtClean="0">
+                <a:latin typeface="Verdana" panose="020B0604030504040204" pitchFamily="34" charset="0"/>
+                <a:ea typeface="Verdana" panose="020B0604030504040204" pitchFamily="34" charset="0"/>
+                <a:cs typeface="Verdana" panose="020B0604030504040204" pitchFamily="34" charset="0"/>
+              </a:rPr>
+              <a:t>+ </a:t>
+            </a:r>
+            <a:r>
+              <a:rPr lang="pt-BR" sz="1400" dirty="0">
+                <a:latin typeface="Verdana" panose="020B0604030504040204" pitchFamily="34" charset="0"/>
+                <a:ea typeface="Verdana" panose="020B0604030504040204" pitchFamily="34" charset="0"/>
+                <a:cs typeface="Verdana" panose="020B0604030504040204" pitchFamily="34" charset="0"/>
+              </a:rPr>
+              <a:t>55 11 9 </a:t>
+            </a:r>
+            <a:r>
+              <a:rPr lang="pt-BR" sz="1400" dirty="0" smtClean="0">
+                <a:latin typeface="Verdana" panose="020B0604030504040204" pitchFamily="34" charset="0"/>
+                <a:ea typeface="Verdana" panose="020B0604030504040204" pitchFamily="34" charset="0"/>
+                <a:cs typeface="Verdana" panose="020B0604030504040204" pitchFamily="34" charset="0"/>
+              </a:rPr>
+              <a:t>8544-4724</a:t>
+            </a:r>
+            <a:endParaRPr lang="pt-BR" sz="1400" dirty="0">
+              <a:latin typeface="Verdana" panose="020B0604030504040204" pitchFamily="34" charset="0"/>
+              <a:ea typeface="Verdana" panose="020B0604030504040204" pitchFamily="34" charset="0"/>
+              <a:cs typeface="Verdana" panose="020B0604030504040204" pitchFamily="34" charset="0"/>
+            </a:endParaRPr>
+          </a:p>
+          <a:p>
+            <a:pPr algn="just"/>
+            <a:r>
+              <a:rPr lang="pt-BR" sz="1400" dirty="0" smtClean="0">
+                <a:latin typeface="Verdana" panose="020B0604030504040204" pitchFamily="34" charset="0"/>
+                <a:ea typeface="Verdana" panose="020B0604030504040204" pitchFamily="34" charset="0"/>
+                <a:cs typeface="Verdana" panose="020B0604030504040204" pitchFamily="34" charset="0"/>
+              </a:rPr>
+              <a:t>otavio@inopus.com.br</a:t>
+            </a:r>
+            <a:endParaRPr lang="pt-BR" sz="1400" dirty="0">
+              <a:latin typeface="Verdana" panose="020B0604030504040204" pitchFamily="34" charset="0"/>
+              <a:ea typeface="Verdana" panose="020B0604030504040204" pitchFamily="34" charset="0"/>
+              <a:cs typeface="Verdana" panose="020B0604030504040204" pitchFamily="34" charset="0"/>
+            </a:endParaRPr>
+          </a:p>
+        </p:txBody>
+      </p:sp>
+      <p:cxnSp>
+        <p:nvCxnSpPr>
+          <p:cNvPr id="10" name="Straight Connector 2"/>
+          <p:cNvCxnSpPr/>
+          <p:nvPr/>
+        </p:nvCxnSpPr>
+        <p:spPr>
+          <a:xfrm>
+            <a:off x="254253" y="4920164"/>
+            <a:ext cx="8568000" cy="0"/>
+          </a:xfrm>
+          <a:prstGeom prst="line">
+            <a:avLst/>
+          </a:prstGeom>
+          <a:ln w="12700">
+            <a:solidFill>
+              <a:srgbClr val="FB8C00"/>
+            </a:solidFill>
+            <a:prstDash val="dash"/>
+          </a:ln>
+        </p:spPr>
+        <p:style>
+          <a:lnRef idx="1">
+            <a:schemeClr val="accent1"/>
+          </a:lnRef>
+          <a:fillRef idx="0">
+            <a:schemeClr val="accent1"/>
+          </a:fillRef>
+          <a:effectRef idx="0">
+            <a:schemeClr val="accent1"/>
+          </a:effectRef>
+          <a:fontRef idx="minor">
+            <a:schemeClr val="tx1"/>
+          </a:fontRef>
+        </p:style>
+      </p:cxnSp>
+      <p:cxnSp>
+        <p:nvCxnSpPr>
+          <p:cNvPr id="11" name="Straight Connector 21"/>
+          <p:cNvCxnSpPr/>
+          <p:nvPr/>
+        </p:nvCxnSpPr>
+        <p:spPr>
+          <a:xfrm>
+            <a:off x="254253" y="3514675"/>
+            <a:ext cx="8568000" cy="0"/>
+          </a:xfrm>
+          <a:prstGeom prst="line">
+            <a:avLst/>
+          </a:prstGeom>
+          <a:ln w="12700">
+            <a:solidFill>
+              <a:srgbClr val="FB8C00"/>
+            </a:solidFill>
+            <a:prstDash val="dash"/>
+          </a:ln>
+        </p:spPr>
+        <p:style>
+          <a:lnRef idx="1">
+            <a:schemeClr val="accent1"/>
+          </a:lnRef>
+          <a:fillRef idx="0">
+            <a:schemeClr val="accent1"/>
+          </a:fillRef>
+          <a:effectRef idx="0">
+            <a:schemeClr val="accent1"/>
+          </a:effectRef>
+          <a:fontRef idx="minor">
+            <a:schemeClr val="tx1"/>
+          </a:fontRef>
+        </p:style>
+      </p:cxnSp>
+      <p:cxnSp>
+        <p:nvCxnSpPr>
+          <p:cNvPr id="12" name="Straight Connector 22"/>
+          <p:cNvCxnSpPr/>
+          <p:nvPr/>
+        </p:nvCxnSpPr>
+        <p:spPr>
+          <a:xfrm>
+            <a:off x="254253" y="2099492"/>
+            <a:ext cx="8568000" cy="0"/>
+          </a:xfrm>
+          <a:prstGeom prst="line">
+            <a:avLst/>
+          </a:prstGeom>
+          <a:ln w="12700">
+            <a:solidFill>
+              <a:srgbClr val="FB8C00"/>
+            </a:solidFill>
+            <a:prstDash val="dash"/>
+          </a:ln>
+        </p:spPr>
+        <p:style>
+          <a:lnRef idx="1">
+            <a:schemeClr val="accent1"/>
+          </a:lnRef>
+          <a:fillRef idx="0">
+            <a:schemeClr val="accent1"/>
+          </a:fillRef>
+          <a:effectRef idx="0">
+            <a:schemeClr val="accent1"/>
+          </a:effectRef>
+          <a:fontRef idx="minor">
+            <a:schemeClr val="tx1"/>
+          </a:fontRef>
+        </p:style>
+      </p:cxnSp>
+      <p:sp>
+        <p:nvSpPr>
+          <p:cNvPr id="13" name="CaixaDeTexto 19"/>
+          <p:cNvSpPr txBox="1"/>
+          <p:nvPr/>
+        </p:nvSpPr>
+        <p:spPr>
+          <a:xfrm>
+            <a:off x="2037865" y="3598385"/>
+            <a:ext cx="2592376" cy="338554"/>
+          </a:xfrm>
+          <a:prstGeom prst="rect">
+            <a:avLst/>
+          </a:prstGeom>
+          <a:noFill/>
+        </p:spPr>
+        <p:txBody>
+          <a:bodyPr wrap="none" rtlCol="0">
+            <a:spAutoFit/>
+          </a:bodyPr>
+          <a:lstStyle>
+            <a:defPPr>
+              <a:defRPr lang="pt-BR"/>
+            </a:defPPr>
+            <a:lvl1pPr marL="0" algn="l" defTabSz="914400" rtl="0" eaLnBrk="1" latinLnBrk="0" hangingPunct="1">
+              <a:defRPr sz="1800" kern="1200">
+                <a:solidFill>
+                  <a:schemeClr val="tx1"/>
+                </a:solidFill>
+                <a:latin typeface="+mn-lt"/>
+                <a:ea typeface="+mn-ea"/>
+                <a:cs typeface="+mn-cs"/>
+              </a:defRPr>
+            </a:lvl1pPr>
+            <a:lvl2pPr marL="457200" algn="l" defTabSz="914400" rtl="0" eaLnBrk="1" latinLnBrk="0" hangingPunct="1">
+              <a:defRPr sz="1800" kern="1200">
+                <a:solidFill>
+                  <a:schemeClr val="tx1"/>
+                </a:solidFill>
+                <a:latin typeface="+mn-lt"/>
+                <a:ea typeface="+mn-ea"/>
+                <a:cs typeface="+mn-cs"/>
+              </a:defRPr>
+            </a:lvl2pPr>
+            <a:lvl3pPr marL="914400" algn="l" defTabSz="914400" rtl="0" eaLnBrk="1" latinLnBrk="0" hangingPunct="1">
+              <a:defRPr sz="1800" kern="1200">
+                <a:solidFill>
+                  <a:schemeClr val="tx1"/>
+                </a:solidFill>
+                <a:latin typeface="+mn-lt"/>
+                <a:ea typeface="+mn-ea"/>
+                <a:cs typeface="+mn-cs"/>
+              </a:defRPr>
+            </a:lvl3pPr>
+            <a:lvl4pPr marL="1371600" algn="l" defTabSz="914400" rtl="0" eaLnBrk="1" latinLnBrk="0" hangingPunct="1">
+              <a:defRPr sz="1800" kern="1200">
+                <a:solidFill>
+                  <a:schemeClr val="tx1"/>
+                </a:solidFill>
+                <a:latin typeface="+mn-lt"/>
+                <a:ea typeface="+mn-ea"/>
+                <a:cs typeface="+mn-cs"/>
+              </a:defRPr>
+            </a:lvl4pPr>
+            <a:lvl5pPr marL="1828800" algn="l" defTabSz="914400" rtl="0" eaLnBrk="1" latinLnBrk="0" hangingPunct="1">
+              <a:defRPr sz="1800" kern="1200">
+                <a:solidFill>
+                  <a:schemeClr val="tx1"/>
+                </a:solidFill>
+                <a:latin typeface="+mn-lt"/>
+                <a:ea typeface="+mn-ea"/>
+                <a:cs typeface="+mn-cs"/>
+              </a:defRPr>
+            </a:lvl5pPr>
+            <a:lvl6pPr marL="2286000" algn="l" defTabSz="914400" rtl="0" eaLnBrk="1" latinLnBrk="0" hangingPunct="1">
+              <a:defRPr sz="1800" kern="1200">
+                <a:solidFill>
+                  <a:schemeClr val="tx1"/>
+                </a:solidFill>
+                <a:latin typeface="+mn-lt"/>
+                <a:ea typeface="+mn-ea"/>
+                <a:cs typeface="+mn-cs"/>
+              </a:defRPr>
+            </a:lvl6pPr>
+            <a:lvl7pPr marL="2743200" algn="l" defTabSz="914400" rtl="0" eaLnBrk="1" latinLnBrk="0" hangingPunct="1">
+              <a:defRPr sz="1800" kern="1200">
+                <a:solidFill>
+                  <a:schemeClr val="tx1"/>
+                </a:solidFill>
+                <a:latin typeface="+mn-lt"/>
+                <a:ea typeface="+mn-ea"/>
+                <a:cs typeface="+mn-cs"/>
+              </a:defRPr>
+            </a:lvl7pPr>
+            <a:lvl8pPr marL="3200400" algn="l" defTabSz="914400" rtl="0" eaLnBrk="1" latinLnBrk="0" hangingPunct="1">
+              <a:defRPr sz="1800" kern="1200">
+                <a:solidFill>
+                  <a:schemeClr val="tx1"/>
+                </a:solidFill>
+                <a:latin typeface="+mn-lt"/>
+                <a:ea typeface="+mn-ea"/>
+                <a:cs typeface="+mn-cs"/>
+              </a:defRPr>
+            </a:lvl8pPr>
+            <a:lvl9pPr marL="3657600" algn="l" defTabSz="914400" rtl="0" eaLnBrk="1" latinLnBrk="0" hangingPunct="1">
+              <a:defRPr sz="1800" kern="1200">
+                <a:solidFill>
+                  <a:schemeClr val="tx1"/>
+                </a:solidFill>
+                <a:latin typeface="+mn-lt"/>
+                <a:ea typeface="+mn-ea"/>
+                <a:cs typeface="+mn-cs"/>
+              </a:defRPr>
+            </a:lvl9pPr>
+          </a:lstStyle>
+          <a:p>
+            <a:r>
+              <a:rPr lang="pt-BR" sz="1600" b="1" dirty="0" smtClean="0">
+                <a:latin typeface="Verdana" panose="020B0604030504040204" pitchFamily="34" charset="0"/>
+                <a:ea typeface="Verdana" panose="020B0604030504040204" pitchFamily="34" charset="0"/>
+                <a:cs typeface="Verdana" panose="020B0604030504040204" pitchFamily="34" charset="0"/>
+              </a:rPr>
+              <a:t>Michel </a:t>
+            </a:r>
+            <a:r>
+              <a:rPr lang="pt-BR" sz="1600" b="1" dirty="0" err="1" smtClean="0">
+                <a:latin typeface="Verdana" panose="020B0604030504040204" pitchFamily="34" charset="0"/>
+                <a:ea typeface="Verdana" panose="020B0604030504040204" pitchFamily="34" charset="0"/>
+                <a:cs typeface="Verdana" panose="020B0604030504040204" pitchFamily="34" charset="0"/>
+              </a:rPr>
+              <a:t>Zarzour</a:t>
+            </a:r>
+            <a:r>
+              <a:rPr lang="pt-BR" sz="1600" b="1" dirty="0" smtClean="0">
+                <a:latin typeface="Verdana" panose="020B0604030504040204" pitchFamily="34" charset="0"/>
+                <a:ea typeface="Verdana" panose="020B0604030504040204" pitchFamily="34" charset="0"/>
+                <a:cs typeface="Verdana" panose="020B0604030504040204" pitchFamily="34" charset="0"/>
+              </a:rPr>
+              <a:t> Filho</a:t>
+            </a:r>
+            <a:endParaRPr lang="pt-BR" sz="1600" b="1" dirty="0">
+              <a:latin typeface="Verdana" panose="020B0604030504040204" pitchFamily="34" charset="0"/>
+              <a:ea typeface="Verdana" panose="020B0604030504040204" pitchFamily="34" charset="0"/>
+              <a:cs typeface="Verdana" panose="020B0604030504040204" pitchFamily="34" charset="0"/>
+            </a:endParaRPr>
+          </a:p>
+        </p:txBody>
+      </p:sp>
+      <p:sp>
+        <p:nvSpPr>
+          <p:cNvPr id="14" name="CaixaDeTexto 20"/>
+          <p:cNvSpPr txBox="1"/>
+          <p:nvPr/>
+        </p:nvSpPr>
+        <p:spPr>
+          <a:xfrm>
+            <a:off x="2037865" y="3941994"/>
+            <a:ext cx="6566583" cy="738664"/>
+          </a:xfrm>
+          <a:prstGeom prst="rect">
+            <a:avLst/>
+          </a:prstGeom>
+          <a:noFill/>
+        </p:spPr>
+        <p:txBody>
+          <a:bodyPr wrap="square" rtlCol="0">
+            <a:spAutoFit/>
+          </a:bodyPr>
+          <a:lstStyle>
+            <a:defPPr>
+              <a:defRPr lang="pt-BR"/>
+            </a:defPPr>
+            <a:lvl1pPr marL="0" algn="l" defTabSz="914400" rtl="0" eaLnBrk="1" latinLnBrk="0" hangingPunct="1">
+              <a:defRPr sz="1800" kern="1200">
+                <a:solidFill>
+                  <a:schemeClr val="tx1"/>
+                </a:solidFill>
+                <a:latin typeface="+mn-lt"/>
+                <a:ea typeface="+mn-ea"/>
+                <a:cs typeface="+mn-cs"/>
+              </a:defRPr>
+            </a:lvl1pPr>
+            <a:lvl2pPr marL="457200" algn="l" defTabSz="914400" rtl="0" eaLnBrk="1" latinLnBrk="0" hangingPunct="1">
+              <a:defRPr sz="1800" kern="1200">
+                <a:solidFill>
+                  <a:schemeClr val="tx1"/>
+                </a:solidFill>
+                <a:latin typeface="+mn-lt"/>
+                <a:ea typeface="+mn-ea"/>
+                <a:cs typeface="+mn-cs"/>
+              </a:defRPr>
+            </a:lvl2pPr>
+            <a:lvl3pPr marL="914400" algn="l" defTabSz="914400" rtl="0" eaLnBrk="1" latinLnBrk="0" hangingPunct="1">
+              <a:defRPr sz="1800" kern="1200">
+                <a:solidFill>
+                  <a:schemeClr val="tx1"/>
+                </a:solidFill>
+                <a:latin typeface="+mn-lt"/>
+                <a:ea typeface="+mn-ea"/>
+                <a:cs typeface="+mn-cs"/>
+              </a:defRPr>
+            </a:lvl3pPr>
+            <a:lvl4pPr marL="1371600" algn="l" defTabSz="914400" rtl="0" eaLnBrk="1" latinLnBrk="0" hangingPunct="1">
+              <a:defRPr sz="1800" kern="1200">
+                <a:solidFill>
+                  <a:schemeClr val="tx1"/>
+                </a:solidFill>
+                <a:latin typeface="+mn-lt"/>
+                <a:ea typeface="+mn-ea"/>
+                <a:cs typeface="+mn-cs"/>
+              </a:defRPr>
+            </a:lvl4pPr>
+            <a:lvl5pPr marL="1828800" algn="l" defTabSz="914400" rtl="0" eaLnBrk="1" latinLnBrk="0" hangingPunct="1">
+              <a:defRPr sz="1800" kern="1200">
+                <a:solidFill>
+                  <a:schemeClr val="tx1"/>
+                </a:solidFill>
+                <a:latin typeface="+mn-lt"/>
+                <a:ea typeface="+mn-ea"/>
+                <a:cs typeface="+mn-cs"/>
+              </a:defRPr>
+            </a:lvl5pPr>
+            <a:lvl6pPr marL="2286000" algn="l" defTabSz="914400" rtl="0" eaLnBrk="1" latinLnBrk="0" hangingPunct="1">
+              <a:defRPr sz="1800" kern="1200">
+                <a:solidFill>
+                  <a:schemeClr val="tx1"/>
+                </a:solidFill>
+                <a:latin typeface="+mn-lt"/>
+                <a:ea typeface="+mn-ea"/>
+                <a:cs typeface="+mn-cs"/>
+              </a:defRPr>
+            </a:lvl6pPr>
+            <a:lvl7pPr marL="2743200" algn="l" defTabSz="914400" rtl="0" eaLnBrk="1" latinLnBrk="0" hangingPunct="1">
+              <a:defRPr sz="1800" kern="1200">
+                <a:solidFill>
+                  <a:schemeClr val="tx1"/>
+                </a:solidFill>
+                <a:latin typeface="+mn-lt"/>
+                <a:ea typeface="+mn-ea"/>
+                <a:cs typeface="+mn-cs"/>
+              </a:defRPr>
+            </a:lvl7pPr>
+            <a:lvl8pPr marL="3200400" algn="l" defTabSz="914400" rtl="0" eaLnBrk="1" latinLnBrk="0" hangingPunct="1">
+              <a:defRPr sz="1800" kern="1200">
+                <a:solidFill>
+                  <a:schemeClr val="tx1"/>
+                </a:solidFill>
+                <a:latin typeface="+mn-lt"/>
+                <a:ea typeface="+mn-ea"/>
+                <a:cs typeface="+mn-cs"/>
+              </a:defRPr>
+            </a:lvl8pPr>
+            <a:lvl9pPr marL="3657600" algn="l" defTabSz="914400" rtl="0" eaLnBrk="1" latinLnBrk="0" hangingPunct="1">
+              <a:defRPr sz="1800" kern="1200">
+                <a:solidFill>
+                  <a:schemeClr val="tx1"/>
+                </a:solidFill>
+                <a:latin typeface="+mn-lt"/>
+                <a:ea typeface="+mn-ea"/>
+                <a:cs typeface="+mn-cs"/>
+              </a:defRPr>
+            </a:lvl9pPr>
+          </a:lstStyle>
+          <a:p>
+            <a:pPr algn="just"/>
+            <a:r>
+              <a:rPr lang="pt-BR" sz="1400" b="1" dirty="0">
+                <a:latin typeface="Verdana" panose="020B0604030504040204" pitchFamily="34" charset="0"/>
+                <a:ea typeface="Verdana" panose="020B0604030504040204" pitchFamily="34" charset="0"/>
+                <a:cs typeface="Verdana" panose="020B0604030504040204" pitchFamily="34" charset="0"/>
+              </a:rPr>
+              <a:t>Sócio - </a:t>
+            </a:r>
+            <a:r>
+              <a:rPr lang="pt-BR" sz="1400" b="1" dirty="0" smtClean="0">
+                <a:latin typeface="Verdana" panose="020B0604030504040204" pitchFamily="34" charset="0"/>
+                <a:ea typeface="Verdana" panose="020B0604030504040204" pitchFamily="34" charset="0"/>
+                <a:cs typeface="Verdana" panose="020B0604030504040204" pitchFamily="34" charset="0"/>
+              </a:rPr>
+              <a:t>Fundador</a:t>
+            </a:r>
+            <a:endParaRPr lang="pt-BR" sz="1400" b="1" dirty="0">
+              <a:latin typeface="Verdana" panose="020B0604030504040204" pitchFamily="34" charset="0"/>
+              <a:ea typeface="Verdana" panose="020B0604030504040204" pitchFamily="34" charset="0"/>
+              <a:cs typeface="Verdana" panose="020B0604030504040204" pitchFamily="34" charset="0"/>
+            </a:endParaRPr>
+          </a:p>
+          <a:p>
+            <a:pPr algn="just"/>
+            <a:r>
+              <a:rPr lang="pt-BR" sz="1400" dirty="0">
+                <a:latin typeface="Verdana" panose="020B0604030504040204" pitchFamily="34" charset="0"/>
+                <a:ea typeface="Verdana" panose="020B0604030504040204" pitchFamily="34" charset="0"/>
+                <a:cs typeface="Verdana" panose="020B0604030504040204" pitchFamily="34" charset="0"/>
+              </a:rPr>
+              <a:t>+ 55 11 9 </a:t>
+            </a:r>
+            <a:r>
+              <a:rPr lang="pt-BR" sz="1400" dirty="0" smtClean="0">
+                <a:latin typeface="Verdana" panose="020B0604030504040204" pitchFamily="34" charset="0"/>
+                <a:ea typeface="Verdana" panose="020B0604030504040204" pitchFamily="34" charset="0"/>
+                <a:cs typeface="Verdana" panose="020B0604030504040204" pitchFamily="34" charset="0"/>
+              </a:rPr>
+              <a:t>8174-7375</a:t>
+            </a:r>
+            <a:endParaRPr lang="pt-BR" sz="1400" dirty="0">
+              <a:latin typeface="Verdana" panose="020B0604030504040204" pitchFamily="34" charset="0"/>
+              <a:ea typeface="Verdana" panose="020B0604030504040204" pitchFamily="34" charset="0"/>
+              <a:cs typeface="Verdana" panose="020B0604030504040204" pitchFamily="34" charset="0"/>
+            </a:endParaRPr>
+          </a:p>
+          <a:p>
+            <a:pPr algn="just"/>
+            <a:r>
+              <a:rPr lang="pt-BR" sz="1400" dirty="0" smtClean="0">
+                <a:latin typeface="Verdana" panose="020B0604030504040204" pitchFamily="34" charset="0"/>
+                <a:ea typeface="Verdana" panose="020B0604030504040204" pitchFamily="34" charset="0"/>
+                <a:cs typeface="Verdana" panose="020B0604030504040204" pitchFamily="34" charset="0"/>
+              </a:rPr>
+              <a:t>michel@inopus.com.br</a:t>
+            </a:r>
+            <a:endParaRPr lang="pt-BR" sz="1400" dirty="0">
+              <a:latin typeface="Verdana" panose="020B0604030504040204" pitchFamily="34" charset="0"/>
+              <a:ea typeface="Verdana" panose="020B0604030504040204" pitchFamily="34" charset="0"/>
+              <a:cs typeface="Verdana" panose="020B0604030504040204" pitchFamily="34" charset="0"/>
+            </a:endParaRPr>
+          </a:p>
+        </p:txBody>
+      </p:sp>
+      <p:sp>
+        <p:nvSpPr>
+          <p:cNvPr id="15" name="CaixaDeTexto 19"/>
+          <p:cNvSpPr txBox="1"/>
+          <p:nvPr/>
+        </p:nvSpPr>
+        <p:spPr>
+          <a:xfrm>
+            <a:off x="2041779" y="2204676"/>
+            <a:ext cx="1720343" cy="338554"/>
+          </a:xfrm>
+          <a:prstGeom prst="rect">
+            <a:avLst/>
+          </a:prstGeom>
+          <a:noFill/>
+        </p:spPr>
+        <p:txBody>
+          <a:bodyPr wrap="none" rtlCol="0">
+            <a:spAutoFit/>
+          </a:bodyPr>
+          <a:lstStyle>
+            <a:defPPr>
+              <a:defRPr lang="pt-BR"/>
+            </a:defPPr>
+            <a:lvl1pPr marL="0" algn="l" defTabSz="914400" rtl="0" eaLnBrk="1" latinLnBrk="0" hangingPunct="1">
+              <a:defRPr sz="1800" kern="1200">
+                <a:solidFill>
+                  <a:schemeClr val="tx1"/>
+                </a:solidFill>
+                <a:latin typeface="+mn-lt"/>
+                <a:ea typeface="+mn-ea"/>
+                <a:cs typeface="+mn-cs"/>
+              </a:defRPr>
+            </a:lvl1pPr>
+            <a:lvl2pPr marL="457200" algn="l" defTabSz="914400" rtl="0" eaLnBrk="1" latinLnBrk="0" hangingPunct="1">
+              <a:defRPr sz="1800" kern="1200">
+                <a:solidFill>
+                  <a:schemeClr val="tx1"/>
+                </a:solidFill>
+                <a:latin typeface="+mn-lt"/>
+                <a:ea typeface="+mn-ea"/>
+                <a:cs typeface="+mn-cs"/>
+              </a:defRPr>
+            </a:lvl2pPr>
+            <a:lvl3pPr marL="914400" algn="l" defTabSz="914400" rtl="0" eaLnBrk="1" latinLnBrk="0" hangingPunct="1">
+              <a:defRPr sz="1800" kern="1200">
+                <a:solidFill>
+                  <a:schemeClr val="tx1"/>
+                </a:solidFill>
+                <a:latin typeface="+mn-lt"/>
+                <a:ea typeface="+mn-ea"/>
+                <a:cs typeface="+mn-cs"/>
+              </a:defRPr>
+            </a:lvl3pPr>
+            <a:lvl4pPr marL="1371600" algn="l" defTabSz="914400" rtl="0" eaLnBrk="1" latinLnBrk="0" hangingPunct="1">
+              <a:defRPr sz="1800" kern="1200">
+                <a:solidFill>
+                  <a:schemeClr val="tx1"/>
+                </a:solidFill>
+                <a:latin typeface="+mn-lt"/>
+                <a:ea typeface="+mn-ea"/>
+                <a:cs typeface="+mn-cs"/>
+              </a:defRPr>
+            </a:lvl4pPr>
+            <a:lvl5pPr marL="1828800" algn="l" defTabSz="914400" rtl="0" eaLnBrk="1" latinLnBrk="0" hangingPunct="1">
+              <a:defRPr sz="1800" kern="1200">
+                <a:solidFill>
+                  <a:schemeClr val="tx1"/>
+                </a:solidFill>
+                <a:latin typeface="+mn-lt"/>
+                <a:ea typeface="+mn-ea"/>
+                <a:cs typeface="+mn-cs"/>
+              </a:defRPr>
+            </a:lvl5pPr>
+            <a:lvl6pPr marL="2286000" algn="l" defTabSz="914400" rtl="0" eaLnBrk="1" latinLnBrk="0" hangingPunct="1">
+              <a:defRPr sz="1800" kern="1200">
+                <a:solidFill>
+                  <a:schemeClr val="tx1"/>
+                </a:solidFill>
+                <a:latin typeface="+mn-lt"/>
+                <a:ea typeface="+mn-ea"/>
+                <a:cs typeface="+mn-cs"/>
+              </a:defRPr>
+            </a:lvl6pPr>
+            <a:lvl7pPr marL="2743200" algn="l" defTabSz="914400" rtl="0" eaLnBrk="1" latinLnBrk="0" hangingPunct="1">
+              <a:defRPr sz="1800" kern="1200">
+                <a:solidFill>
+                  <a:schemeClr val="tx1"/>
+                </a:solidFill>
+                <a:latin typeface="+mn-lt"/>
+                <a:ea typeface="+mn-ea"/>
+                <a:cs typeface="+mn-cs"/>
+              </a:defRPr>
+            </a:lvl7pPr>
+            <a:lvl8pPr marL="3200400" algn="l" defTabSz="914400" rtl="0" eaLnBrk="1" latinLnBrk="0" hangingPunct="1">
+              <a:defRPr sz="1800" kern="1200">
+                <a:solidFill>
+                  <a:schemeClr val="tx1"/>
+                </a:solidFill>
+                <a:latin typeface="+mn-lt"/>
+                <a:ea typeface="+mn-ea"/>
+                <a:cs typeface="+mn-cs"/>
+              </a:defRPr>
+            </a:lvl8pPr>
+            <a:lvl9pPr marL="3657600" algn="l" defTabSz="914400" rtl="0" eaLnBrk="1" latinLnBrk="0" hangingPunct="1">
+              <a:defRPr sz="1800" kern="1200">
+                <a:solidFill>
+                  <a:schemeClr val="tx1"/>
+                </a:solidFill>
+                <a:latin typeface="+mn-lt"/>
+                <a:ea typeface="+mn-ea"/>
+                <a:cs typeface="+mn-cs"/>
+              </a:defRPr>
+            </a:lvl9pPr>
+          </a:lstStyle>
+          <a:p>
+            <a:r>
+              <a:rPr lang="pt-BR" sz="1600" b="1" dirty="0" smtClean="0">
+                <a:latin typeface="Verdana" panose="020B0604030504040204" pitchFamily="34" charset="0"/>
+                <a:ea typeface="Verdana" panose="020B0604030504040204" pitchFamily="34" charset="0"/>
+                <a:cs typeface="Verdana" panose="020B0604030504040204" pitchFamily="34" charset="0"/>
+              </a:rPr>
+              <a:t>Gustavo </a:t>
+            </a:r>
+            <a:r>
+              <a:rPr lang="pt-BR" sz="1600" b="1" dirty="0" err="1" smtClean="0">
+                <a:latin typeface="Verdana" panose="020B0604030504040204" pitchFamily="34" charset="0"/>
+                <a:ea typeface="Verdana" panose="020B0604030504040204" pitchFamily="34" charset="0"/>
+                <a:cs typeface="Verdana" panose="020B0604030504040204" pitchFamily="34" charset="0"/>
+              </a:rPr>
+              <a:t>Soré</a:t>
+            </a:r>
+            <a:endParaRPr lang="pt-BR" sz="1600" b="1" dirty="0">
+              <a:latin typeface="Verdana" panose="020B0604030504040204" pitchFamily="34" charset="0"/>
+              <a:ea typeface="Verdana" panose="020B0604030504040204" pitchFamily="34" charset="0"/>
+              <a:cs typeface="Verdana" panose="020B0604030504040204" pitchFamily="34" charset="0"/>
+            </a:endParaRPr>
+          </a:p>
+        </p:txBody>
+      </p:sp>
+      <p:sp>
+        <p:nvSpPr>
+          <p:cNvPr id="16" name="CaixaDeTexto 20"/>
+          <p:cNvSpPr txBox="1"/>
+          <p:nvPr/>
+        </p:nvSpPr>
+        <p:spPr>
+          <a:xfrm>
+            <a:off x="2041779" y="2548285"/>
+            <a:ext cx="6634677" cy="738664"/>
+          </a:xfrm>
+          <a:prstGeom prst="rect">
+            <a:avLst/>
+          </a:prstGeom>
+          <a:noFill/>
+        </p:spPr>
+        <p:txBody>
+          <a:bodyPr wrap="square" rtlCol="0">
+            <a:spAutoFit/>
+          </a:bodyPr>
+          <a:lstStyle>
+            <a:defPPr>
+              <a:defRPr lang="pt-BR"/>
+            </a:defPPr>
+            <a:lvl1pPr marL="0" algn="l" defTabSz="914400" rtl="0" eaLnBrk="1" latinLnBrk="0" hangingPunct="1">
+              <a:defRPr sz="1800" kern="1200">
+                <a:solidFill>
+                  <a:schemeClr val="tx1"/>
+                </a:solidFill>
+                <a:latin typeface="+mn-lt"/>
+                <a:ea typeface="+mn-ea"/>
+                <a:cs typeface="+mn-cs"/>
+              </a:defRPr>
+            </a:lvl1pPr>
+            <a:lvl2pPr marL="457200" algn="l" defTabSz="914400" rtl="0" eaLnBrk="1" latinLnBrk="0" hangingPunct="1">
+              <a:defRPr sz="1800" kern="1200">
+                <a:solidFill>
+                  <a:schemeClr val="tx1"/>
+                </a:solidFill>
+                <a:latin typeface="+mn-lt"/>
+                <a:ea typeface="+mn-ea"/>
+                <a:cs typeface="+mn-cs"/>
+              </a:defRPr>
+            </a:lvl2pPr>
+            <a:lvl3pPr marL="914400" algn="l" defTabSz="914400" rtl="0" eaLnBrk="1" latinLnBrk="0" hangingPunct="1">
+              <a:defRPr sz="1800" kern="1200">
+                <a:solidFill>
+                  <a:schemeClr val="tx1"/>
+                </a:solidFill>
+                <a:latin typeface="+mn-lt"/>
+                <a:ea typeface="+mn-ea"/>
+                <a:cs typeface="+mn-cs"/>
+              </a:defRPr>
+            </a:lvl3pPr>
+            <a:lvl4pPr marL="1371600" algn="l" defTabSz="914400" rtl="0" eaLnBrk="1" latinLnBrk="0" hangingPunct="1">
+              <a:defRPr sz="1800" kern="1200">
+                <a:solidFill>
+                  <a:schemeClr val="tx1"/>
+                </a:solidFill>
+                <a:latin typeface="+mn-lt"/>
+                <a:ea typeface="+mn-ea"/>
+                <a:cs typeface="+mn-cs"/>
+              </a:defRPr>
+            </a:lvl4pPr>
+            <a:lvl5pPr marL="1828800" algn="l" defTabSz="914400" rtl="0" eaLnBrk="1" latinLnBrk="0" hangingPunct="1">
+              <a:defRPr sz="1800" kern="1200">
+                <a:solidFill>
+                  <a:schemeClr val="tx1"/>
+                </a:solidFill>
+                <a:latin typeface="+mn-lt"/>
+                <a:ea typeface="+mn-ea"/>
+                <a:cs typeface="+mn-cs"/>
+              </a:defRPr>
+            </a:lvl5pPr>
+            <a:lvl6pPr marL="2286000" algn="l" defTabSz="914400" rtl="0" eaLnBrk="1" latinLnBrk="0" hangingPunct="1">
+              <a:defRPr sz="1800" kern="1200">
+                <a:solidFill>
+                  <a:schemeClr val="tx1"/>
+                </a:solidFill>
+                <a:latin typeface="+mn-lt"/>
+                <a:ea typeface="+mn-ea"/>
+                <a:cs typeface="+mn-cs"/>
+              </a:defRPr>
+            </a:lvl6pPr>
+            <a:lvl7pPr marL="2743200" algn="l" defTabSz="914400" rtl="0" eaLnBrk="1" latinLnBrk="0" hangingPunct="1">
+              <a:defRPr sz="1800" kern="1200">
+                <a:solidFill>
+                  <a:schemeClr val="tx1"/>
+                </a:solidFill>
+                <a:latin typeface="+mn-lt"/>
+                <a:ea typeface="+mn-ea"/>
+                <a:cs typeface="+mn-cs"/>
+              </a:defRPr>
+            </a:lvl7pPr>
+            <a:lvl8pPr marL="3200400" algn="l" defTabSz="914400" rtl="0" eaLnBrk="1" latinLnBrk="0" hangingPunct="1">
+              <a:defRPr sz="1800" kern="1200">
+                <a:solidFill>
+                  <a:schemeClr val="tx1"/>
+                </a:solidFill>
+                <a:latin typeface="+mn-lt"/>
+                <a:ea typeface="+mn-ea"/>
+                <a:cs typeface="+mn-cs"/>
+              </a:defRPr>
+            </a:lvl8pPr>
+            <a:lvl9pPr marL="3657600" algn="l" defTabSz="914400" rtl="0" eaLnBrk="1" latinLnBrk="0" hangingPunct="1">
+              <a:defRPr sz="1800" kern="1200">
+                <a:solidFill>
+                  <a:schemeClr val="tx1"/>
+                </a:solidFill>
+                <a:latin typeface="+mn-lt"/>
+                <a:ea typeface="+mn-ea"/>
+                <a:cs typeface="+mn-cs"/>
+              </a:defRPr>
+            </a:lvl9pPr>
+          </a:lstStyle>
+          <a:p>
+            <a:pPr algn="just"/>
+            <a:r>
+              <a:rPr lang="pt-BR" sz="1400" b="1" dirty="0" smtClean="0">
+                <a:latin typeface="Verdana" panose="020B0604030504040204" pitchFamily="34" charset="0"/>
+                <a:ea typeface="Verdana" panose="020B0604030504040204" pitchFamily="34" charset="0"/>
+                <a:cs typeface="Verdana" panose="020B0604030504040204" pitchFamily="34" charset="0"/>
+              </a:rPr>
+              <a:t>Sócio - Fundador</a:t>
+            </a:r>
+          </a:p>
+          <a:p>
+            <a:pPr algn="just"/>
+            <a:r>
+              <a:rPr lang="pt-BR" sz="1400" dirty="0" smtClean="0">
+                <a:latin typeface="Verdana" panose="020B0604030504040204" pitchFamily="34" charset="0"/>
+                <a:ea typeface="Verdana" panose="020B0604030504040204" pitchFamily="34" charset="0"/>
+                <a:cs typeface="Verdana" panose="020B0604030504040204" pitchFamily="34" charset="0"/>
+              </a:rPr>
+              <a:t>+ 55 11 9 8585-4328</a:t>
+            </a:r>
+          </a:p>
+          <a:p>
+            <a:pPr algn="just"/>
+            <a:r>
+              <a:rPr lang="pt-BR" sz="1400" dirty="0" smtClean="0">
+                <a:latin typeface="Verdana" panose="020B0604030504040204" pitchFamily="34" charset="0"/>
+                <a:ea typeface="Verdana" panose="020B0604030504040204" pitchFamily="34" charset="0"/>
+                <a:cs typeface="Verdana" panose="020B0604030504040204" pitchFamily="34" charset="0"/>
+              </a:rPr>
+              <a:t>gustavo@inopus.com.br</a:t>
+            </a:r>
+            <a:endParaRPr lang="pt-BR" sz="1400" dirty="0">
+              <a:latin typeface="Verdana" panose="020B0604030504040204" pitchFamily="34" charset="0"/>
+              <a:ea typeface="Verdana" panose="020B0604030504040204" pitchFamily="34" charset="0"/>
+              <a:cs typeface="Verdana" panose="020B0604030504040204" pitchFamily="34" charset="0"/>
+            </a:endParaRPr>
+          </a:p>
+        </p:txBody>
+      </p:sp>
+      <p:sp>
+        <p:nvSpPr>
+          <p:cNvPr id="17" name="CaixaDeTexto 19"/>
+          <p:cNvSpPr txBox="1"/>
+          <p:nvPr/>
+        </p:nvSpPr>
+        <p:spPr>
+          <a:xfrm>
+            <a:off x="2069489" y="806081"/>
+            <a:ext cx="2295821" cy="338554"/>
+          </a:xfrm>
+          <a:prstGeom prst="rect">
+            <a:avLst/>
+          </a:prstGeom>
+          <a:noFill/>
+        </p:spPr>
+        <p:txBody>
+          <a:bodyPr wrap="none" rtlCol="0">
+            <a:spAutoFit/>
+          </a:bodyPr>
+          <a:lstStyle>
+            <a:defPPr>
+              <a:defRPr lang="pt-BR"/>
+            </a:defPPr>
+            <a:lvl1pPr marL="0" algn="l" defTabSz="914400" rtl="0" eaLnBrk="1" latinLnBrk="0" hangingPunct="1">
+              <a:defRPr sz="1800" kern="1200">
+                <a:solidFill>
+                  <a:schemeClr val="tx1"/>
+                </a:solidFill>
+                <a:latin typeface="+mn-lt"/>
+                <a:ea typeface="+mn-ea"/>
+                <a:cs typeface="+mn-cs"/>
+              </a:defRPr>
+            </a:lvl1pPr>
+            <a:lvl2pPr marL="457200" algn="l" defTabSz="914400" rtl="0" eaLnBrk="1" latinLnBrk="0" hangingPunct="1">
+              <a:defRPr sz="1800" kern="1200">
+                <a:solidFill>
+                  <a:schemeClr val="tx1"/>
+                </a:solidFill>
+                <a:latin typeface="+mn-lt"/>
+                <a:ea typeface="+mn-ea"/>
+                <a:cs typeface="+mn-cs"/>
+              </a:defRPr>
+            </a:lvl2pPr>
+            <a:lvl3pPr marL="914400" algn="l" defTabSz="914400" rtl="0" eaLnBrk="1" latinLnBrk="0" hangingPunct="1">
+              <a:defRPr sz="1800" kern="1200">
+                <a:solidFill>
+                  <a:schemeClr val="tx1"/>
+                </a:solidFill>
+                <a:latin typeface="+mn-lt"/>
+                <a:ea typeface="+mn-ea"/>
+                <a:cs typeface="+mn-cs"/>
+              </a:defRPr>
+            </a:lvl3pPr>
+            <a:lvl4pPr marL="1371600" algn="l" defTabSz="914400" rtl="0" eaLnBrk="1" latinLnBrk="0" hangingPunct="1">
+              <a:defRPr sz="1800" kern="1200">
+                <a:solidFill>
+                  <a:schemeClr val="tx1"/>
+                </a:solidFill>
+                <a:latin typeface="+mn-lt"/>
+                <a:ea typeface="+mn-ea"/>
+                <a:cs typeface="+mn-cs"/>
+              </a:defRPr>
+            </a:lvl4pPr>
+            <a:lvl5pPr marL="1828800" algn="l" defTabSz="914400" rtl="0" eaLnBrk="1" latinLnBrk="0" hangingPunct="1">
+              <a:defRPr sz="1800" kern="1200">
+                <a:solidFill>
+                  <a:schemeClr val="tx1"/>
+                </a:solidFill>
+                <a:latin typeface="+mn-lt"/>
+                <a:ea typeface="+mn-ea"/>
+                <a:cs typeface="+mn-cs"/>
+              </a:defRPr>
+            </a:lvl5pPr>
+            <a:lvl6pPr marL="2286000" algn="l" defTabSz="914400" rtl="0" eaLnBrk="1" latinLnBrk="0" hangingPunct="1">
+              <a:defRPr sz="1800" kern="1200">
+                <a:solidFill>
+                  <a:schemeClr val="tx1"/>
+                </a:solidFill>
+                <a:latin typeface="+mn-lt"/>
+                <a:ea typeface="+mn-ea"/>
+                <a:cs typeface="+mn-cs"/>
+              </a:defRPr>
+            </a:lvl6pPr>
+            <a:lvl7pPr marL="2743200" algn="l" defTabSz="914400" rtl="0" eaLnBrk="1" latinLnBrk="0" hangingPunct="1">
+              <a:defRPr sz="1800" kern="1200">
+                <a:solidFill>
+                  <a:schemeClr val="tx1"/>
+                </a:solidFill>
+                <a:latin typeface="+mn-lt"/>
+                <a:ea typeface="+mn-ea"/>
+                <a:cs typeface="+mn-cs"/>
+              </a:defRPr>
+            </a:lvl7pPr>
+            <a:lvl8pPr marL="3200400" algn="l" defTabSz="914400" rtl="0" eaLnBrk="1" latinLnBrk="0" hangingPunct="1">
+              <a:defRPr sz="1800" kern="1200">
+                <a:solidFill>
+                  <a:schemeClr val="tx1"/>
+                </a:solidFill>
+                <a:latin typeface="+mn-lt"/>
+                <a:ea typeface="+mn-ea"/>
+                <a:cs typeface="+mn-cs"/>
+              </a:defRPr>
+            </a:lvl8pPr>
+            <a:lvl9pPr marL="3657600" algn="l" defTabSz="914400" rtl="0" eaLnBrk="1" latinLnBrk="0" hangingPunct="1">
+              <a:defRPr sz="1800" kern="1200">
+                <a:solidFill>
+                  <a:schemeClr val="tx1"/>
+                </a:solidFill>
+                <a:latin typeface="+mn-lt"/>
+                <a:ea typeface="+mn-ea"/>
+                <a:cs typeface="+mn-cs"/>
+              </a:defRPr>
+            </a:lvl9pPr>
+          </a:lstStyle>
+          <a:p>
+            <a:r>
+              <a:rPr lang="pt-BR" sz="1600" b="1" dirty="0" smtClean="0">
+                <a:latin typeface="Verdana" panose="020B0604030504040204" pitchFamily="34" charset="0"/>
+                <a:ea typeface="Verdana" panose="020B0604030504040204" pitchFamily="34" charset="0"/>
+                <a:cs typeface="Verdana" panose="020B0604030504040204" pitchFamily="34" charset="0"/>
+              </a:rPr>
+              <a:t>Guilherme </a:t>
+            </a:r>
+            <a:r>
+              <a:rPr lang="pt-BR" sz="1600" b="1" dirty="0" err="1" smtClean="0">
+                <a:latin typeface="Verdana" panose="020B0604030504040204" pitchFamily="34" charset="0"/>
+                <a:ea typeface="Verdana" panose="020B0604030504040204" pitchFamily="34" charset="0"/>
+                <a:cs typeface="Verdana" panose="020B0604030504040204" pitchFamily="34" charset="0"/>
+              </a:rPr>
+              <a:t>Uezima</a:t>
+            </a:r>
+            <a:endParaRPr lang="pt-BR" sz="1600" b="1" dirty="0">
+              <a:latin typeface="Verdana" panose="020B0604030504040204" pitchFamily="34" charset="0"/>
+              <a:ea typeface="Verdana" panose="020B0604030504040204" pitchFamily="34" charset="0"/>
+              <a:cs typeface="Verdana" panose="020B0604030504040204" pitchFamily="34" charset="0"/>
+            </a:endParaRPr>
+          </a:p>
+        </p:txBody>
+      </p:sp>
+      <p:sp>
+        <p:nvSpPr>
+          <p:cNvPr id="18" name="CaixaDeTexto 20"/>
+          <p:cNvSpPr txBox="1"/>
+          <p:nvPr/>
+        </p:nvSpPr>
+        <p:spPr>
+          <a:xfrm>
+            <a:off x="2069489" y="1149690"/>
+            <a:ext cx="6418653" cy="738664"/>
+          </a:xfrm>
+          <a:prstGeom prst="rect">
+            <a:avLst/>
+          </a:prstGeom>
+          <a:noFill/>
+        </p:spPr>
+        <p:txBody>
+          <a:bodyPr wrap="square" rtlCol="0">
+            <a:spAutoFit/>
+          </a:bodyPr>
+          <a:lstStyle>
+            <a:defPPr>
+              <a:defRPr lang="pt-BR"/>
+            </a:defPPr>
+            <a:lvl1pPr marL="0" algn="l" defTabSz="914400" rtl="0" eaLnBrk="1" latinLnBrk="0" hangingPunct="1">
+              <a:defRPr sz="1800" kern="1200">
+                <a:solidFill>
+                  <a:schemeClr val="tx1"/>
+                </a:solidFill>
+                <a:latin typeface="+mn-lt"/>
+                <a:ea typeface="+mn-ea"/>
+                <a:cs typeface="+mn-cs"/>
+              </a:defRPr>
+            </a:lvl1pPr>
+            <a:lvl2pPr marL="457200" algn="l" defTabSz="914400" rtl="0" eaLnBrk="1" latinLnBrk="0" hangingPunct="1">
+              <a:defRPr sz="1800" kern="1200">
+                <a:solidFill>
+                  <a:schemeClr val="tx1"/>
+                </a:solidFill>
+                <a:latin typeface="+mn-lt"/>
+                <a:ea typeface="+mn-ea"/>
+                <a:cs typeface="+mn-cs"/>
+              </a:defRPr>
+            </a:lvl2pPr>
+            <a:lvl3pPr marL="914400" algn="l" defTabSz="914400" rtl="0" eaLnBrk="1" latinLnBrk="0" hangingPunct="1">
+              <a:defRPr sz="1800" kern="1200">
+                <a:solidFill>
+                  <a:schemeClr val="tx1"/>
+                </a:solidFill>
+                <a:latin typeface="+mn-lt"/>
+                <a:ea typeface="+mn-ea"/>
+                <a:cs typeface="+mn-cs"/>
+              </a:defRPr>
+            </a:lvl3pPr>
+            <a:lvl4pPr marL="1371600" algn="l" defTabSz="914400" rtl="0" eaLnBrk="1" latinLnBrk="0" hangingPunct="1">
+              <a:defRPr sz="1800" kern="1200">
+                <a:solidFill>
+                  <a:schemeClr val="tx1"/>
+                </a:solidFill>
+                <a:latin typeface="+mn-lt"/>
+                <a:ea typeface="+mn-ea"/>
+                <a:cs typeface="+mn-cs"/>
+              </a:defRPr>
+            </a:lvl4pPr>
+            <a:lvl5pPr marL="1828800" algn="l" defTabSz="914400" rtl="0" eaLnBrk="1" latinLnBrk="0" hangingPunct="1">
+              <a:defRPr sz="1800" kern="1200">
+                <a:solidFill>
+                  <a:schemeClr val="tx1"/>
+                </a:solidFill>
+                <a:latin typeface="+mn-lt"/>
+                <a:ea typeface="+mn-ea"/>
+                <a:cs typeface="+mn-cs"/>
+              </a:defRPr>
+            </a:lvl5pPr>
+            <a:lvl6pPr marL="2286000" algn="l" defTabSz="914400" rtl="0" eaLnBrk="1" latinLnBrk="0" hangingPunct="1">
+              <a:defRPr sz="1800" kern="1200">
+                <a:solidFill>
+                  <a:schemeClr val="tx1"/>
+                </a:solidFill>
+                <a:latin typeface="+mn-lt"/>
+                <a:ea typeface="+mn-ea"/>
+                <a:cs typeface="+mn-cs"/>
+              </a:defRPr>
+            </a:lvl6pPr>
+            <a:lvl7pPr marL="2743200" algn="l" defTabSz="914400" rtl="0" eaLnBrk="1" latinLnBrk="0" hangingPunct="1">
+              <a:defRPr sz="1800" kern="1200">
+                <a:solidFill>
+                  <a:schemeClr val="tx1"/>
+                </a:solidFill>
+                <a:latin typeface="+mn-lt"/>
+                <a:ea typeface="+mn-ea"/>
+                <a:cs typeface="+mn-cs"/>
+              </a:defRPr>
+            </a:lvl7pPr>
+            <a:lvl8pPr marL="3200400" algn="l" defTabSz="914400" rtl="0" eaLnBrk="1" latinLnBrk="0" hangingPunct="1">
+              <a:defRPr sz="1800" kern="1200">
+                <a:solidFill>
+                  <a:schemeClr val="tx1"/>
+                </a:solidFill>
+                <a:latin typeface="+mn-lt"/>
+                <a:ea typeface="+mn-ea"/>
+                <a:cs typeface="+mn-cs"/>
+              </a:defRPr>
+            </a:lvl8pPr>
+            <a:lvl9pPr marL="3657600" algn="l" defTabSz="914400" rtl="0" eaLnBrk="1" latinLnBrk="0" hangingPunct="1">
+              <a:defRPr sz="1800" kern="1200">
+                <a:solidFill>
+                  <a:schemeClr val="tx1"/>
+                </a:solidFill>
+                <a:latin typeface="+mn-lt"/>
+                <a:ea typeface="+mn-ea"/>
+                <a:cs typeface="+mn-cs"/>
+              </a:defRPr>
+            </a:lvl9pPr>
+          </a:lstStyle>
+          <a:p>
+            <a:pPr algn="just"/>
+            <a:r>
+              <a:rPr lang="pt-BR" sz="1400" b="1" dirty="0">
+                <a:latin typeface="Verdana" panose="020B0604030504040204" pitchFamily="34" charset="0"/>
+                <a:ea typeface="Verdana" panose="020B0604030504040204" pitchFamily="34" charset="0"/>
+                <a:cs typeface="Verdana" panose="020B0604030504040204" pitchFamily="34" charset="0"/>
+              </a:rPr>
+              <a:t>Sócio - Fundador</a:t>
+            </a:r>
+          </a:p>
+          <a:p>
+            <a:pPr algn="just"/>
+            <a:r>
+              <a:rPr lang="pt-BR" sz="1400" dirty="0" smtClean="0">
+                <a:latin typeface="Verdana" panose="020B0604030504040204" pitchFamily="34" charset="0"/>
+                <a:ea typeface="Verdana" panose="020B0604030504040204" pitchFamily="34" charset="0"/>
+                <a:cs typeface="Verdana" panose="020B0604030504040204" pitchFamily="34" charset="0"/>
+              </a:rPr>
+              <a:t>+ 55 11 9 7692-7785</a:t>
+            </a:r>
+          </a:p>
+          <a:p>
+            <a:pPr algn="just"/>
+            <a:r>
+              <a:rPr lang="pt-BR" sz="1400" dirty="0" smtClean="0">
+                <a:latin typeface="Verdana" panose="020B0604030504040204" pitchFamily="34" charset="0"/>
+                <a:ea typeface="Verdana" panose="020B0604030504040204" pitchFamily="34" charset="0"/>
+                <a:cs typeface="Verdana" panose="020B0604030504040204" pitchFamily="34" charset="0"/>
+              </a:rPr>
+              <a:t>guilherme@inopus.com.br</a:t>
+            </a:r>
+          </a:p>
+        </p:txBody>
+      </p:sp>
+    </p:spTree>
+    <p:extLst>
+      <p:ext uri="{BB962C8B-B14F-4D97-AF65-F5344CB8AC3E}">
+        <p14:creationId xmlns:p14="http://schemas.microsoft.com/office/powerpoint/2010/main" val="632716038"/>
+      </p:ext>
+    </p:extLst>
+  </p:cSld>
+  <p:clrMapOvr>
+    <a:masterClrMapping/>
+  </p:clrMapOvr>
+  <p:timing>
+    <p:tnLst>
+      <p:par>
+        <p:cTn id="1" dur="indefinite" restart="never" nodeType="tmRoot"/>
+      </p:par>
+    </p:tnLst>
+  </p:timing>
+</p:sld>
+</file>
+
+<file path=ppt/slides/slide25.xml><?xml version="1.0" encoding="utf-8"?>
 <p:sld xmlns:a="http://schemas.openxmlformats.org/drawingml/2006/main" xmlns:r="http://schemas.openxmlformats.org/officeDocument/2006/relationships" xmlns:p="http://schemas.openxmlformats.org/presentationml/2006/main">
   <p:cSld>
     <p:spTree>
@@ -7590,7 +9271,7 @@
             <a:fld id="{6E910924-8986-41F5-96BA-CFF3B927507F}" type="slidenum">
               <a:rPr lang="pt-BR" smtClean="0"/>
               <a:pPr/>
-              <a:t>20</a:t>
+              <a:t>25</a:t>
             </a:fld>
             <a:endParaRPr lang="pt-BR" dirty="0"/>
           </a:p>
@@ -7604,8 +9285,8 @@
         </p:nvSpPr>
         <p:spPr>
           <a:xfrm>
-            <a:off x="165657" y="1071715"/>
-            <a:ext cx="8798831" cy="923330"/>
+            <a:off x="165657" y="1052736"/>
+            <a:ext cx="8798831" cy="738664"/>
           </a:xfrm>
           <a:prstGeom prst="rect">
             <a:avLst/>
@@ -7619,30 +9300,287 @@
           <a:lstStyle/>
           <a:p>
             <a:pPr marL="285750" indent="-285750">
+              <a:spcAft>
+                <a:spcPts val="1200"/>
+              </a:spcAft>
               <a:buFont typeface="Arial" panose="020B0604020202020204" pitchFamily="34" charset="0"/>
               <a:buChar char="•"/>
             </a:pPr>
             <a:r>
-              <a:rPr lang="pt-BR" dirty="0"/>
+              <a:rPr lang="pt-BR" sz="1600" dirty="0">
+                <a:latin typeface="Verdana" panose="020B0604030504040204" pitchFamily="34" charset="0"/>
+                <a:ea typeface="Verdana" panose="020B0604030504040204" pitchFamily="34" charset="0"/>
+                <a:cs typeface="Verdana" panose="020B0604030504040204" pitchFamily="34" charset="0"/>
+              </a:rPr>
+              <a:t>https://</a:t>
+            </a:r>
+            <a:r>
+              <a:rPr lang="pt-BR" sz="1600" dirty="0" smtClean="0">
+                <a:latin typeface="Verdana" panose="020B0604030504040204" pitchFamily="34" charset="0"/>
+                <a:ea typeface="Verdana" panose="020B0604030504040204" pitchFamily="34" charset="0"/>
+                <a:cs typeface="Verdana" panose="020B0604030504040204" pitchFamily="34" charset="0"/>
+              </a:rPr>
+              <a:t>github.com/inopus/workshop-php-20160618</a:t>
+            </a:r>
+          </a:p>
+          <a:p>
+            <a:pPr marL="285750" indent="-285750">
+              <a:spcAft>
+                <a:spcPts val="1200"/>
+              </a:spcAft>
+              <a:buFont typeface="Arial" panose="020B0604020202020204" pitchFamily="34" charset="0"/>
+              <a:buChar char="•"/>
+            </a:pPr>
+            <a:r>
+              <a:rPr lang="pt-BR" sz="1600" dirty="0" smtClean="0">
+                <a:latin typeface="Verdana" panose="020B0604030504040204" pitchFamily="34" charset="0"/>
+                <a:ea typeface="Verdana" panose="020B0604030504040204" pitchFamily="34" charset="0"/>
+                <a:cs typeface="Verdana" panose="020B0604030504040204" pitchFamily="34" charset="0"/>
+              </a:rPr>
+              <a:t>https</a:t>
+            </a:r>
+            <a:r>
+              <a:rPr lang="pt-BR" sz="1600" dirty="0">
+                <a:latin typeface="Verdana" panose="020B0604030504040204" pitchFamily="34" charset="0"/>
+                <a:ea typeface="Verdana" panose="020B0604030504040204" pitchFamily="34" charset="0"/>
+                <a:cs typeface="Verdana" panose="020B0604030504040204" pitchFamily="34" charset="0"/>
+              </a:rPr>
+              <a:t>://github.com/inopus/workshop-php-20161022</a:t>
+            </a:r>
+            <a:endParaRPr lang="pt-BR" sz="1600" dirty="0">
+              <a:latin typeface="Verdana" panose="020B0604030504040204" pitchFamily="34" charset="0"/>
+              <a:ea typeface="Verdana" panose="020B0604030504040204" pitchFamily="34" charset="0"/>
+              <a:cs typeface="Verdana" panose="020B0604030504040204" pitchFamily="34" charset="0"/>
+            </a:endParaRPr>
+          </a:p>
+        </p:txBody>
+      </p:sp>
+      <p:sp>
+        <p:nvSpPr>
+          <p:cNvPr id="5" name="TextBox 4"/>
+          <p:cNvSpPr txBox="1"/>
+          <p:nvPr/>
+        </p:nvSpPr>
+        <p:spPr>
+          <a:xfrm>
+            <a:off x="165657" y="2060848"/>
+            <a:ext cx="8798831" cy="2985433"/>
+          </a:xfrm>
+          <a:prstGeom prst="rect">
+            <a:avLst/>
+          </a:prstGeom>
+          <a:noFill/>
+        </p:spPr>
+        <p:txBody>
+          <a:bodyPr wrap="square" rtlCol="0">
+            <a:spAutoFit/>
+          </a:bodyPr>
+          <a:lstStyle/>
+          <a:p>
+            <a:pPr marL="285750" indent="-285750">
+              <a:spcAft>
+                <a:spcPts val="1200"/>
+              </a:spcAft>
+              <a:buFont typeface="Arial" panose="020B0604020202020204" pitchFamily="34" charset="0"/>
+              <a:buChar char="•"/>
+            </a:pPr>
+            <a:r>
+              <a:rPr lang="pt-BR" sz="1600" dirty="0">
+                <a:latin typeface="Verdana" panose="020B0604030504040204" pitchFamily="34" charset="0"/>
+                <a:ea typeface="Verdana" panose="020B0604030504040204" pitchFamily="34" charset="0"/>
+                <a:cs typeface="Verdana" panose="020B0604030504040204" pitchFamily="34" charset="0"/>
+              </a:rPr>
               <a:t>http://inventwithpython.com/blog/2014/12/02/why-is-object-oriented-programming-useful-with-an-role-playing-game-example</a:t>
             </a:r>
             <a:r>
-              <a:rPr lang="pt-BR" dirty="0" smtClean="0"/>
+              <a:rPr lang="pt-BR" sz="1600" dirty="0" smtClean="0">
+                <a:latin typeface="Verdana" panose="020B0604030504040204" pitchFamily="34" charset="0"/>
+                <a:ea typeface="Verdana" panose="020B0604030504040204" pitchFamily="34" charset="0"/>
+                <a:cs typeface="Verdana" panose="020B0604030504040204" pitchFamily="34" charset="0"/>
+              </a:rPr>
               <a:t>/</a:t>
             </a:r>
           </a:p>
           <a:p>
             <a:pPr marL="285750" indent="-285750">
+              <a:spcAft>
+                <a:spcPts val="1200"/>
+              </a:spcAft>
               <a:buFont typeface="Arial" panose="020B0604020202020204" pitchFamily="34" charset="0"/>
               <a:buChar char="•"/>
             </a:pPr>
             <a:r>
-              <a:rPr lang="pt-BR" dirty="0"/>
-              <a:t>https://en.wikipedia.org/wiki/Object_(computer_science)</a:t>
+              <a:rPr lang="pt-BR" sz="1600" dirty="0">
+                <a:latin typeface="Verdana" panose="020B0604030504040204" pitchFamily="34" charset="0"/>
+                <a:ea typeface="Verdana" panose="020B0604030504040204" pitchFamily="34" charset="0"/>
+                <a:cs typeface="Verdana" panose="020B0604030504040204" pitchFamily="34" charset="0"/>
+              </a:rPr>
+              <a:t>https://en.wikipedia.org/wiki/Object_(computer_science</a:t>
+            </a:r>
+            <a:r>
+              <a:rPr lang="pt-BR" sz="1600" dirty="0" smtClean="0">
+                <a:latin typeface="Verdana" panose="020B0604030504040204" pitchFamily="34" charset="0"/>
+                <a:ea typeface="Verdana" panose="020B0604030504040204" pitchFamily="34" charset="0"/>
+                <a:cs typeface="Verdana" panose="020B0604030504040204" pitchFamily="34" charset="0"/>
+              </a:rPr>
+              <a:t>)</a:t>
+            </a:r>
+          </a:p>
+          <a:p>
+            <a:pPr marL="285750" indent="-285750">
+              <a:spcAft>
+                <a:spcPts val="1200"/>
+              </a:spcAft>
+              <a:buFont typeface="Arial" panose="020B0604020202020204" pitchFamily="34" charset="0"/>
+              <a:buChar char="•"/>
+            </a:pPr>
+            <a:r>
+              <a:rPr lang="pt-BR" sz="1600" dirty="0">
+                <a:latin typeface="Verdana" panose="020B0604030504040204" pitchFamily="34" charset="0"/>
+                <a:ea typeface="Verdana" panose="020B0604030504040204" pitchFamily="34" charset="0"/>
+                <a:cs typeface="Verdana" panose="020B0604030504040204" pitchFamily="34" charset="0"/>
+              </a:rPr>
+              <a:t>https://</a:t>
+            </a:r>
+            <a:r>
+              <a:rPr lang="pt-BR" sz="1600" dirty="0" smtClean="0">
+                <a:latin typeface="Verdana" panose="020B0604030504040204" pitchFamily="34" charset="0"/>
+                <a:ea typeface="Verdana" panose="020B0604030504040204" pitchFamily="34" charset="0"/>
+                <a:cs typeface="Verdana" panose="020B0604030504040204" pitchFamily="34" charset="0"/>
+              </a:rPr>
+              <a:t>www.apachefriends.org/index.html</a:t>
+            </a:r>
+          </a:p>
+          <a:p>
+            <a:pPr marL="285750" indent="-285750">
+              <a:spcAft>
+                <a:spcPts val="1200"/>
+              </a:spcAft>
+              <a:buFont typeface="Arial" panose="020B0604020202020204" pitchFamily="34" charset="0"/>
+              <a:buChar char="•"/>
+            </a:pPr>
+            <a:r>
+              <a:rPr lang="pt-BR" sz="1600" dirty="0">
+                <a:latin typeface="Verdana" panose="020B0604030504040204" pitchFamily="34" charset="0"/>
+                <a:ea typeface="Verdana" panose="020B0604030504040204" pitchFamily="34" charset="0"/>
+                <a:cs typeface="Verdana" panose="020B0604030504040204" pitchFamily="34" charset="0"/>
+              </a:rPr>
+              <a:t>http://</a:t>
+            </a:r>
+            <a:r>
+              <a:rPr lang="pt-BR" sz="1600" dirty="0" smtClean="0">
+                <a:latin typeface="Verdana" panose="020B0604030504040204" pitchFamily="34" charset="0"/>
+                <a:ea typeface="Verdana" panose="020B0604030504040204" pitchFamily="34" charset="0"/>
+                <a:cs typeface="Verdana" panose="020B0604030504040204" pitchFamily="34" charset="0"/>
+              </a:rPr>
+              <a:t>php.net/manual/en/language.oop5.php</a:t>
+            </a:r>
+          </a:p>
+          <a:p>
+            <a:pPr marL="285750" indent="-285750">
+              <a:spcAft>
+                <a:spcPts val="1200"/>
+              </a:spcAft>
+              <a:buFont typeface="Arial" panose="020B0604020202020204" pitchFamily="34" charset="0"/>
+              <a:buChar char="•"/>
+            </a:pPr>
+            <a:r>
+              <a:rPr lang="pt-BR" sz="1600" dirty="0">
+                <a:latin typeface="Verdana" panose="020B0604030504040204" pitchFamily="34" charset="0"/>
+                <a:ea typeface="Verdana" panose="020B0604030504040204" pitchFamily="34" charset="0"/>
+                <a:cs typeface="Verdana" panose="020B0604030504040204" pitchFamily="34" charset="0"/>
+              </a:rPr>
+              <a:t>http://</a:t>
+            </a:r>
+            <a:r>
+              <a:rPr lang="pt-BR" sz="1600" dirty="0" smtClean="0">
+                <a:latin typeface="Verdana" panose="020B0604030504040204" pitchFamily="34" charset="0"/>
+                <a:ea typeface="Verdana" panose="020B0604030504040204" pitchFamily="34" charset="0"/>
+                <a:cs typeface="Verdana" panose="020B0604030504040204" pitchFamily="34" charset="0"/>
+              </a:rPr>
+              <a:t>php.net/manual/en/function.time.php</a:t>
+            </a:r>
+          </a:p>
+          <a:p>
+            <a:pPr marL="285750" indent="-285750">
+              <a:spcAft>
+                <a:spcPts val="1200"/>
+              </a:spcAft>
+              <a:buFont typeface="Arial" panose="020B0604020202020204" pitchFamily="34" charset="0"/>
+              <a:buChar char="•"/>
+            </a:pPr>
+            <a:r>
+              <a:rPr lang="pt-BR" sz="1600" dirty="0">
+                <a:latin typeface="Verdana" panose="020B0604030504040204" pitchFamily="34" charset="0"/>
+                <a:ea typeface="Verdana" panose="020B0604030504040204" pitchFamily="34" charset="0"/>
+                <a:cs typeface="Verdana" panose="020B0604030504040204" pitchFamily="34" charset="0"/>
+              </a:rPr>
+              <a:t>http://</a:t>
+            </a:r>
+            <a:r>
+              <a:rPr lang="pt-BR" sz="1600" dirty="0" smtClean="0">
+                <a:latin typeface="Verdana" panose="020B0604030504040204" pitchFamily="34" charset="0"/>
+                <a:ea typeface="Verdana" panose="020B0604030504040204" pitchFamily="34" charset="0"/>
+                <a:cs typeface="Verdana" panose="020B0604030504040204" pitchFamily="34" charset="0"/>
+              </a:rPr>
+              <a:t>php.net/manual/en/function.strtotime.php</a:t>
+            </a:r>
+          </a:p>
+          <a:p>
+            <a:pPr marL="285750" indent="-285750">
+              <a:spcAft>
+                <a:spcPts val="1200"/>
+              </a:spcAft>
+              <a:buFont typeface="Arial" panose="020B0604020202020204" pitchFamily="34" charset="0"/>
+              <a:buChar char="•"/>
+            </a:pPr>
+            <a:r>
+              <a:rPr lang="pt-BR" sz="1600" dirty="0">
+                <a:latin typeface="Verdana" panose="020B0604030504040204" pitchFamily="34" charset="0"/>
+                <a:ea typeface="Verdana" panose="020B0604030504040204" pitchFamily="34" charset="0"/>
+                <a:cs typeface="Verdana" panose="020B0604030504040204" pitchFamily="34" charset="0"/>
+              </a:rPr>
+              <a:t>http://php.net/manual/en/book.pdo.php</a:t>
             </a:r>
           </a:p>
         </p:txBody>
       </p:sp>
+      <p:cxnSp>
+        <p:nvCxnSpPr>
+          <p:cNvPr id="6" name="Straight Connector 22"/>
+          <p:cNvCxnSpPr/>
+          <p:nvPr/>
+        </p:nvCxnSpPr>
+        <p:spPr>
+          <a:xfrm>
+            <a:off x="254253" y="1957776"/>
+            <a:ext cx="8568000" cy="0"/>
+          </a:xfrm>
+          <a:prstGeom prst="line">
+            <a:avLst/>
+          </a:prstGeom>
+          <a:ln w="12700">
+            <a:solidFill>
+              <a:srgbClr val="FB8C00"/>
+            </a:solidFill>
+            <a:prstDash val="dash"/>
+          </a:ln>
+        </p:spPr>
+        <p:style>
+          <a:lnRef idx="1">
+            <a:schemeClr val="accent1"/>
+          </a:lnRef>
+          <a:fillRef idx="0">
+            <a:schemeClr val="accent1"/>
+          </a:fillRef>
+          <a:effectRef idx="0">
+            <a:schemeClr val="accent1"/>
+          </a:effectRef>
+          <a:fontRef idx="minor">
+            <a:schemeClr val="tx1"/>
+          </a:fontRef>
+        </p:style>
+      </p:cxnSp>
     </p:spTree>
     <p:extLst>
       <p:ext uri="{BB962C8B-B14F-4D97-AF65-F5344CB8AC3E}">
@@ -7863,8 +9801,47 @@
                   <a:ea typeface="Verdana" panose="020B0604030504040204" pitchFamily="34" charset="0"/>
                   <a:cs typeface="Verdana" panose="020B0604030504040204" pitchFamily="34" charset="0"/>
                 </a:rPr>
+                <a:t>Qual o seu </a:t>
+              </a:r>
+              <a:r>
+                <a:rPr lang="pt-BR" sz="1600" b="1" dirty="0" smtClean="0">
+                  <a:solidFill>
+                    <a:schemeClr val="tx1">
+                      <a:lumMod val="85000"/>
+                      <a:lumOff val="15000"/>
+                    </a:schemeClr>
+                  </a:solidFill>
+                  <a:latin typeface="Verdana" panose="020B0604030504040204" pitchFamily="34" charset="0"/>
+                  <a:ea typeface="Verdana" panose="020B0604030504040204" pitchFamily="34" charset="0"/>
+                  <a:cs typeface="Verdana" panose="020B0604030504040204" pitchFamily="34" charset="0"/>
+                </a:rPr>
                 <a:t>Nome</a:t>
               </a:r>
+              <a:r>
+                <a:rPr lang="pt-BR" sz="1600" dirty="0" smtClean="0">
+                  <a:solidFill>
+                    <a:schemeClr val="tx1">
+                      <a:lumMod val="85000"/>
+                      <a:lumOff val="15000"/>
+                    </a:schemeClr>
+                  </a:solidFill>
+                  <a:latin typeface="Verdana" panose="020B0604030504040204" pitchFamily="34" charset="0"/>
+                  <a:ea typeface="Verdana" panose="020B0604030504040204" pitchFamily="34" charset="0"/>
+                  <a:cs typeface="Verdana" panose="020B0604030504040204" pitchFamily="34" charset="0"/>
+                </a:rPr>
+                <a:t>?</a:t>
+              </a:r>
+              <a:endParaRPr lang="pt-BR" sz="1600" dirty="0" smtClean="0">
+                <a:solidFill>
+                  <a:schemeClr val="tx1">
+                    <a:lumMod val="85000"/>
+                    <a:lumOff val="15000"/>
+                  </a:schemeClr>
+                </a:solidFill>
+                <a:latin typeface="Verdana" panose="020B0604030504040204" pitchFamily="34" charset="0"/>
+                <a:ea typeface="Verdana" panose="020B0604030504040204" pitchFamily="34" charset="0"/>
+                <a:cs typeface="Verdana" panose="020B0604030504040204" pitchFamily="34" charset="0"/>
+              </a:endParaRPr>
             </a:p>
             <a:p>
               <a:pPr marL="342900" indent="-342900">
@@ -7900,7 +9877,63 @@
                   <a:ea typeface="Verdana" panose="020B0604030504040204" pitchFamily="34" charset="0"/>
                   <a:cs typeface="Verdana" panose="020B0604030504040204" pitchFamily="34" charset="0"/>
                 </a:rPr>
-                <a:t>O que faz da vida</a:t>
+                <a:t>O que </a:t>
+              </a:r>
+              <a:r>
+                <a:rPr lang="pt-BR" sz="1600" b="1" dirty="0" smtClean="0">
+                  <a:solidFill>
+                    <a:schemeClr val="tx1">
+                      <a:lumMod val="85000"/>
+                      <a:lumOff val="15000"/>
+                    </a:schemeClr>
+                  </a:solidFill>
+                  <a:latin typeface="Verdana" panose="020B0604030504040204" pitchFamily="34" charset="0"/>
+                  <a:ea typeface="Verdana" panose="020B0604030504040204" pitchFamily="34" charset="0"/>
+                  <a:cs typeface="Verdana" panose="020B0604030504040204" pitchFamily="34" charset="0"/>
+                </a:rPr>
+                <a:t>faz</a:t>
+              </a:r>
+              <a:r>
+                <a:rPr lang="pt-BR" sz="1600" dirty="0" smtClean="0">
+                  <a:solidFill>
+                    <a:schemeClr val="tx1">
+                      <a:lumMod val="85000"/>
+                      <a:lumOff val="15000"/>
+                    </a:schemeClr>
+                  </a:solidFill>
+                  <a:latin typeface="Verdana" panose="020B0604030504040204" pitchFamily="34" charset="0"/>
+                  <a:ea typeface="Verdana" panose="020B0604030504040204" pitchFamily="34" charset="0"/>
+                  <a:cs typeface="Verdana" panose="020B0604030504040204" pitchFamily="34" charset="0"/>
+                </a:rPr>
+                <a:t> da </a:t>
+              </a:r>
+              <a:r>
+                <a:rPr lang="pt-BR" sz="1600" b="1" dirty="0" smtClean="0">
+                  <a:solidFill>
+                    <a:schemeClr val="tx1">
+                      <a:lumMod val="85000"/>
+                      <a:lumOff val="15000"/>
+                    </a:schemeClr>
+                  </a:solidFill>
+                  <a:latin typeface="Verdana" panose="020B0604030504040204" pitchFamily="34" charset="0"/>
+                  <a:ea typeface="Verdana" panose="020B0604030504040204" pitchFamily="34" charset="0"/>
+                  <a:cs typeface="Verdana" panose="020B0604030504040204" pitchFamily="34" charset="0"/>
+                </a:rPr>
+                <a:t>vida</a:t>
+              </a:r>
+              <a:r>
+                <a:rPr lang="pt-BR" sz="1600" dirty="0" smtClean="0">
+                  <a:solidFill>
+                    <a:schemeClr val="tx1">
+                      <a:lumMod val="85000"/>
+                      <a:lumOff val="15000"/>
+                    </a:schemeClr>
+                  </a:solidFill>
+                  <a:latin typeface="Verdana" panose="020B0604030504040204" pitchFamily="34" charset="0"/>
+                  <a:ea typeface="Verdana" panose="020B0604030504040204" pitchFamily="34" charset="0"/>
+                  <a:cs typeface="Verdana" panose="020B0604030504040204" pitchFamily="34" charset="0"/>
+                </a:rPr>
+                <a:t>?</a:t>
               </a:r>
               <a:endParaRPr lang="pt-BR" sz="1600" dirty="0">
                 <a:solidFill>
@@ -7936,6 +9969,48 @@
                 <a:buFont typeface="+mj-lt"/>
                 <a:buAutoNum type="arabicPeriod"/>
               </a:pPr>
+              <a:r>
+                <a:rPr lang="pt-BR" sz="1600" dirty="0" smtClean="0">
+                  <a:solidFill>
+                    <a:schemeClr val="tx1">
+                      <a:lumMod val="85000"/>
+                      <a:lumOff val="15000"/>
+                    </a:schemeClr>
+                  </a:solidFill>
+                  <a:latin typeface="Verdana" panose="020B0604030504040204" pitchFamily="34" charset="0"/>
+                  <a:ea typeface="Verdana" panose="020B0604030504040204" pitchFamily="34" charset="0"/>
+                  <a:cs typeface="Verdana" panose="020B0604030504040204" pitchFamily="34" charset="0"/>
+                </a:rPr>
+                <a:t>Qual a sua </a:t>
+              </a:r>
+              <a:r>
+                <a:rPr lang="pt-BR" sz="1600" b="1" dirty="0" smtClean="0">
+                  <a:solidFill>
+                    <a:schemeClr val="tx1">
+                      <a:lumMod val="85000"/>
+                      <a:lumOff val="15000"/>
+                    </a:schemeClr>
+                  </a:solidFill>
+                  <a:latin typeface="Verdana" panose="020B0604030504040204" pitchFamily="34" charset="0"/>
+                  <a:ea typeface="Verdana" panose="020B0604030504040204" pitchFamily="34" charset="0"/>
+                  <a:cs typeface="Verdana" panose="020B0604030504040204" pitchFamily="34" charset="0"/>
+                </a:rPr>
+                <a:t>experiência</a:t>
+              </a:r>
+              <a:r>
+                <a:rPr lang="pt-BR" sz="1600" dirty="0" smtClean="0">
+                  <a:solidFill>
+                    <a:schemeClr val="tx1">
+                      <a:lumMod val="85000"/>
+                      <a:lumOff val="15000"/>
+                    </a:schemeClr>
+                  </a:solidFill>
+                  <a:latin typeface="Verdana" panose="020B0604030504040204" pitchFamily="34" charset="0"/>
+                  <a:ea typeface="Verdana" panose="020B0604030504040204" pitchFamily="34" charset="0"/>
+                  <a:cs typeface="Verdana" panose="020B0604030504040204" pitchFamily="34" charset="0"/>
+                </a:rPr>
+                <a:t> </a:t>
+              </a:r>
               <a:r>
                 <a:rPr lang="pt-BR" sz="1600" dirty="0">
                   <a:solidFill>
@@ -7948,14 +10023,36 @@
                   <a:ea typeface="Verdana" panose="020B0604030504040204" pitchFamily="34" charset="0"/>
                   <a:cs typeface="Verdana" panose="020B0604030504040204" pitchFamily="34" charset="0"/>
                 </a:rPr>
-                <a:t>Experiência com Web</a:t>
+                <a:t>com </a:t>
               </a:r>
-            </a:p>
-            <a:p>
-              <a:pPr marL="342900" indent="-342900">
-                <a:buFont typeface="+mj-lt"/>
-                <a:buAutoNum type="arabicPeriod"/>
-              </a:pPr>
+              <a:r>
+                <a:rPr lang="pt-BR" sz="1600" b="1" dirty="0" smtClean="0">
+                  <a:solidFill>
+                    <a:schemeClr val="tx1">
+                      <a:lumMod val="85000"/>
+                      <a:lumOff val="15000"/>
+                    </a:schemeClr>
+                  </a:solidFill>
+                  <a:latin typeface="Verdana" panose="020B0604030504040204" pitchFamily="34" charset="0"/>
+                  <a:ea typeface="Verdana" panose="020B0604030504040204" pitchFamily="34" charset="0"/>
+                  <a:cs typeface="Verdana" panose="020B0604030504040204" pitchFamily="34" charset="0"/>
+                </a:rPr>
+                <a:t>Web</a:t>
+              </a:r>
+              <a:r>
+                <a:rPr lang="pt-BR" sz="1600" dirty="0" smtClean="0">
+                  <a:solidFill>
+                    <a:schemeClr val="tx1">
+                      <a:lumMod val="85000"/>
+                      <a:lumOff val="15000"/>
+                    </a:schemeClr>
+                  </a:solidFill>
+                  <a:latin typeface="Verdana" panose="020B0604030504040204" pitchFamily="34" charset="0"/>
+                  <a:ea typeface="Verdana" panose="020B0604030504040204" pitchFamily="34" charset="0"/>
+                  <a:cs typeface="Verdana" panose="020B0604030504040204" pitchFamily="34" charset="0"/>
+                </a:rPr>
+                <a:t>?</a:t>
+              </a:r>
               <a:endParaRPr lang="pt-BR" sz="1600" dirty="0">
                 <a:solidFill>
                   <a:schemeClr val="tx1">
@@ -7973,6 +10070,65 @@
                 <a:buFont typeface="+mj-lt"/>
                 <a:buAutoNum type="arabicPeriod"/>
               </a:pPr>
+              <a:endParaRPr lang="pt-BR" sz="1600" dirty="0">
+                <a:solidFill>
+                  <a:schemeClr val="tx1">
+                    <a:lumMod val="85000"/>
+                    <a:lumOff val="15000"/>
+                  </a:schemeClr>
+                </a:solidFill>
+                <a:latin typeface="Verdana" panose="020B0604030504040204" pitchFamily="34" charset="0"/>
+                <a:ea typeface="Verdana" panose="020B0604030504040204" pitchFamily="34" charset="0"/>
+                <a:cs typeface="Verdana" panose="020B0604030504040204" pitchFamily="34" charset="0"/>
+              </a:endParaRPr>
+            </a:p>
+            <a:p>
+              <a:pPr marL="342900" indent="-342900">
+                <a:buFont typeface="+mj-lt"/>
+                <a:buAutoNum type="arabicPeriod"/>
+              </a:pPr>
+              <a:r>
+                <a:rPr lang="pt-BR" sz="1600" dirty="0" smtClean="0">
+                  <a:solidFill>
+                    <a:schemeClr val="tx1">
+                      <a:lumMod val="85000"/>
+                      <a:lumOff val="15000"/>
+                    </a:schemeClr>
+                  </a:solidFill>
+                  <a:latin typeface="Verdana" panose="020B0604030504040204" pitchFamily="34" charset="0"/>
+                  <a:ea typeface="Verdana" panose="020B0604030504040204" pitchFamily="34" charset="0"/>
+                  <a:cs typeface="Verdana" panose="020B0604030504040204" pitchFamily="34" charset="0"/>
+                </a:rPr>
+                <a:t>Qual a sua </a:t>
+              </a:r>
+              <a:r>
+                <a:rPr lang="pt-BR" sz="1600" b="1" dirty="0" smtClean="0">
+                  <a:solidFill>
+                    <a:schemeClr val="tx1">
+                      <a:lumMod val="85000"/>
+                      <a:lumOff val="15000"/>
+                    </a:schemeClr>
+                  </a:solidFill>
+                  <a:latin typeface="Verdana" panose="020B0604030504040204" pitchFamily="34" charset="0"/>
+                  <a:ea typeface="Verdana" panose="020B0604030504040204" pitchFamily="34" charset="0"/>
+                  <a:cs typeface="Verdana" panose="020B0604030504040204" pitchFamily="34" charset="0"/>
+                </a:rPr>
+                <a:t>experiência</a:t>
+              </a:r>
+              <a:r>
+                <a:rPr lang="pt-BR" sz="1600" dirty="0" smtClean="0">
+                  <a:solidFill>
+                    <a:schemeClr val="tx1">
+                      <a:lumMod val="85000"/>
+                      <a:lumOff val="15000"/>
+                    </a:schemeClr>
+                  </a:solidFill>
+                  <a:latin typeface="Verdana" panose="020B0604030504040204" pitchFamily="34" charset="0"/>
+                  <a:ea typeface="Verdana" panose="020B0604030504040204" pitchFamily="34" charset="0"/>
+                  <a:cs typeface="Verdana" panose="020B0604030504040204" pitchFamily="34" charset="0"/>
+                </a:rPr>
+                <a:t> </a:t>
+              </a:r>
               <a:r>
                 <a:rPr lang="pt-BR" sz="1600" dirty="0">
                   <a:solidFill>
@@ -7985,8 +10141,112 @@
                   <a:ea typeface="Verdana" panose="020B0604030504040204" pitchFamily="34" charset="0"/>
                   <a:cs typeface="Verdana" panose="020B0604030504040204" pitchFamily="34" charset="0"/>
                 </a:rPr>
-                <a:t>Experiência com PHP</a:t>
+                <a:t>com </a:t>
               </a:r>
+              <a:r>
+                <a:rPr lang="pt-BR" sz="1600" b="1" dirty="0" smtClean="0">
+                  <a:solidFill>
+                    <a:schemeClr val="tx1">
+                      <a:lumMod val="85000"/>
+                      <a:lumOff val="15000"/>
+                    </a:schemeClr>
+                  </a:solidFill>
+                  <a:latin typeface="Verdana" panose="020B0604030504040204" pitchFamily="34" charset="0"/>
+                  <a:ea typeface="Verdana" panose="020B0604030504040204" pitchFamily="34" charset="0"/>
+                  <a:cs typeface="Verdana" panose="020B0604030504040204" pitchFamily="34" charset="0"/>
+                </a:rPr>
+                <a:t>PHP</a:t>
+              </a:r>
+              <a:r>
+                <a:rPr lang="pt-BR" sz="1600" dirty="0" smtClean="0">
+                  <a:solidFill>
+                    <a:schemeClr val="tx1">
+                      <a:lumMod val="85000"/>
+                      <a:lumOff val="15000"/>
+                    </a:schemeClr>
+                  </a:solidFill>
+                  <a:latin typeface="Verdana" panose="020B0604030504040204" pitchFamily="34" charset="0"/>
+                  <a:ea typeface="Verdana" panose="020B0604030504040204" pitchFamily="34" charset="0"/>
+                  <a:cs typeface="Verdana" panose="020B0604030504040204" pitchFamily="34" charset="0"/>
+                </a:rPr>
+                <a:t>?</a:t>
+              </a:r>
+            </a:p>
+            <a:p>
+              <a:pPr marL="342900" indent="-342900">
+                <a:buFont typeface="+mj-lt"/>
+                <a:buAutoNum type="arabicPeriod"/>
+              </a:pPr>
+              <a:endParaRPr lang="pt-BR" sz="1600" dirty="0" smtClean="0">
+                <a:solidFill>
+                  <a:schemeClr val="tx1">
+                    <a:lumMod val="85000"/>
+                    <a:lumOff val="15000"/>
+                  </a:schemeClr>
+                </a:solidFill>
+                <a:latin typeface="Verdana" panose="020B0604030504040204" pitchFamily="34" charset="0"/>
+                <a:ea typeface="Verdana" panose="020B0604030504040204" pitchFamily="34" charset="0"/>
+                <a:cs typeface="Verdana" panose="020B0604030504040204" pitchFamily="34" charset="0"/>
+              </a:endParaRPr>
+            </a:p>
+            <a:p>
+              <a:pPr marL="342900" indent="-342900">
+                <a:buFont typeface="+mj-lt"/>
+                <a:buAutoNum type="arabicPeriod"/>
+              </a:pPr>
+              <a:r>
+                <a:rPr lang="pt-BR" sz="1600" dirty="0" smtClean="0">
+                  <a:solidFill>
+                    <a:schemeClr val="tx1">
+                      <a:lumMod val="85000"/>
+                      <a:lumOff val="15000"/>
+                    </a:schemeClr>
+                  </a:solidFill>
+                  <a:latin typeface="Verdana" panose="020B0604030504040204" pitchFamily="34" charset="0"/>
+                  <a:ea typeface="Verdana" panose="020B0604030504040204" pitchFamily="34" charset="0"/>
+                  <a:cs typeface="Verdana" panose="020B0604030504040204" pitchFamily="34" charset="0"/>
+                </a:rPr>
+                <a:t>Participou do </a:t>
+              </a:r>
+              <a:r>
+                <a:rPr lang="pt-BR" sz="1600" b="1" dirty="0" smtClean="0">
+                  <a:solidFill>
+                    <a:schemeClr val="tx1">
+                      <a:lumMod val="85000"/>
+                      <a:lumOff val="15000"/>
+                    </a:schemeClr>
+                  </a:solidFill>
+                  <a:latin typeface="Verdana" panose="020B0604030504040204" pitchFamily="34" charset="0"/>
+                  <a:ea typeface="Verdana" panose="020B0604030504040204" pitchFamily="34" charset="0"/>
+                  <a:cs typeface="Verdana" panose="020B0604030504040204" pitchFamily="34" charset="0"/>
+                </a:rPr>
+                <a:t>primeiro Workshop</a:t>
+              </a:r>
+              <a:r>
+                <a:rPr lang="pt-BR" sz="1600" dirty="0" smtClean="0">
+                  <a:solidFill>
+                    <a:schemeClr val="tx1">
+                      <a:lumMod val="85000"/>
+                      <a:lumOff val="15000"/>
+                    </a:schemeClr>
+                  </a:solidFill>
+                  <a:latin typeface="Verdana" panose="020B0604030504040204" pitchFamily="34" charset="0"/>
+                  <a:ea typeface="Verdana" panose="020B0604030504040204" pitchFamily="34" charset="0"/>
+                  <a:cs typeface="Verdana" panose="020B0604030504040204" pitchFamily="34" charset="0"/>
+                </a:rPr>
+                <a:t> de PHP?</a:t>
+              </a:r>
+              <a:endParaRPr lang="pt-BR" sz="1600" dirty="0">
+                <a:solidFill>
+                  <a:schemeClr val="tx1">
+                    <a:lumMod val="85000"/>
+                    <a:lumOff val="15000"/>
+                  </a:schemeClr>
+                </a:solidFill>
+                <a:latin typeface="Verdana" panose="020B0604030504040204" pitchFamily="34" charset="0"/>
+                <a:ea typeface="Verdana" panose="020B0604030504040204" pitchFamily="34" charset="0"/>
+                <a:cs typeface="Verdana" panose="020B0604030504040204" pitchFamily="34" charset="0"/>
+              </a:endParaRPr>
             </a:p>
             <a:p>
               <a:pPr marL="342900" indent="-342900">
@@ -8036,7 +10296,49 @@
                   <a:ea typeface="Verdana" panose="020B0604030504040204" pitchFamily="34" charset="0"/>
                   <a:cs typeface="Verdana" panose="020B0604030504040204" pitchFamily="34" charset="0"/>
                 </a:rPr>
-                <a:t>espera desse Workshop</a:t>
+                <a:t>espera </a:t>
+              </a:r>
+              <a:r>
+                <a:rPr lang="pt-BR" sz="1600" b="1" dirty="0" smtClean="0">
+                  <a:solidFill>
+                    <a:schemeClr val="tx1">
+                      <a:lumMod val="85000"/>
+                      <a:lumOff val="15000"/>
+                    </a:schemeClr>
+                  </a:solidFill>
+                  <a:latin typeface="Verdana" panose="020B0604030504040204" pitchFamily="34" charset="0"/>
+                  <a:ea typeface="Verdana" panose="020B0604030504040204" pitchFamily="34" charset="0"/>
+                  <a:cs typeface="Verdana" panose="020B0604030504040204" pitchFamily="34" charset="0"/>
+                </a:rPr>
+                <a:t>desse </a:t>
+              </a:r>
+              <a:r>
+                <a:rPr lang="pt-BR" sz="1600" b="1" dirty="0" smtClean="0">
+                  <a:solidFill>
+                    <a:schemeClr val="tx1">
+                      <a:lumMod val="85000"/>
+                      <a:lumOff val="15000"/>
+                    </a:schemeClr>
+                  </a:solidFill>
+                  <a:latin typeface="Verdana" panose="020B0604030504040204" pitchFamily="34" charset="0"/>
+                  <a:ea typeface="Verdana" panose="020B0604030504040204" pitchFamily="34" charset="0"/>
+                  <a:cs typeface="Verdana" panose="020B0604030504040204" pitchFamily="34" charset="0"/>
+                </a:rPr>
+                <a:t>Workshop</a:t>
+              </a:r>
+              <a:r>
+                <a:rPr lang="pt-BR" sz="1600" dirty="0" smtClean="0">
+                  <a:solidFill>
+                    <a:schemeClr val="tx1">
+                      <a:lumMod val="85000"/>
+                      <a:lumOff val="15000"/>
+                    </a:schemeClr>
+                  </a:solidFill>
+                  <a:latin typeface="Verdana" panose="020B0604030504040204" pitchFamily="34" charset="0"/>
+                  <a:ea typeface="Verdana" panose="020B0604030504040204" pitchFamily="34" charset="0"/>
+                  <a:cs typeface="Verdana" panose="020B0604030504040204" pitchFamily="34" charset="0"/>
+                </a:rPr>
+                <a:t>?</a:t>
               </a:r>
               <a:endParaRPr lang="pt-BR" sz="1600" dirty="0">
                 <a:solidFill>
@@ -8102,7 +10404,23 @@
                   <a:ea typeface="Verdana" panose="020B0604030504040204" pitchFamily="34" charset="0"/>
                   <a:cs typeface="Verdana" panose="020B0604030504040204" pitchFamily="34" charset="0"/>
                 </a:rPr>
-                <a:t>Contem um pouco sobre vocês!</a:t>
+                <a:t>Contem </a:t>
+              </a:r>
+              <a:r>
+                <a:rPr lang="pt-BR" b="1" dirty="0" smtClean="0">
+                  <a:latin typeface="Verdana" panose="020B0604030504040204" pitchFamily="34" charset="0"/>
+                  <a:ea typeface="Verdana" panose="020B0604030504040204" pitchFamily="34" charset="0"/>
+                  <a:cs typeface="Verdana" panose="020B0604030504040204" pitchFamily="34" charset="0"/>
+                </a:rPr>
+                <a:t>um pouco sobre </a:t>
+              </a:r>
+              <a:r>
+                <a:rPr lang="pt-BR" b="1" dirty="0" smtClean="0">
+                  <a:latin typeface="Verdana" panose="020B0604030504040204" pitchFamily="34" charset="0"/>
+                  <a:ea typeface="Verdana" panose="020B0604030504040204" pitchFamily="34" charset="0"/>
+                  <a:cs typeface="Verdana" panose="020B0604030504040204" pitchFamily="34" charset="0"/>
+                </a:rPr>
+                <a:t>vocês!</a:t>
               </a:r>
               <a:endParaRPr lang="pt-BR" b="1" dirty="0">
                 <a:latin typeface="Verdana" panose="020B0604030504040204" pitchFamily="34" charset="0"/>
@@ -11222,6 +13540,131 @@
               <a:t>9</a:t>
             </a:fld>
             <a:endParaRPr lang="pt-BR" dirty="0"/>
+          </a:p>
+        </p:txBody>
+      </p:sp>
+      <p:sp>
+        <p:nvSpPr>
+          <p:cNvPr id="4" name="Rectangle 3"/>
+          <p:cNvSpPr/>
+          <p:nvPr/>
+        </p:nvSpPr>
+        <p:spPr>
+          <a:xfrm>
+            <a:off x="-36512" y="1700808"/>
+            <a:ext cx="8909535" cy="2785378"/>
+          </a:xfrm>
+          <a:prstGeom prst="rect">
+            <a:avLst/>
+          </a:prstGeom>
+        </p:spPr>
+        <p:txBody>
+          <a:bodyPr>
+            <a:spAutoFit/>
+          </a:bodyPr>
+          <a:lstStyle/>
+          <a:p>
+            <a:pPr algn="ctr">
+              <a:spcAft>
+                <a:spcPts val="600"/>
+              </a:spcAft>
+            </a:pPr>
+            <a:r>
+              <a:rPr lang="pt-BR" sz="4000" b="1" dirty="0">
+                <a:solidFill>
+                  <a:schemeClr val="tx1">
+                    <a:lumMod val="85000"/>
+                    <a:lumOff val="15000"/>
+                  </a:schemeClr>
+                </a:solidFill>
+                <a:latin typeface="Verdana" panose="020B0604030504040204" pitchFamily="34" charset="0"/>
+                <a:ea typeface="Verdana" panose="020B0604030504040204" pitchFamily="34" charset="0"/>
+                <a:cs typeface="Verdana" panose="020B0604030504040204" pitchFamily="34" charset="0"/>
+              </a:rPr>
+              <a:t>https://</a:t>
+            </a:r>
+            <a:r>
+              <a:rPr lang="pt-BR" sz="4000" b="1" dirty="0" smtClean="0">
+                <a:solidFill>
+                  <a:schemeClr val="tx1">
+                    <a:lumMod val="85000"/>
+                    <a:lumOff val="15000"/>
+                  </a:schemeClr>
+                </a:solidFill>
+                <a:latin typeface="Verdana" panose="020B0604030504040204" pitchFamily="34" charset="0"/>
+                <a:ea typeface="Verdana" panose="020B0604030504040204" pitchFamily="34" charset="0"/>
+                <a:cs typeface="Verdana" panose="020B0604030504040204" pitchFamily="34" charset="0"/>
+              </a:rPr>
+              <a:t>github.com/inopus</a:t>
+            </a:r>
+          </a:p>
+          <a:p>
+            <a:pPr algn="ctr">
+              <a:spcAft>
+                <a:spcPts val="600"/>
+              </a:spcAft>
+            </a:pPr>
+            <a:endParaRPr lang="pt-BR" sz="4000" b="1" dirty="0" smtClean="0">
+              <a:solidFill>
+                <a:schemeClr val="tx1">
+                  <a:lumMod val="85000"/>
+                  <a:lumOff val="15000"/>
+                </a:schemeClr>
+              </a:solidFill>
+              <a:latin typeface="Verdana" panose="020B0604030504040204" pitchFamily="34" charset="0"/>
+              <a:ea typeface="Verdana" panose="020B0604030504040204" pitchFamily="34" charset="0"/>
+              <a:cs typeface="Verdana" panose="020B0604030504040204" pitchFamily="34" charset="0"/>
+            </a:endParaRPr>
+          </a:p>
+          <a:p>
+            <a:pPr algn="ctr">
+              <a:spcAft>
+                <a:spcPts val="600"/>
+              </a:spcAft>
+            </a:pPr>
+            <a:endParaRPr lang="pt-BR" sz="4000" b="1" dirty="0" smtClean="0">
+              <a:solidFill>
+                <a:schemeClr val="tx1">
+                  <a:lumMod val="85000"/>
+                  <a:lumOff val="15000"/>
+                </a:schemeClr>
+              </a:solidFill>
+              <a:latin typeface="Verdana" panose="020B0604030504040204" pitchFamily="34" charset="0"/>
+              <a:ea typeface="Verdana" panose="020B0604030504040204" pitchFamily="34" charset="0"/>
+              <a:cs typeface="Verdana" panose="020B0604030504040204" pitchFamily="34" charset="0"/>
+            </a:endParaRPr>
+          </a:p>
+          <a:p>
+            <a:pPr algn="ctr">
+              <a:spcAft>
+                <a:spcPts val="600"/>
+              </a:spcAft>
+            </a:pPr>
+            <a:r>
+              <a:rPr lang="pt-BR" sz="4000" b="1" dirty="0" smtClean="0">
+                <a:solidFill>
+                  <a:schemeClr val="tx1">
+                    <a:lumMod val="85000"/>
+                    <a:lumOff val="15000"/>
+                  </a:schemeClr>
+                </a:solidFill>
+                <a:latin typeface="Verdana" panose="020B0604030504040204" pitchFamily="34" charset="0"/>
+                <a:ea typeface="Verdana" panose="020B0604030504040204" pitchFamily="34" charset="0"/>
+                <a:cs typeface="Verdana" panose="020B0604030504040204" pitchFamily="34" charset="0"/>
+              </a:rPr>
+              <a:t>/workshop-php-20160618</a:t>
+            </a:r>
+            <a:endParaRPr lang="pt-BR" sz="4000" b="1" dirty="0">
+              <a:solidFill>
+                <a:schemeClr val="tx1">
+                  <a:lumMod val="85000"/>
+                  <a:lumOff val="15000"/>
+                </a:schemeClr>
+              </a:solidFill>
+              <a:latin typeface="Verdana" panose="020B0604030504040204" pitchFamily="34" charset="0"/>
+              <a:ea typeface="Verdana" panose="020B0604030504040204" pitchFamily="34" charset="0"/>
+              <a:cs typeface="Verdana" panose="020B0604030504040204" pitchFamily="34" charset="0"/>
+            </a:endParaRPr>
           </a:p>
         </p:txBody>
       </p:sp>
